--- a/introduction/IntroductionToTheCourse.pptx
+++ b/introduction/IntroductionToTheCourse.pptx
@@ -7,10 +7,13 @@
   <p:sldIdLst>
     <p:sldId id="256" r:id="rId2"/>
     <p:sldId id="258" r:id="rId3"/>
-    <p:sldId id="266" r:id="rId4"/>
-    <p:sldId id="267" r:id="rId5"/>
+    <p:sldId id="263" r:id="rId4"/>
+    <p:sldId id="264" r:id="rId5"/>
     <p:sldId id="259" r:id="rId6"/>
-    <p:sldId id="262" r:id="rId7"/>
+    <p:sldId id="265" r:id="rId7"/>
+    <p:sldId id="266" r:id="rId8"/>
+    <p:sldId id="267" r:id="rId9"/>
+    <p:sldId id="262" r:id="rId10"/>
   </p:sldIdLst>
   <p:sldSz cx="12192000" cy="6858000"/>
   <p:notesSz cx="6858000" cy="9144000"/>
@@ -266,7 +269,7 @@
           <a:p>
             <a:fld id="{5BCDAFFE-4955-4456-973D-88ADB759138A}" type="datetimeFigureOut">
               <a:rPr lang="de-CH" smtClean="0"/>
-              <a:t>25.05.20</a:t>
+              <a:t>26.05.2020</a:t>
             </a:fld>
             <a:endParaRPr lang="de-CH"/>
           </a:p>
@@ -320,7 +323,7 @@
           <a:p>
             <a:fld id="{14704FD8-D64B-455F-B752-50E3D6A08A81}" type="slidenum">
               <a:rPr lang="de-CH" smtClean="0"/>
-              <a:t>‹#›</a:t>
+              <a:t>‹Nr.›</a:t>
             </a:fld>
             <a:endParaRPr lang="de-CH"/>
           </a:p>
@@ -466,7 +469,7 @@
           <a:p>
             <a:fld id="{5BCDAFFE-4955-4456-973D-88ADB759138A}" type="datetimeFigureOut">
               <a:rPr lang="de-CH" smtClean="0"/>
-              <a:t>25.05.20</a:t>
+              <a:t>26.05.2020</a:t>
             </a:fld>
             <a:endParaRPr lang="de-CH"/>
           </a:p>
@@ -520,7 +523,7 @@
           <a:p>
             <a:fld id="{14704FD8-D64B-455F-B752-50E3D6A08A81}" type="slidenum">
               <a:rPr lang="de-CH" smtClean="0"/>
-              <a:t>‹#›</a:t>
+              <a:t>‹Nr.›</a:t>
             </a:fld>
             <a:endParaRPr lang="de-CH"/>
           </a:p>
@@ -676,7 +679,7 @@
           <a:p>
             <a:fld id="{5BCDAFFE-4955-4456-973D-88ADB759138A}" type="datetimeFigureOut">
               <a:rPr lang="de-CH" smtClean="0"/>
-              <a:t>25.05.20</a:t>
+              <a:t>26.05.2020</a:t>
             </a:fld>
             <a:endParaRPr lang="de-CH"/>
           </a:p>
@@ -730,7 +733,7 @@
           <a:p>
             <a:fld id="{14704FD8-D64B-455F-B752-50E3D6A08A81}" type="slidenum">
               <a:rPr lang="de-CH" smtClean="0"/>
-              <a:t>‹#›</a:t>
+              <a:t>‹Nr.›</a:t>
             </a:fld>
             <a:endParaRPr lang="de-CH"/>
           </a:p>
@@ -876,7 +879,7 @@
           <a:p>
             <a:fld id="{5BCDAFFE-4955-4456-973D-88ADB759138A}" type="datetimeFigureOut">
               <a:rPr lang="de-CH" smtClean="0"/>
-              <a:t>25.05.20</a:t>
+              <a:t>26.05.2020</a:t>
             </a:fld>
             <a:endParaRPr lang="de-CH"/>
           </a:p>
@@ -930,7 +933,7 @@
           <a:p>
             <a:fld id="{14704FD8-D64B-455F-B752-50E3D6A08A81}" type="slidenum">
               <a:rPr lang="de-CH" smtClean="0"/>
-              <a:t>‹#›</a:t>
+              <a:t>‹Nr.›</a:t>
             </a:fld>
             <a:endParaRPr lang="de-CH"/>
           </a:p>
@@ -1152,7 +1155,7 @@
           <a:p>
             <a:fld id="{5BCDAFFE-4955-4456-973D-88ADB759138A}" type="datetimeFigureOut">
               <a:rPr lang="de-CH" smtClean="0"/>
-              <a:t>25.05.20</a:t>
+              <a:t>26.05.2020</a:t>
             </a:fld>
             <a:endParaRPr lang="de-CH"/>
           </a:p>
@@ -1206,7 +1209,7 @@
           <a:p>
             <a:fld id="{14704FD8-D64B-455F-B752-50E3D6A08A81}" type="slidenum">
               <a:rPr lang="de-CH" smtClean="0"/>
-              <a:t>‹#›</a:t>
+              <a:t>‹Nr.›</a:t>
             </a:fld>
             <a:endParaRPr lang="de-CH"/>
           </a:p>
@@ -1420,7 +1423,7 @@
           <a:p>
             <a:fld id="{5BCDAFFE-4955-4456-973D-88ADB759138A}" type="datetimeFigureOut">
               <a:rPr lang="de-CH" smtClean="0"/>
-              <a:t>25.05.20</a:t>
+              <a:t>26.05.2020</a:t>
             </a:fld>
             <a:endParaRPr lang="de-CH"/>
           </a:p>
@@ -1474,7 +1477,7 @@
           <a:p>
             <a:fld id="{14704FD8-D64B-455F-B752-50E3D6A08A81}" type="slidenum">
               <a:rPr lang="de-CH" smtClean="0"/>
-              <a:t>‹#›</a:t>
+              <a:t>‹Nr.›</a:t>
             </a:fld>
             <a:endParaRPr lang="de-CH"/>
           </a:p>
@@ -1835,7 +1838,7 @@
           <a:p>
             <a:fld id="{5BCDAFFE-4955-4456-973D-88ADB759138A}" type="datetimeFigureOut">
               <a:rPr lang="de-CH" smtClean="0"/>
-              <a:t>25.05.20</a:t>
+              <a:t>26.05.2020</a:t>
             </a:fld>
             <a:endParaRPr lang="de-CH"/>
           </a:p>
@@ -1889,7 +1892,7 @@
           <a:p>
             <a:fld id="{14704FD8-D64B-455F-B752-50E3D6A08A81}" type="slidenum">
               <a:rPr lang="de-CH" smtClean="0"/>
-              <a:t>‹#›</a:t>
+              <a:t>‹Nr.›</a:t>
             </a:fld>
             <a:endParaRPr lang="de-CH"/>
           </a:p>
@@ -1977,7 +1980,7 @@
           <a:p>
             <a:fld id="{5BCDAFFE-4955-4456-973D-88ADB759138A}" type="datetimeFigureOut">
               <a:rPr lang="de-CH" smtClean="0"/>
-              <a:t>25.05.20</a:t>
+              <a:t>26.05.2020</a:t>
             </a:fld>
             <a:endParaRPr lang="de-CH"/>
           </a:p>
@@ -2031,7 +2034,7 @@
           <a:p>
             <a:fld id="{14704FD8-D64B-455F-B752-50E3D6A08A81}" type="slidenum">
               <a:rPr lang="de-CH" smtClean="0"/>
-              <a:t>‹#›</a:t>
+              <a:t>‹Nr.›</a:t>
             </a:fld>
             <a:endParaRPr lang="de-CH"/>
           </a:p>
@@ -2090,7 +2093,7 @@
           <a:p>
             <a:fld id="{5BCDAFFE-4955-4456-973D-88ADB759138A}" type="datetimeFigureOut">
               <a:rPr lang="de-CH" smtClean="0"/>
-              <a:t>25.05.20</a:t>
+              <a:t>26.05.2020</a:t>
             </a:fld>
             <a:endParaRPr lang="de-CH"/>
           </a:p>
@@ -2144,7 +2147,7 @@
           <a:p>
             <a:fld id="{14704FD8-D64B-455F-B752-50E3D6A08A81}" type="slidenum">
               <a:rPr lang="de-CH" smtClean="0"/>
-              <a:t>‹#›</a:t>
+              <a:t>‹Nr.›</a:t>
             </a:fld>
             <a:endParaRPr lang="de-CH"/>
           </a:p>
@@ -2403,7 +2406,7 @@
           <a:p>
             <a:fld id="{5BCDAFFE-4955-4456-973D-88ADB759138A}" type="datetimeFigureOut">
               <a:rPr lang="de-CH" smtClean="0"/>
-              <a:t>25.05.20</a:t>
+              <a:t>26.05.2020</a:t>
             </a:fld>
             <a:endParaRPr lang="de-CH"/>
           </a:p>
@@ -2457,7 +2460,7 @@
           <a:p>
             <a:fld id="{14704FD8-D64B-455F-B752-50E3D6A08A81}" type="slidenum">
               <a:rPr lang="de-CH" smtClean="0"/>
-              <a:t>‹#›</a:t>
+              <a:t>‹Nr.›</a:t>
             </a:fld>
             <a:endParaRPr lang="de-CH"/>
           </a:p>
@@ -2692,7 +2695,7 @@
           <a:p>
             <a:fld id="{5BCDAFFE-4955-4456-973D-88ADB759138A}" type="datetimeFigureOut">
               <a:rPr lang="de-CH" smtClean="0"/>
-              <a:t>25.05.20</a:t>
+              <a:t>26.05.2020</a:t>
             </a:fld>
             <a:endParaRPr lang="de-CH"/>
           </a:p>
@@ -2746,7 +2749,7 @@
           <a:p>
             <a:fld id="{14704FD8-D64B-455F-B752-50E3D6A08A81}" type="slidenum">
               <a:rPr lang="de-CH" smtClean="0"/>
-              <a:t>‹#›</a:t>
+              <a:t>‹Nr.›</a:t>
             </a:fld>
             <a:endParaRPr lang="de-CH"/>
           </a:p>
@@ -2935,7 +2938,7 @@
           <a:p>
             <a:fld id="{5BCDAFFE-4955-4456-973D-88ADB759138A}" type="datetimeFigureOut">
               <a:rPr lang="de-CH" smtClean="0"/>
-              <a:t>25.05.20</a:t>
+              <a:t>26.05.2020</a:t>
             </a:fld>
             <a:endParaRPr lang="de-CH"/>
           </a:p>
@@ -3025,7 +3028,7 @@
           <a:p>
             <a:fld id="{14704FD8-D64B-455F-B752-50E3D6A08A81}" type="slidenum">
               <a:rPr lang="de-CH" smtClean="0"/>
-              <a:t>‹#›</a:t>
+              <a:t>‹Nr.›</a:t>
             </a:fld>
             <a:endParaRPr lang="de-CH"/>
           </a:p>
@@ -3474,27 +3477,7 @@
                 <a:effectLst/>
                 <a:latin typeface="Arial" panose="020B0604020202020204" pitchFamily="34" charset="0"/>
               </a:rPr>
-              <a:t>Charlotte Soneson, Avi </a:t>
-            </a:r>
-            <a:r>
-              <a:rPr lang="de-CH" b="0" i="0" dirty="0" err="1">
-                <a:solidFill>
-                  <a:srgbClr val="313233"/>
-                </a:solidFill>
-                <a:effectLst/>
-                <a:latin typeface="Arial" panose="020B0604020202020204" pitchFamily="34" charset="0"/>
-              </a:rPr>
-              <a:t>Srivastava</a:t>
-            </a:r>
-            <a:r>
-              <a:rPr lang="de-CH" b="0" i="0" dirty="0">
-                <a:solidFill>
-                  <a:srgbClr val="313233"/>
-                </a:solidFill>
-                <a:effectLst/>
-                <a:latin typeface="Arial" panose="020B0604020202020204" pitchFamily="34" charset="0"/>
-              </a:rPr>
-              <a:t>, Michael Stadler</a:t>
+              <a:t>Charlotte Soneson, Avi Srivastava, Michael Stadler</a:t>
             </a:r>
             <a:endParaRPr lang="de-CH" dirty="0"/>
           </a:p>
@@ -3612,7 +3595,12 @@
             <p:ph type="title"/>
           </p:nvPr>
         </p:nvSpPr>
-        <p:spPr/>
+        <p:spPr>
+          <a:xfrm>
+            <a:off x="838200" y="365126"/>
+            <a:ext cx="10515600" cy="760290"/>
+          </a:xfrm>
+        </p:spPr>
         <p:txBody>
           <a:bodyPr/>
           <a:lstStyle/>
@@ -3625,41 +3613,2604 @@
           </a:p>
         </p:txBody>
       </p:sp>
-      <p:pic>
-        <p:nvPicPr>
-          <p:cNvPr id="5" name="Content Placeholder 4">
+      <p:graphicFrame>
+        <p:nvGraphicFramePr>
+          <p:cNvPr id="6" name="Tabelle 5">
             <a:extLst>
               <a:ext uri="{FF2B5EF4-FFF2-40B4-BE49-F238E27FC236}">
-                <a16:creationId xmlns:a16="http://schemas.microsoft.com/office/drawing/2014/main" id="{2073E391-AA23-6E4D-8283-ED09F2C48641}"/>
+                <a16:creationId xmlns:a16="http://schemas.microsoft.com/office/drawing/2014/main" id="{EB538FC1-A728-4E54-B453-B0B0963244FC}"/>
               </a:ext>
             </a:extLst>
           </p:cNvPr>
-          <p:cNvPicPr>
-            <a:picLocks noGrp="1" noChangeAspect="1"/>
-          </p:cNvPicPr>
+          <p:cNvGraphicFramePr>
+            <a:graphicFrameLocks noGrp="1"/>
+          </p:cNvGraphicFramePr>
           <p:nvPr>
-            <p:ph idx="1"/>
+            <p:extLst>
+              <p:ext uri="{D42A27DB-BD31-4B8C-83A1-F6EECF244321}">
+                <p14:modId xmlns:p14="http://schemas.microsoft.com/office/powerpoint/2010/main" val="4207802089"/>
+              </p:ext>
+            </p:extLst>
           </p:nvPr>
-        </p:nvPicPr>
-        <p:blipFill>
-          <a:blip r:embed="rId2">
+        </p:nvGraphicFramePr>
+        <p:xfrm>
+          <a:off x="1013497" y="1272492"/>
+          <a:ext cx="6984000" cy="5137207"/>
+        </p:xfrm>
+        <a:graphic>
+          <a:graphicData uri="http://schemas.openxmlformats.org/drawingml/2006/table">
+            <a:tbl>
+              <a:tblPr/>
+              <a:tblGrid>
+                <a:gridCol w="1197574">
+                  <a:extLst>
+                    <a:ext uri="{9D8B030D-6E8A-4147-A177-3AD203B41FA5}">
+                      <a16:colId xmlns:a16="http://schemas.microsoft.com/office/drawing/2014/main" val="322169044"/>
+                    </a:ext>
+                  </a:extLst>
+                </a:gridCol>
+                <a:gridCol w="5786426">
+                  <a:extLst>
+                    <a:ext uri="{9D8B030D-6E8A-4147-A177-3AD203B41FA5}">
+                      <a16:colId xmlns:a16="http://schemas.microsoft.com/office/drawing/2014/main" val="332984489"/>
+                    </a:ext>
+                  </a:extLst>
+                </a:gridCol>
+              </a:tblGrid>
+              <a:tr h="263462">
+                <a:tc gridSpan="2">
+                  <a:txBody>
+                    <a:bodyPr/>
+                    <a:lstStyle/>
+                    <a:p>
+                      <a:pPr rtl="0" fontAlgn="t">
+                        <a:spcBef>
+                          <a:spcPts val="0"/>
+                        </a:spcBef>
+                        <a:spcAft>
+                          <a:spcPts val="0"/>
+                        </a:spcAft>
+                      </a:pPr>
+                      <a:r>
+                        <a:rPr lang="de-CH" sz="1200" b="1" i="0" u="none" strike="noStrike" dirty="0">
+                          <a:solidFill>
+                            <a:srgbClr val="000000"/>
+                          </a:solidFill>
+                          <a:effectLst/>
+                          <a:latin typeface="Arial" panose="020B0604020202020204" pitchFamily="34" charset="0"/>
+                          <a:cs typeface="Arial" panose="020B0604020202020204" pitchFamily="34" charset="0"/>
+                        </a:rPr>
+                        <a:t>Wednesday, May 27</a:t>
+                      </a:r>
+                      <a:endParaRPr lang="de-CH" sz="1600" dirty="0">
+                        <a:effectLst/>
+                        <a:latin typeface="Arial" panose="020B0604020202020204" pitchFamily="34" charset="0"/>
+                        <a:cs typeface="Arial" panose="020B0604020202020204" pitchFamily="34" charset="0"/>
+                      </a:endParaRPr>
+                    </a:p>
+                  </a:txBody>
+                  <a:tcPr marL="18338" marR="18338" marT="18338" marB="18338">
+                    <a:lnL>
+                      <a:noFill/>
+                    </a:lnL>
+                    <a:lnR>
+                      <a:noFill/>
+                    </a:lnR>
+                    <a:lnT>
+                      <a:noFill/>
+                    </a:lnT>
+                    <a:lnB w="12700" cap="flat" cmpd="sng" algn="ctr">
+                      <a:solidFill>
+                        <a:srgbClr val="000000"/>
+                      </a:solidFill>
+                      <a:prstDash val="solid"/>
+                      <a:round/>
+                      <a:headEnd type="none" w="med" len="med"/>
+                      <a:tailEnd type="none" w="med" len="med"/>
+                    </a:lnB>
+                  </a:tcPr>
+                </a:tc>
+                <a:tc hMerge="1">
+                  <a:txBody>
+                    <a:bodyPr/>
+                    <a:lstStyle/>
+                    <a:p>
+                      <a:endParaRPr lang="de-CH"/>
+                    </a:p>
+                  </a:txBody>
+                  <a:tcPr/>
+                </a:tc>
+                <a:extLst>
+                  <a:ext uri="{0D108BD9-81ED-4DB2-BD59-A6C34878D82A}">
+                    <a16:rowId xmlns:a16="http://schemas.microsoft.com/office/drawing/2014/main" val="2090702048"/>
+                  </a:ext>
+                </a:extLst>
+              </a:tr>
+              <a:tr h="263462">
+                <a:tc>
+                  <a:txBody>
+                    <a:bodyPr/>
+                    <a:lstStyle/>
+                    <a:p>
+                      <a:pPr rtl="0" fontAlgn="t">
+                        <a:spcBef>
+                          <a:spcPts val="0"/>
+                        </a:spcBef>
+                        <a:spcAft>
+                          <a:spcPts val="0"/>
+                        </a:spcAft>
+                      </a:pPr>
+                      <a:r>
+                        <a:rPr lang="de-CH" sz="1200" b="0" i="0" u="none" strike="noStrike" dirty="0">
+                          <a:solidFill>
+                            <a:srgbClr val="000000"/>
+                          </a:solidFill>
+                          <a:effectLst/>
+                          <a:latin typeface="Arial" panose="020B0604020202020204" pitchFamily="34" charset="0"/>
+                          <a:cs typeface="Arial" panose="020B0604020202020204" pitchFamily="34" charset="0"/>
+                        </a:rPr>
+                        <a:t>  9:00 - 9:30</a:t>
+                      </a:r>
+                      <a:endParaRPr lang="de-CH" sz="1600" dirty="0">
+                        <a:effectLst/>
+                        <a:latin typeface="Arial" panose="020B0604020202020204" pitchFamily="34" charset="0"/>
+                        <a:cs typeface="Arial" panose="020B0604020202020204" pitchFamily="34" charset="0"/>
+                      </a:endParaRPr>
+                    </a:p>
+                  </a:txBody>
+                  <a:tcPr marL="18338" marR="18338" marT="18338" marB="18338">
+                    <a:lnL>
+                      <a:noFill/>
+                    </a:lnL>
+                    <a:lnR>
+                      <a:noFill/>
+                    </a:lnR>
+                    <a:lnT w="12700" cap="flat" cmpd="sng" algn="ctr">
+                      <a:solidFill>
+                        <a:srgbClr val="000000"/>
+                      </a:solidFill>
+                      <a:prstDash val="solid"/>
+                      <a:round/>
+                      <a:headEnd type="none" w="med" len="med"/>
+                      <a:tailEnd type="none" w="med" len="med"/>
+                    </a:lnT>
+                    <a:lnB>
+                      <a:noFill/>
+                    </a:lnB>
+                  </a:tcPr>
+                </a:tc>
+                <a:tc>
+                  <a:txBody>
+                    <a:bodyPr/>
+                    <a:lstStyle/>
+                    <a:p>
+                      <a:pPr rtl="0" fontAlgn="t">
+                        <a:spcBef>
+                          <a:spcPts val="0"/>
+                        </a:spcBef>
+                        <a:spcAft>
+                          <a:spcPts val="0"/>
+                        </a:spcAft>
+                      </a:pPr>
+                      <a:r>
+                        <a:rPr lang="en-US" sz="1200" b="0" i="0" u="none" strike="noStrike" dirty="0">
+                          <a:solidFill>
+                            <a:srgbClr val="000000"/>
+                          </a:solidFill>
+                          <a:effectLst/>
+                          <a:latin typeface="Arial" panose="020B0604020202020204" pitchFamily="34" charset="0"/>
+                          <a:cs typeface="Arial" panose="020B0604020202020204" pitchFamily="34" charset="0"/>
+                        </a:rPr>
+                        <a:t>Welcome and setup of working environment (</a:t>
+                      </a:r>
+                      <a:r>
+                        <a:rPr lang="en-US" sz="1200" b="0" i="1" u="none" strike="noStrike" dirty="0">
+                          <a:solidFill>
+                            <a:srgbClr val="000000"/>
+                          </a:solidFill>
+                          <a:effectLst/>
+                          <a:latin typeface="Arial" panose="020B0604020202020204" pitchFamily="34" charset="0"/>
+                          <a:cs typeface="Arial" panose="020B0604020202020204" pitchFamily="34" charset="0"/>
+                        </a:rPr>
+                        <a:t>C. Soneson</a:t>
+                      </a:r>
+                      <a:r>
+                        <a:rPr lang="en-US" sz="1200" b="0" i="0" u="none" strike="noStrike" dirty="0">
+                          <a:solidFill>
+                            <a:srgbClr val="000000"/>
+                          </a:solidFill>
+                          <a:effectLst/>
+                          <a:latin typeface="Arial" panose="020B0604020202020204" pitchFamily="34" charset="0"/>
+                          <a:cs typeface="Arial" panose="020B0604020202020204" pitchFamily="34" charset="0"/>
+                        </a:rPr>
+                        <a:t>)</a:t>
+                      </a:r>
+                      <a:endParaRPr lang="en-US" sz="1600" dirty="0">
+                        <a:effectLst/>
+                        <a:latin typeface="Arial" panose="020B0604020202020204" pitchFamily="34" charset="0"/>
+                        <a:cs typeface="Arial" panose="020B0604020202020204" pitchFamily="34" charset="0"/>
+                      </a:endParaRPr>
+                    </a:p>
+                  </a:txBody>
+                  <a:tcPr marL="18338" marR="18338" marT="18338" marB="18338">
+                    <a:lnL>
+                      <a:noFill/>
+                    </a:lnL>
+                    <a:lnR>
+                      <a:noFill/>
+                    </a:lnR>
+                    <a:lnT w="12700" cap="flat" cmpd="sng" algn="ctr">
+                      <a:solidFill>
+                        <a:srgbClr val="000000"/>
+                      </a:solidFill>
+                      <a:prstDash val="solid"/>
+                      <a:round/>
+                      <a:headEnd type="none" w="med" len="med"/>
+                      <a:tailEnd type="none" w="med" len="med"/>
+                    </a:lnT>
+                    <a:lnB>
+                      <a:noFill/>
+                    </a:lnB>
+                  </a:tcPr>
+                </a:tc>
+                <a:extLst>
+                  <a:ext uri="{0D108BD9-81ED-4DB2-BD59-A6C34878D82A}">
+                    <a16:rowId xmlns:a16="http://schemas.microsoft.com/office/drawing/2014/main" val="2871697394"/>
+                  </a:ext>
+                </a:extLst>
+              </a:tr>
+              <a:tr h="482913">
+                <a:tc>
+                  <a:txBody>
+                    <a:bodyPr/>
+                    <a:lstStyle/>
+                    <a:p>
+                      <a:pPr fontAlgn="t"/>
+                      <a:endParaRPr lang="de-CH" sz="1600" dirty="0">
+                        <a:effectLst/>
+                        <a:latin typeface="Arial" panose="020B0604020202020204" pitchFamily="34" charset="0"/>
+                        <a:cs typeface="Arial" panose="020B0604020202020204" pitchFamily="34" charset="0"/>
+                      </a:endParaRPr>
+                    </a:p>
+                  </a:txBody>
+                  <a:tcPr marL="18338" marR="18338" marT="18338" marB="18338">
+                    <a:lnL>
+                      <a:noFill/>
+                    </a:lnL>
+                    <a:lnR>
+                      <a:noFill/>
+                    </a:lnR>
+                    <a:lnT>
+                      <a:noFill/>
+                    </a:lnT>
+                    <a:lnB>
+                      <a:noFill/>
+                    </a:lnB>
+                  </a:tcPr>
+                </a:tc>
+                <a:tc>
+                  <a:txBody>
+                    <a:bodyPr/>
+                    <a:lstStyle/>
+                    <a:p>
+                      <a:pPr marL="171450" indent="-171450" rtl="0" fontAlgn="base">
+                        <a:spcBef>
+                          <a:spcPts val="0"/>
+                        </a:spcBef>
+                        <a:spcAft>
+                          <a:spcPts val="0"/>
+                        </a:spcAft>
+                        <a:buFont typeface="Arial" panose="020B0604020202020204" pitchFamily="34" charset="0"/>
+                        <a:buChar char="•"/>
+                      </a:pPr>
+                      <a:r>
+                        <a:rPr lang="en-US" sz="1200" b="0" i="0" u="none" strike="noStrike" dirty="0">
+                          <a:solidFill>
+                            <a:srgbClr val="000000"/>
+                          </a:solidFill>
+                          <a:effectLst/>
+                          <a:latin typeface="Arial" panose="020B0604020202020204" pitchFamily="34" charset="0"/>
+                          <a:cs typeface="Arial" panose="020B0604020202020204" pitchFamily="34" charset="0"/>
+                        </a:rPr>
+                        <a:t>Zoom, slack workspace, </a:t>
+                      </a:r>
+                      <a:r>
+                        <a:rPr lang="en-US" sz="1200" b="0" i="0" u="none" strike="noStrike" dirty="0" err="1">
+                          <a:solidFill>
+                            <a:srgbClr val="000000"/>
+                          </a:solidFill>
+                          <a:effectLst/>
+                          <a:latin typeface="Arial" panose="020B0604020202020204" pitchFamily="34" charset="0"/>
+                          <a:cs typeface="Arial" panose="020B0604020202020204" pitchFamily="34" charset="0"/>
+                        </a:rPr>
+                        <a:t>HackMD</a:t>
+                      </a:r>
+                      <a:r>
+                        <a:rPr lang="en-US" sz="1200" b="0" i="0" u="none" strike="noStrike" dirty="0">
+                          <a:solidFill>
+                            <a:srgbClr val="000000"/>
+                          </a:solidFill>
+                          <a:effectLst/>
+                          <a:latin typeface="Arial" panose="020B0604020202020204" pitchFamily="34" charset="0"/>
+                          <a:cs typeface="Arial" panose="020B0604020202020204" pitchFamily="34" charset="0"/>
+                        </a:rPr>
+                        <a:t> document</a:t>
+                      </a:r>
+                    </a:p>
+                    <a:p>
+                      <a:pPr marL="171450" indent="-171450" rtl="0" fontAlgn="base">
+                        <a:spcBef>
+                          <a:spcPts val="0"/>
+                        </a:spcBef>
+                        <a:spcAft>
+                          <a:spcPts val="0"/>
+                        </a:spcAft>
+                        <a:buFont typeface="Arial" panose="020B0604020202020204" pitchFamily="34" charset="0"/>
+                        <a:buChar char="•"/>
+                      </a:pPr>
+                      <a:r>
+                        <a:rPr lang="en-US" sz="1200" b="0" i="0" u="none" strike="noStrike" dirty="0">
+                          <a:solidFill>
+                            <a:srgbClr val="000000"/>
+                          </a:solidFill>
+                          <a:effectLst/>
+                          <a:latin typeface="Arial" panose="020B0604020202020204" pitchFamily="34" charset="0"/>
+                          <a:cs typeface="Arial" panose="020B0604020202020204" pitchFamily="34" charset="0"/>
+                        </a:rPr>
+                        <a:t>Introducing participants (ice breaker)</a:t>
+                      </a:r>
+                    </a:p>
+                  </a:txBody>
+                  <a:tcPr marL="18338" marR="18338" marT="18338" marB="18338">
+                    <a:lnL>
+                      <a:noFill/>
+                    </a:lnL>
+                    <a:lnR>
+                      <a:noFill/>
+                    </a:lnR>
+                    <a:lnT>
+                      <a:noFill/>
+                    </a:lnT>
+                    <a:lnB>
+                      <a:noFill/>
+                    </a:lnB>
+                  </a:tcPr>
+                </a:tc>
+                <a:extLst>
+                  <a:ext uri="{0D108BD9-81ED-4DB2-BD59-A6C34878D82A}">
+                    <a16:rowId xmlns:a16="http://schemas.microsoft.com/office/drawing/2014/main" val="1451984735"/>
+                  </a:ext>
+                </a:extLst>
+              </a:tr>
+              <a:tr h="263462">
+                <a:tc>
+                  <a:txBody>
+                    <a:bodyPr/>
+                    <a:lstStyle/>
+                    <a:p>
+                      <a:pPr rtl="0" fontAlgn="t">
+                        <a:spcBef>
+                          <a:spcPts val="0"/>
+                        </a:spcBef>
+                        <a:spcAft>
+                          <a:spcPts val="0"/>
+                        </a:spcAft>
+                      </a:pPr>
+                      <a:r>
+                        <a:rPr lang="de-CH" sz="1200" b="0" i="0" u="none" strike="noStrike" dirty="0">
+                          <a:solidFill>
+                            <a:srgbClr val="000000"/>
+                          </a:solidFill>
+                          <a:effectLst/>
+                          <a:latin typeface="Arial" panose="020B0604020202020204" pitchFamily="34" charset="0"/>
+                          <a:cs typeface="Arial" panose="020B0604020202020204" pitchFamily="34" charset="0"/>
+                        </a:rPr>
+                        <a:t>  9:30 - 10:00</a:t>
+                      </a:r>
+                      <a:endParaRPr lang="de-CH" sz="1600" dirty="0">
+                        <a:effectLst/>
+                        <a:latin typeface="Arial" panose="020B0604020202020204" pitchFamily="34" charset="0"/>
+                        <a:cs typeface="Arial" panose="020B0604020202020204" pitchFamily="34" charset="0"/>
+                      </a:endParaRPr>
+                    </a:p>
+                  </a:txBody>
+                  <a:tcPr marL="18338" marR="18338" marT="18338" marB="18338">
+                    <a:lnL>
+                      <a:noFill/>
+                    </a:lnL>
+                    <a:lnR>
+                      <a:noFill/>
+                    </a:lnR>
+                    <a:lnT>
+                      <a:noFill/>
+                    </a:lnT>
+                    <a:lnB>
+                      <a:noFill/>
+                    </a:lnB>
+                  </a:tcPr>
+                </a:tc>
+                <a:tc>
+                  <a:txBody>
+                    <a:bodyPr/>
+                    <a:lstStyle/>
+                    <a:p>
+                      <a:pPr rtl="0" fontAlgn="t">
+                        <a:spcBef>
+                          <a:spcPts val="0"/>
+                        </a:spcBef>
+                        <a:spcAft>
+                          <a:spcPts val="0"/>
+                        </a:spcAft>
+                      </a:pPr>
+                      <a:r>
+                        <a:rPr lang="de-CH" sz="1200" b="0" i="0" u="none" strike="noStrike" dirty="0" err="1">
+                          <a:solidFill>
+                            <a:srgbClr val="000000"/>
+                          </a:solidFill>
+                          <a:effectLst/>
+                          <a:latin typeface="Arial" panose="020B0604020202020204" pitchFamily="34" charset="0"/>
+                          <a:cs typeface="Arial" panose="020B0604020202020204" pitchFamily="34" charset="0"/>
+                        </a:rPr>
+                        <a:t>Introduction</a:t>
+                      </a:r>
+                      <a:r>
+                        <a:rPr lang="de-CH" sz="1200" b="0" i="0" u="none" strike="noStrike" dirty="0">
+                          <a:solidFill>
+                            <a:srgbClr val="000000"/>
+                          </a:solidFill>
+                          <a:effectLst/>
+                          <a:latin typeface="Arial" panose="020B0604020202020204" pitchFamily="34" charset="0"/>
+                          <a:cs typeface="Arial" panose="020B0604020202020204" pitchFamily="34" charset="0"/>
+                        </a:rPr>
+                        <a:t> </a:t>
+                      </a:r>
+                      <a:r>
+                        <a:rPr lang="de-CH" sz="1200" b="0" i="0" u="none" strike="noStrike" dirty="0" err="1">
+                          <a:solidFill>
+                            <a:srgbClr val="000000"/>
+                          </a:solidFill>
+                          <a:effectLst/>
+                          <a:latin typeface="Arial" panose="020B0604020202020204" pitchFamily="34" charset="0"/>
+                          <a:cs typeface="Arial" panose="020B0604020202020204" pitchFamily="34" charset="0"/>
+                        </a:rPr>
+                        <a:t>to</a:t>
+                      </a:r>
+                      <a:r>
+                        <a:rPr lang="de-CH" sz="1200" b="0" i="0" u="none" strike="noStrike" dirty="0">
+                          <a:solidFill>
+                            <a:srgbClr val="000000"/>
+                          </a:solidFill>
+                          <a:effectLst/>
+                          <a:latin typeface="Arial" panose="020B0604020202020204" pitchFamily="34" charset="0"/>
+                          <a:cs typeface="Arial" panose="020B0604020202020204" pitchFamily="34" charset="0"/>
+                        </a:rPr>
+                        <a:t> </a:t>
+                      </a:r>
+                      <a:r>
+                        <a:rPr lang="de-CH" sz="1200" b="0" i="0" u="none" strike="noStrike" dirty="0" err="1">
+                          <a:solidFill>
+                            <a:srgbClr val="000000"/>
+                          </a:solidFill>
+                          <a:effectLst/>
+                          <a:latin typeface="Arial" panose="020B0604020202020204" pitchFamily="34" charset="0"/>
+                          <a:cs typeface="Arial" panose="020B0604020202020204" pitchFamily="34" charset="0"/>
+                        </a:rPr>
+                        <a:t>Renku</a:t>
+                      </a:r>
+                      <a:r>
+                        <a:rPr lang="de-CH" sz="1200" b="0" i="0" u="none" strike="noStrike" dirty="0">
+                          <a:solidFill>
+                            <a:srgbClr val="000000"/>
+                          </a:solidFill>
+                          <a:effectLst/>
+                          <a:latin typeface="Arial" panose="020B0604020202020204" pitchFamily="34" charset="0"/>
+                          <a:cs typeface="Arial" panose="020B0604020202020204" pitchFamily="34" charset="0"/>
+                        </a:rPr>
+                        <a:t> (</a:t>
+                      </a:r>
+                      <a:r>
+                        <a:rPr lang="de-CH" sz="1200" b="0" i="1" u="none" strike="noStrike" dirty="0">
+                          <a:solidFill>
+                            <a:srgbClr val="000000"/>
+                          </a:solidFill>
+                          <a:effectLst/>
+                          <a:latin typeface="Arial" panose="020B0604020202020204" pitchFamily="34" charset="0"/>
+                          <a:cs typeface="Arial" panose="020B0604020202020204" pitchFamily="34" charset="0"/>
+                        </a:rPr>
+                        <a:t>R. Roskar</a:t>
+                      </a:r>
+                      <a:r>
+                        <a:rPr lang="de-CH" sz="1200" b="0" i="0" u="none" strike="noStrike" dirty="0">
+                          <a:solidFill>
+                            <a:srgbClr val="000000"/>
+                          </a:solidFill>
+                          <a:effectLst/>
+                          <a:latin typeface="Arial" panose="020B0604020202020204" pitchFamily="34" charset="0"/>
+                          <a:cs typeface="Arial" panose="020B0604020202020204" pitchFamily="34" charset="0"/>
+                        </a:rPr>
+                        <a:t>)</a:t>
+                      </a:r>
+                      <a:endParaRPr lang="de-CH" sz="1600" dirty="0">
+                        <a:effectLst/>
+                        <a:latin typeface="Arial" panose="020B0604020202020204" pitchFamily="34" charset="0"/>
+                        <a:cs typeface="Arial" panose="020B0604020202020204" pitchFamily="34" charset="0"/>
+                      </a:endParaRPr>
+                    </a:p>
+                  </a:txBody>
+                  <a:tcPr marL="18338" marR="18338" marT="18338" marB="18338">
+                    <a:lnL>
+                      <a:noFill/>
+                    </a:lnL>
+                    <a:lnR>
+                      <a:noFill/>
+                    </a:lnR>
+                    <a:lnT>
+                      <a:noFill/>
+                    </a:lnT>
+                    <a:lnB>
+                      <a:noFill/>
+                    </a:lnB>
+                  </a:tcPr>
+                </a:tc>
+                <a:extLst>
+                  <a:ext uri="{0D108BD9-81ED-4DB2-BD59-A6C34878D82A}">
+                    <a16:rowId xmlns:a16="http://schemas.microsoft.com/office/drawing/2014/main" val="1261613227"/>
+                  </a:ext>
+                </a:extLst>
+              </a:tr>
+              <a:tr h="702364">
+                <a:tc>
+                  <a:txBody>
+                    <a:bodyPr/>
+                    <a:lstStyle/>
+                    <a:p>
+                      <a:pPr rtl="0" fontAlgn="t">
+                        <a:spcBef>
+                          <a:spcPts val="0"/>
+                        </a:spcBef>
+                        <a:spcAft>
+                          <a:spcPts val="0"/>
+                        </a:spcAft>
+                      </a:pPr>
+                      <a:r>
+                        <a:rPr lang="de-CH" sz="1200" b="0" i="0" u="none" strike="noStrike" dirty="0">
+                          <a:solidFill>
+                            <a:srgbClr val="000000"/>
+                          </a:solidFill>
+                          <a:effectLst/>
+                          <a:latin typeface="Arial" panose="020B0604020202020204" pitchFamily="34" charset="0"/>
+                          <a:cs typeface="Arial" panose="020B0604020202020204" pitchFamily="34" charset="0"/>
+                        </a:rPr>
+                        <a:t>10:00 - 10:30</a:t>
+                      </a:r>
+                      <a:endParaRPr lang="de-CH" sz="1600" dirty="0">
+                        <a:effectLst/>
+                        <a:latin typeface="Arial" panose="020B0604020202020204" pitchFamily="34" charset="0"/>
+                        <a:cs typeface="Arial" panose="020B0604020202020204" pitchFamily="34" charset="0"/>
+                      </a:endParaRPr>
+                    </a:p>
+                  </a:txBody>
+                  <a:tcPr marL="18338" marR="18338" marT="18338" marB="18338">
+                    <a:lnL>
+                      <a:noFill/>
+                    </a:lnL>
+                    <a:lnR>
+                      <a:noFill/>
+                    </a:lnR>
+                    <a:lnT>
+                      <a:noFill/>
+                    </a:lnT>
+                    <a:lnB>
+                      <a:noFill/>
+                    </a:lnB>
+                  </a:tcPr>
+                </a:tc>
+                <a:tc>
+                  <a:txBody>
+                    <a:bodyPr/>
+                    <a:lstStyle/>
+                    <a:p>
+                      <a:pPr rtl="0" fontAlgn="t">
+                        <a:spcBef>
+                          <a:spcPts val="0"/>
+                        </a:spcBef>
+                        <a:spcAft>
+                          <a:spcPts val="0"/>
+                        </a:spcAft>
+                      </a:pPr>
+                      <a:r>
+                        <a:rPr lang="en-US" sz="1200" b="0" i="0" u="none" strike="noStrike" dirty="0">
+                          <a:solidFill>
+                            <a:srgbClr val="000000"/>
+                          </a:solidFill>
+                          <a:effectLst/>
+                          <a:latin typeface="Arial" panose="020B0604020202020204" pitchFamily="34" charset="0"/>
+                          <a:cs typeface="Arial" panose="020B0604020202020204" pitchFamily="34" charset="0"/>
+                        </a:rPr>
+                        <a:t>Introduction to the course </a:t>
+                      </a:r>
+                      <a:r>
+                        <a:rPr lang="en-US" sz="1200" b="0" i="1" u="none" strike="noStrike" dirty="0">
+                          <a:solidFill>
+                            <a:srgbClr val="000000"/>
+                          </a:solidFill>
+                          <a:effectLst/>
+                          <a:latin typeface="Arial" panose="020B0604020202020204" pitchFamily="34" charset="0"/>
+                          <a:cs typeface="Arial" panose="020B0604020202020204" pitchFamily="34" charset="0"/>
+                        </a:rPr>
+                        <a:t>(M. Stadler)</a:t>
+                      </a:r>
+                      <a:endParaRPr lang="en-US" sz="1600" i="1" dirty="0">
+                        <a:effectLst/>
+                        <a:latin typeface="Arial" panose="020B0604020202020204" pitchFamily="34" charset="0"/>
+                        <a:cs typeface="Arial" panose="020B0604020202020204" pitchFamily="34" charset="0"/>
+                      </a:endParaRPr>
+                    </a:p>
+                    <a:p>
+                      <a:pPr marL="171450" indent="-171450" rtl="0" fontAlgn="base">
+                        <a:spcBef>
+                          <a:spcPts val="0"/>
+                        </a:spcBef>
+                        <a:spcAft>
+                          <a:spcPts val="0"/>
+                        </a:spcAft>
+                        <a:buFont typeface="Arial" panose="020B0604020202020204" pitchFamily="34" charset="0"/>
+                        <a:buChar char="•"/>
+                      </a:pPr>
+                      <a:r>
+                        <a:rPr lang="en-US" sz="1200" b="0" i="0" u="none" strike="noStrike" dirty="0">
+                          <a:solidFill>
+                            <a:srgbClr val="000000"/>
+                          </a:solidFill>
+                          <a:effectLst/>
+                          <a:latin typeface="Arial" panose="020B0604020202020204" pitchFamily="34" charset="0"/>
+                          <a:cs typeface="Arial" panose="020B0604020202020204" pitchFamily="34" charset="0"/>
+                        </a:rPr>
+                        <a:t>Course overview, expected background</a:t>
+                      </a:r>
+                    </a:p>
+                    <a:p>
+                      <a:pPr marL="171450" indent="-171450" rtl="0" fontAlgn="base">
+                        <a:spcBef>
+                          <a:spcPts val="0"/>
+                        </a:spcBef>
+                        <a:spcAft>
+                          <a:spcPts val="0"/>
+                        </a:spcAft>
+                        <a:buFont typeface="Arial" panose="020B0604020202020204" pitchFamily="34" charset="0"/>
+                        <a:buChar char="•"/>
+                      </a:pPr>
+                      <a:r>
+                        <a:rPr lang="en-US" sz="1200" b="0" i="0" u="none" strike="noStrike" dirty="0">
+                          <a:solidFill>
+                            <a:srgbClr val="000000"/>
+                          </a:solidFill>
+                          <a:effectLst/>
+                          <a:latin typeface="Arial" panose="020B0604020202020204" pitchFamily="34" charset="0"/>
+                          <a:cs typeface="Arial" panose="020B0604020202020204" pitchFamily="34" charset="0"/>
+                        </a:rPr>
+                        <a:t>Prepare </a:t>
+                      </a:r>
+                      <a:r>
+                        <a:rPr lang="en-US" sz="1200" b="0" i="0" u="none" strike="noStrike" dirty="0" err="1">
+                          <a:solidFill>
+                            <a:srgbClr val="000000"/>
+                          </a:solidFill>
+                          <a:effectLst/>
+                          <a:latin typeface="Arial" panose="020B0604020202020204" pitchFamily="34" charset="0"/>
+                          <a:cs typeface="Arial" panose="020B0604020202020204" pitchFamily="34" charset="0"/>
+                        </a:rPr>
+                        <a:t>renku</a:t>
+                      </a:r>
+                      <a:r>
+                        <a:rPr lang="en-US" sz="1200" b="0" i="0" u="none" strike="noStrike" dirty="0">
+                          <a:solidFill>
+                            <a:srgbClr val="000000"/>
+                          </a:solidFill>
+                          <a:effectLst/>
+                          <a:latin typeface="Arial" panose="020B0604020202020204" pitchFamily="34" charset="0"/>
+                          <a:cs typeface="Arial" panose="020B0604020202020204" pitchFamily="34" charset="0"/>
+                        </a:rPr>
+                        <a:t> workspace</a:t>
+                      </a:r>
+                    </a:p>
+                  </a:txBody>
+                  <a:tcPr marL="18338" marR="18338" marT="18338" marB="18338">
+                    <a:lnL>
+                      <a:noFill/>
+                    </a:lnL>
+                    <a:lnR>
+                      <a:noFill/>
+                    </a:lnR>
+                    <a:lnT>
+                      <a:noFill/>
+                    </a:lnT>
+                    <a:lnB>
+                      <a:noFill/>
+                    </a:lnB>
+                  </a:tcPr>
+                </a:tc>
+                <a:extLst>
+                  <a:ext uri="{0D108BD9-81ED-4DB2-BD59-A6C34878D82A}">
+                    <a16:rowId xmlns:a16="http://schemas.microsoft.com/office/drawing/2014/main" val="3755386184"/>
+                  </a:ext>
+                </a:extLst>
+              </a:tr>
+              <a:tr h="263462">
+                <a:tc>
+                  <a:txBody>
+                    <a:bodyPr/>
+                    <a:lstStyle/>
+                    <a:p>
+                      <a:pPr rtl="0" fontAlgn="t">
+                        <a:spcBef>
+                          <a:spcPts val="0"/>
+                        </a:spcBef>
+                        <a:spcAft>
+                          <a:spcPts val="0"/>
+                        </a:spcAft>
+                      </a:pPr>
+                      <a:r>
+                        <a:rPr lang="de-CH" sz="1200" b="0" i="0" u="none" strike="noStrike" dirty="0">
+                          <a:solidFill>
+                            <a:srgbClr val="000000"/>
+                          </a:solidFill>
+                          <a:effectLst/>
+                          <a:latin typeface="Arial" panose="020B0604020202020204" pitchFamily="34" charset="0"/>
+                          <a:cs typeface="Arial" panose="020B0604020202020204" pitchFamily="34" charset="0"/>
+                        </a:rPr>
+                        <a:t>10:30 - 10:45</a:t>
+                      </a:r>
+                      <a:endParaRPr lang="de-CH" sz="1600" dirty="0">
+                        <a:effectLst/>
+                        <a:latin typeface="Arial" panose="020B0604020202020204" pitchFamily="34" charset="0"/>
+                        <a:cs typeface="Arial" panose="020B0604020202020204" pitchFamily="34" charset="0"/>
+                      </a:endParaRPr>
+                    </a:p>
+                  </a:txBody>
+                  <a:tcPr marL="18338" marR="18338" marT="18338" marB="18338">
+                    <a:lnL>
+                      <a:noFill/>
+                    </a:lnL>
+                    <a:lnR>
+                      <a:noFill/>
+                    </a:lnR>
+                    <a:lnT>
+                      <a:noFill/>
+                    </a:lnT>
+                    <a:lnB>
+                      <a:noFill/>
+                    </a:lnB>
+                    <a:solidFill>
+                      <a:schemeClr val="bg1">
+                        <a:lumMod val="95000"/>
+                      </a:schemeClr>
+                    </a:solidFill>
+                  </a:tcPr>
+                </a:tc>
+                <a:tc>
+                  <a:txBody>
+                    <a:bodyPr/>
+                    <a:lstStyle/>
+                    <a:p>
+                      <a:pPr rtl="0" fontAlgn="t">
+                        <a:spcBef>
+                          <a:spcPts val="0"/>
+                        </a:spcBef>
+                        <a:spcAft>
+                          <a:spcPts val="0"/>
+                        </a:spcAft>
+                      </a:pPr>
+                      <a:r>
+                        <a:rPr lang="de-CH" sz="1200" b="0" i="1" u="none" strike="noStrike" dirty="0">
+                          <a:solidFill>
+                            <a:srgbClr val="000000"/>
+                          </a:solidFill>
+                          <a:effectLst/>
+                          <a:latin typeface="Arial" panose="020B0604020202020204" pitchFamily="34" charset="0"/>
+                          <a:cs typeface="Arial" panose="020B0604020202020204" pitchFamily="34" charset="0"/>
+                        </a:rPr>
+                        <a:t>Break</a:t>
+                      </a:r>
+                      <a:endParaRPr lang="de-CH" sz="1600" dirty="0">
+                        <a:effectLst/>
+                        <a:latin typeface="Arial" panose="020B0604020202020204" pitchFamily="34" charset="0"/>
+                        <a:cs typeface="Arial" panose="020B0604020202020204" pitchFamily="34" charset="0"/>
+                      </a:endParaRPr>
+                    </a:p>
+                  </a:txBody>
+                  <a:tcPr marL="18338" marR="18338" marT="18338" marB="18338">
+                    <a:lnL>
+                      <a:noFill/>
+                    </a:lnL>
+                    <a:lnR>
+                      <a:noFill/>
+                    </a:lnR>
+                    <a:lnT>
+                      <a:noFill/>
+                    </a:lnT>
+                    <a:lnB>
+                      <a:noFill/>
+                    </a:lnB>
+                    <a:solidFill>
+                      <a:schemeClr val="bg1">
+                        <a:lumMod val="95000"/>
+                      </a:schemeClr>
+                    </a:solidFill>
+                  </a:tcPr>
+                </a:tc>
+                <a:extLst>
+                  <a:ext uri="{0D108BD9-81ED-4DB2-BD59-A6C34878D82A}">
+                    <a16:rowId xmlns:a16="http://schemas.microsoft.com/office/drawing/2014/main" val="2400776470"/>
+                  </a:ext>
+                </a:extLst>
+              </a:tr>
+              <a:tr h="263462">
+                <a:tc>
+                  <a:txBody>
+                    <a:bodyPr/>
+                    <a:lstStyle/>
+                    <a:p>
+                      <a:pPr rtl="0" fontAlgn="t">
+                        <a:spcBef>
+                          <a:spcPts val="0"/>
+                        </a:spcBef>
+                        <a:spcAft>
+                          <a:spcPts val="0"/>
+                        </a:spcAft>
+                      </a:pPr>
+                      <a:r>
+                        <a:rPr lang="de-CH" sz="1200" b="0" i="0" u="none" strike="noStrike">
+                          <a:solidFill>
+                            <a:srgbClr val="000000"/>
+                          </a:solidFill>
+                          <a:effectLst/>
+                          <a:latin typeface="Arial" panose="020B0604020202020204" pitchFamily="34" charset="0"/>
+                          <a:cs typeface="Arial" panose="020B0604020202020204" pitchFamily="34" charset="0"/>
+                        </a:rPr>
+                        <a:t>10:45 - 11:15</a:t>
+                      </a:r>
+                      <a:endParaRPr lang="de-CH" sz="1600">
+                        <a:effectLst/>
+                        <a:latin typeface="Arial" panose="020B0604020202020204" pitchFamily="34" charset="0"/>
+                        <a:cs typeface="Arial" panose="020B0604020202020204" pitchFamily="34" charset="0"/>
+                      </a:endParaRPr>
+                    </a:p>
+                  </a:txBody>
+                  <a:tcPr marL="18338" marR="18338" marT="18338" marB="18338">
+                    <a:lnL>
+                      <a:noFill/>
+                    </a:lnL>
+                    <a:lnR>
+                      <a:noFill/>
+                    </a:lnR>
+                    <a:lnT>
+                      <a:noFill/>
+                    </a:lnT>
+                    <a:lnB>
+                      <a:noFill/>
+                    </a:lnB>
+                  </a:tcPr>
+                </a:tc>
+                <a:tc>
+                  <a:txBody>
+                    <a:bodyPr/>
+                    <a:lstStyle/>
+                    <a:p>
+                      <a:pPr rtl="0" fontAlgn="t">
+                        <a:spcBef>
+                          <a:spcPts val="0"/>
+                        </a:spcBef>
+                        <a:spcAft>
+                          <a:spcPts val="0"/>
+                        </a:spcAft>
+                      </a:pPr>
+                      <a:r>
+                        <a:rPr lang="en-US" sz="1200" b="0" i="0" u="none" strike="noStrike" dirty="0">
+                          <a:solidFill>
+                            <a:srgbClr val="000000"/>
+                          </a:solidFill>
+                          <a:effectLst/>
+                          <a:latin typeface="Arial" panose="020B0604020202020204" pitchFamily="34" charset="0"/>
+                          <a:cs typeface="Arial" panose="020B0604020202020204" pitchFamily="34" charset="0"/>
+                        </a:rPr>
+                        <a:t>Combining the best of two worlds: Python + R (introduction, </a:t>
+                      </a:r>
+                      <a:r>
+                        <a:rPr lang="en-US" sz="1200" b="0" i="1" u="none" strike="noStrike" dirty="0">
+                          <a:solidFill>
+                            <a:srgbClr val="000000"/>
+                          </a:solidFill>
+                          <a:effectLst/>
+                          <a:latin typeface="Arial" panose="020B0604020202020204" pitchFamily="34" charset="0"/>
+                          <a:cs typeface="Arial" panose="020B0604020202020204" pitchFamily="34" charset="0"/>
+                        </a:rPr>
+                        <a:t>M. Stadler</a:t>
+                      </a:r>
+                      <a:r>
+                        <a:rPr lang="en-US" sz="1200" b="0" i="0" u="none" strike="noStrike" dirty="0">
+                          <a:solidFill>
+                            <a:srgbClr val="000000"/>
+                          </a:solidFill>
+                          <a:effectLst/>
+                          <a:latin typeface="Arial" panose="020B0604020202020204" pitchFamily="34" charset="0"/>
+                          <a:cs typeface="Arial" panose="020B0604020202020204" pitchFamily="34" charset="0"/>
+                        </a:rPr>
+                        <a:t>)</a:t>
+                      </a:r>
+                      <a:endParaRPr lang="en-US" sz="1600" dirty="0">
+                        <a:effectLst/>
+                        <a:latin typeface="Arial" panose="020B0604020202020204" pitchFamily="34" charset="0"/>
+                        <a:cs typeface="Arial" panose="020B0604020202020204" pitchFamily="34" charset="0"/>
+                      </a:endParaRPr>
+                    </a:p>
+                  </a:txBody>
+                  <a:tcPr marL="18338" marR="18338" marT="18338" marB="18338">
+                    <a:lnL>
+                      <a:noFill/>
+                    </a:lnL>
+                    <a:lnR>
+                      <a:noFill/>
+                    </a:lnR>
+                    <a:lnT>
+                      <a:noFill/>
+                    </a:lnT>
+                    <a:lnB>
+                      <a:noFill/>
+                    </a:lnB>
+                  </a:tcPr>
+                </a:tc>
+                <a:extLst>
+                  <a:ext uri="{0D108BD9-81ED-4DB2-BD59-A6C34878D82A}">
+                    <a16:rowId xmlns:a16="http://schemas.microsoft.com/office/drawing/2014/main" val="3736541351"/>
+                  </a:ext>
+                </a:extLst>
+              </a:tr>
+              <a:tr h="263462">
+                <a:tc>
+                  <a:txBody>
+                    <a:bodyPr/>
+                    <a:lstStyle/>
+                    <a:p>
+                      <a:pPr rtl="0" fontAlgn="t">
+                        <a:spcBef>
+                          <a:spcPts val="0"/>
+                        </a:spcBef>
+                        <a:spcAft>
+                          <a:spcPts val="0"/>
+                        </a:spcAft>
+                      </a:pPr>
+                      <a:r>
+                        <a:rPr lang="de-CH" sz="1200" b="0" i="0" u="none" strike="noStrike">
+                          <a:solidFill>
+                            <a:srgbClr val="000000"/>
+                          </a:solidFill>
+                          <a:effectLst/>
+                          <a:latin typeface="Arial" panose="020B0604020202020204" pitchFamily="34" charset="0"/>
+                          <a:cs typeface="Arial" panose="020B0604020202020204" pitchFamily="34" charset="0"/>
+                        </a:rPr>
+                        <a:t>11:15 - 11:30</a:t>
+                      </a:r>
+                      <a:endParaRPr lang="de-CH" sz="1600">
+                        <a:effectLst/>
+                        <a:latin typeface="Arial" panose="020B0604020202020204" pitchFamily="34" charset="0"/>
+                        <a:cs typeface="Arial" panose="020B0604020202020204" pitchFamily="34" charset="0"/>
+                      </a:endParaRPr>
+                    </a:p>
+                  </a:txBody>
+                  <a:tcPr marL="18338" marR="18338" marT="18338" marB="18338">
+                    <a:lnL>
+                      <a:noFill/>
+                    </a:lnL>
+                    <a:lnR>
+                      <a:noFill/>
+                    </a:lnR>
+                    <a:lnT>
+                      <a:noFill/>
+                    </a:lnT>
+                    <a:lnB>
+                      <a:noFill/>
+                    </a:lnB>
+                    <a:solidFill>
+                      <a:schemeClr val="bg1">
+                        <a:lumMod val="95000"/>
+                      </a:schemeClr>
+                    </a:solidFill>
+                  </a:tcPr>
+                </a:tc>
+                <a:tc>
+                  <a:txBody>
+                    <a:bodyPr/>
+                    <a:lstStyle/>
+                    <a:p>
+                      <a:pPr rtl="0" fontAlgn="t">
+                        <a:spcBef>
+                          <a:spcPts val="0"/>
+                        </a:spcBef>
+                        <a:spcAft>
+                          <a:spcPts val="0"/>
+                        </a:spcAft>
+                      </a:pPr>
+                      <a:r>
+                        <a:rPr lang="de-CH" sz="1200" b="0" i="1" u="none" strike="noStrike" dirty="0">
+                          <a:solidFill>
+                            <a:srgbClr val="000000"/>
+                          </a:solidFill>
+                          <a:effectLst/>
+                          <a:latin typeface="Arial" panose="020B0604020202020204" pitchFamily="34" charset="0"/>
+                          <a:cs typeface="Arial" panose="020B0604020202020204" pitchFamily="34" charset="0"/>
+                        </a:rPr>
+                        <a:t>Break</a:t>
+                      </a:r>
+                      <a:endParaRPr lang="de-CH" sz="1600" dirty="0">
+                        <a:effectLst/>
+                        <a:latin typeface="Arial" panose="020B0604020202020204" pitchFamily="34" charset="0"/>
+                        <a:cs typeface="Arial" panose="020B0604020202020204" pitchFamily="34" charset="0"/>
+                      </a:endParaRPr>
+                    </a:p>
+                  </a:txBody>
+                  <a:tcPr marL="18338" marR="18338" marT="18338" marB="18338">
+                    <a:lnL>
+                      <a:noFill/>
+                    </a:lnL>
+                    <a:lnR>
+                      <a:noFill/>
+                    </a:lnR>
+                    <a:lnT>
+                      <a:noFill/>
+                    </a:lnT>
+                    <a:lnB>
+                      <a:noFill/>
+                    </a:lnB>
+                    <a:solidFill>
+                      <a:schemeClr val="bg1">
+                        <a:lumMod val="95000"/>
+                      </a:schemeClr>
+                    </a:solidFill>
+                  </a:tcPr>
+                </a:tc>
+                <a:extLst>
+                  <a:ext uri="{0D108BD9-81ED-4DB2-BD59-A6C34878D82A}">
+                    <a16:rowId xmlns:a16="http://schemas.microsoft.com/office/drawing/2014/main" val="3554621837"/>
+                  </a:ext>
+                </a:extLst>
+              </a:tr>
+              <a:tr h="263462">
+                <a:tc>
+                  <a:txBody>
+                    <a:bodyPr/>
+                    <a:lstStyle/>
+                    <a:p>
+                      <a:pPr rtl="0" fontAlgn="t">
+                        <a:spcBef>
+                          <a:spcPts val="0"/>
+                        </a:spcBef>
+                        <a:spcAft>
+                          <a:spcPts val="0"/>
+                        </a:spcAft>
+                      </a:pPr>
+                      <a:r>
+                        <a:rPr lang="de-CH" sz="1200" b="0" i="0" u="none" strike="noStrike" dirty="0">
+                          <a:solidFill>
+                            <a:srgbClr val="000000"/>
+                          </a:solidFill>
+                          <a:effectLst/>
+                          <a:latin typeface="Arial" panose="020B0604020202020204" pitchFamily="34" charset="0"/>
+                          <a:cs typeface="Arial" panose="020B0604020202020204" pitchFamily="34" charset="0"/>
+                        </a:rPr>
+                        <a:t>11:30 - 12:30</a:t>
+                      </a:r>
+                      <a:endParaRPr lang="de-CH" sz="1600" dirty="0">
+                        <a:effectLst/>
+                        <a:latin typeface="Arial" panose="020B0604020202020204" pitchFamily="34" charset="0"/>
+                        <a:cs typeface="Arial" panose="020B0604020202020204" pitchFamily="34" charset="0"/>
+                      </a:endParaRPr>
+                    </a:p>
+                  </a:txBody>
+                  <a:tcPr marL="18338" marR="18338" marT="18338" marB="18338">
+                    <a:lnL>
+                      <a:noFill/>
+                    </a:lnL>
+                    <a:lnR>
+                      <a:noFill/>
+                    </a:lnR>
+                    <a:lnT>
+                      <a:noFill/>
+                    </a:lnT>
+                    <a:lnB>
+                      <a:noFill/>
+                    </a:lnB>
+                  </a:tcPr>
+                </a:tc>
+                <a:tc>
+                  <a:txBody>
+                    <a:bodyPr/>
+                    <a:lstStyle/>
+                    <a:p>
+                      <a:pPr rtl="0" fontAlgn="t">
+                        <a:spcBef>
+                          <a:spcPts val="0"/>
+                        </a:spcBef>
+                        <a:spcAft>
+                          <a:spcPts val="0"/>
+                        </a:spcAft>
+                      </a:pPr>
+                      <a:r>
+                        <a:rPr lang="en-US" sz="1200" b="0" i="0" u="none" strike="noStrike">
+                          <a:solidFill>
+                            <a:srgbClr val="000000"/>
+                          </a:solidFill>
+                          <a:effectLst/>
+                          <a:latin typeface="Arial" panose="020B0604020202020204" pitchFamily="34" charset="0"/>
+                          <a:cs typeface="Arial" panose="020B0604020202020204" pitchFamily="34" charset="0"/>
+                        </a:rPr>
+                        <a:t>Combining the best of two worlds: Python + R (interactive exercise)</a:t>
+                      </a:r>
+                      <a:endParaRPr lang="en-US" sz="1600">
+                        <a:effectLst/>
+                        <a:latin typeface="Arial" panose="020B0604020202020204" pitchFamily="34" charset="0"/>
+                        <a:cs typeface="Arial" panose="020B0604020202020204" pitchFamily="34" charset="0"/>
+                      </a:endParaRPr>
+                    </a:p>
+                  </a:txBody>
+                  <a:tcPr marL="18338" marR="18338" marT="18338" marB="18338">
+                    <a:lnL>
+                      <a:noFill/>
+                    </a:lnL>
+                    <a:lnR>
+                      <a:noFill/>
+                    </a:lnR>
+                    <a:lnT>
+                      <a:noFill/>
+                    </a:lnT>
+                    <a:lnB>
+                      <a:noFill/>
+                    </a:lnB>
+                  </a:tcPr>
+                </a:tc>
+                <a:extLst>
+                  <a:ext uri="{0D108BD9-81ED-4DB2-BD59-A6C34878D82A}">
+                    <a16:rowId xmlns:a16="http://schemas.microsoft.com/office/drawing/2014/main" val="784404078"/>
+                  </a:ext>
+                </a:extLst>
+              </a:tr>
+              <a:tr h="263462">
+                <a:tc>
+                  <a:txBody>
+                    <a:bodyPr/>
+                    <a:lstStyle/>
+                    <a:p>
+                      <a:pPr rtl="0" fontAlgn="t">
+                        <a:spcBef>
+                          <a:spcPts val="0"/>
+                        </a:spcBef>
+                        <a:spcAft>
+                          <a:spcPts val="0"/>
+                        </a:spcAft>
+                      </a:pPr>
+                      <a:r>
+                        <a:rPr lang="de-CH" sz="1200" b="0" i="0" u="none" strike="noStrike">
+                          <a:solidFill>
+                            <a:srgbClr val="000000"/>
+                          </a:solidFill>
+                          <a:effectLst/>
+                          <a:latin typeface="Arial" panose="020B0604020202020204" pitchFamily="34" charset="0"/>
+                          <a:cs typeface="Arial" panose="020B0604020202020204" pitchFamily="34" charset="0"/>
+                        </a:rPr>
+                        <a:t>12:30 - 13:30</a:t>
+                      </a:r>
+                      <a:endParaRPr lang="de-CH" sz="1600">
+                        <a:effectLst/>
+                        <a:latin typeface="Arial" panose="020B0604020202020204" pitchFamily="34" charset="0"/>
+                        <a:cs typeface="Arial" panose="020B0604020202020204" pitchFamily="34" charset="0"/>
+                      </a:endParaRPr>
+                    </a:p>
+                  </a:txBody>
+                  <a:tcPr marL="18338" marR="18338" marT="18338" marB="18338">
+                    <a:lnL>
+                      <a:noFill/>
+                    </a:lnL>
+                    <a:lnR>
+                      <a:noFill/>
+                    </a:lnR>
+                    <a:lnT>
+                      <a:noFill/>
+                    </a:lnT>
+                    <a:lnB>
+                      <a:noFill/>
+                    </a:lnB>
+                    <a:solidFill>
+                      <a:schemeClr val="bg1">
+                        <a:lumMod val="95000"/>
+                      </a:schemeClr>
+                    </a:solidFill>
+                  </a:tcPr>
+                </a:tc>
+                <a:tc>
+                  <a:txBody>
+                    <a:bodyPr/>
+                    <a:lstStyle/>
+                    <a:p>
+                      <a:pPr rtl="0" fontAlgn="t">
+                        <a:spcBef>
+                          <a:spcPts val="0"/>
+                        </a:spcBef>
+                        <a:spcAft>
+                          <a:spcPts val="0"/>
+                        </a:spcAft>
+                      </a:pPr>
+                      <a:r>
+                        <a:rPr lang="de-CH" sz="1200" b="0" i="1" u="none" strike="noStrike" dirty="0">
+                          <a:solidFill>
+                            <a:srgbClr val="000000"/>
+                          </a:solidFill>
+                          <a:effectLst/>
+                          <a:latin typeface="Arial" panose="020B0604020202020204" pitchFamily="34" charset="0"/>
+                          <a:cs typeface="Arial" panose="020B0604020202020204" pitchFamily="34" charset="0"/>
+                        </a:rPr>
+                        <a:t>Lunch</a:t>
+                      </a:r>
+                      <a:endParaRPr lang="de-CH" sz="1600" dirty="0">
+                        <a:effectLst/>
+                        <a:latin typeface="Arial" panose="020B0604020202020204" pitchFamily="34" charset="0"/>
+                        <a:cs typeface="Arial" panose="020B0604020202020204" pitchFamily="34" charset="0"/>
+                      </a:endParaRPr>
+                    </a:p>
+                  </a:txBody>
+                  <a:tcPr marL="18338" marR="18338" marT="18338" marB="18338">
+                    <a:lnL>
+                      <a:noFill/>
+                    </a:lnL>
+                    <a:lnR>
+                      <a:noFill/>
+                    </a:lnR>
+                    <a:lnT>
+                      <a:noFill/>
+                    </a:lnT>
+                    <a:lnB>
+                      <a:noFill/>
+                    </a:lnB>
+                    <a:solidFill>
+                      <a:schemeClr val="bg1">
+                        <a:lumMod val="95000"/>
+                      </a:schemeClr>
+                    </a:solidFill>
+                  </a:tcPr>
+                </a:tc>
+                <a:extLst>
+                  <a:ext uri="{0D108BD9-81ED-4DB2-BD59-A6C34878D82A}">
+                    <a16:rowId xmlns:a16="http://schemas.microsoft.com/office/drawing/2014/main" val="3880940259"/>
+                  </a:ext>
+                </a:extLst>
+              </a:tr>
+              <a:tr h="263462">
+                <a:tc>
+                  <a:txBody>
+                    <a:bodyPr/>
+                    <a:lstStyle/>
+                    <a:p>
+                      <a:pPr rtl="0" fontAlgn="t">
+                        <a:spcBef>
+                          <a:spcPts val="0"/>
+                        </a:spcBef>
+                        <a:spcAft>
+                          <a:spcPts val="0"/>
+                        </a:spcAft>
+                      </a:pPr>
+                      <a:r>
+                        <a:rPr lang="de-CH" sz="1200" b="0" i="0" u="none" strike="noStrike">
+                          <a:solidFill>
+                            <a:srgbClr val="000000"/>
+                          </a:solidFill>
+                          <a:effectLst/>
+                          <a:latin typeface="Arial" panose="020B0604020202020204" pitchFamily="34" charset="0"/>
+                          <a:cs typeface="Arial" panose="020B0604020202020204" pitchFamily="34" charset="0"/>
+                        </a:rPr>
+                        <a:t>13:30 - 14:30</a:t>
+                      </a:r>
+                      <a:endParaRPr lang="de-CH" sz="1600">
+                        <a:effectLst/>
+                        <a:latin typeface="Arial" panose="020B0604020202020204" pitchFamily="34" charset="0"/>
+                        <a:cs typeface="Arial" panose="020B0604020202020204" pitchFamily="34" charset="0"/>
+                      </a:endParaRPr>
+                    </a:p>
+                  </a:txBody>
+                  <a:tcPr marL="18338" marR="18338" marT="18338" marB="18338">
+                    <a:lnL>
+                      <a:noFill/>
+                    </a:lnL>
+                    <a:lnR>
+                      <a:noFill/>
+                    </a:lnR>
+                    <a:lnT>
+                      <a:noFill/>
+                    </a:lnT>
+                    <a:lnB>
+                      <a:noFill/>
+                    </a:lnB>
+                  </a:tcPr>
+                </a:tc>
+                <a:tc>
+                  <a:txBody>
+                    <a:bodyPr/>
+                    <a:lstStyle/>
+                    <a:p>
+                      <a:pPr rtl="0" fontAlgn="t">
+                        <a:spcBef>
+                          <a:spcPts val="0"/>
+                        </a:spcBef>
+                        <a:spcAft>
+                          <a:spcPts val="0"/>
+                        </a:spcAft>
+                      </a:pPr>
+                      <a:r>
+                        <a:rPr lang="de-CH" sz="1200" b="0" i="0" u="none" strike="noStrike">
+                          <a:solidFill>
+                            <a:srgbClr val="000000"/>
+                          </a:solidFill>
+                          <a:effectLst/>
+                          <a:latin typeface="Arial" panose="020B0604020202020204" pitchFamily="34" charset="0"/>
+                          <a:cs typeface="Arial" panose="020B0604020202020204" pitchFamily="34" charset="0"/>
+                        </a:rPr>
+                        <a:t>Python + R (continued)</a:t>
+                      </a:r>
+                      <a:endParaRPr lang="de-CH" sz="1600">
+                        <a:effectLst/>
+                        <a:latin typeface="Arial" panose="020B0604020202020204" pitchFamily="34" charset="0"/>
+                        <a:cs typeface="Arial" panose="020B0604020202020204" pitchFamily="34" charset="0"/>
+                      </a:endParaRPr>
+                    </a:p>
+                  </a:txBody>
+                  <a:tcPr marL="18338" marR="18338" marT="18338" marB="18338">
+                    <a:lnL>
+                      <a:noFill/>
+                    </a:lnL>
+                    <a:lnR>
+                      <a:noFill/>
+                    </a:lnR>
+                    <a:lnT>
+                      <a:noFill/>
+                    </a:lnT>
+                    <a:lnB>
+                      <a:noFill/>
+                    </a:lnB>
+                  </a:tcPr>
+                </a:tc>
+                <a:extLst>
+                  <a:ext uri="{0D108BD9-81ED-4DB2-BD59-A6C34878D82A}">
+                    <a16:rowId xmlns:a16="http://schemas.microsoft.com/office/drawing/2014/main" val="814530541"/>
+                  </a:ext>
+                </a:extLst>
+              </a:tr>
+              <a:tr h="263462">
+                <a:tc>
+                  <a:txBody>
+                    <a:bodyPr/>
+                    <a:lstStyle/>
+                    <a:p>
+                      <a:pPr rtl="0" fontAlgn="t">
+                        <a:spcBef>
+                          <a:spcPts val="0"/>
+                        </a:spcBef>
+                        <a:spcAft>
+                          <a:spcPts val="0"/>
+                        </a:spcAft>
+                      </a:pPr>
+                      <a:r>
+                        <a:rPr lang="de-CH" sz="1200" b="0" i="0" u="none" strike="noStrike">
+                          <a:solidFill>
+                            <a:srgbClr val="000000"/>
+                          </a:solidFill>
+                          <a:effectLst/>
+                          <a:latin typeface="Arial" panose="020B0604020202020204" pitchFamily="34" charset="0"/>
+                          <a:cs typeface="Arial" panose="020B0604020202020204" pitchFamily="34" charset="0"/>
+                        </a:rPr>
+                        <a:t>14:30 - 14:45</a:t>
+                      </a:r>
+                      <a:endParaRPr lang="de-CH" sz="1600">
+                        <a:effectLst/>
+                        <a:latin typeface="Arial" panose="020B0604020202020204" pitchFamily="34" charset="0"/>
+                        <a:cs typeface="Arial" panose="020B0604020202020204" pitchFamily="34" charset="0"/>
+                      </a:endParaRPr>
+                    </a:p>
+                  </a:txBody>
+                  <a:tcPr marL="18338" marR="18338" marT="18338" marB="18338">
+                    <a:lnL>
+                      <a:noFill/>
+                    </a:lnL>
+                    <a:lnR>
+                      <a:noFill/>
+                    </a:lnR>
+                    <a:lnT>
+                      <a:noFill/>
+                    </a:lnT>
+                    <a:lnB>
+                      <a:noFill/>
+                    </a:lnB>
+                    <a:solidFill>
+                      <a:schemeClr val="bg1">
+                        <a:lumMod val="95000"/>
+                      </a:schemeClr>
+                    </a:solidFill>
+                  </a:tcPr>
+                </a:tc>
+                <a:tc>
+                  <a:txBody>
+                    <a:bodyPr/>
+                    <a:lstStyle/>
+                    <a:p>
+                      <a:pPr rtl="0" fontAlgn="t">
+                        <a:spcBef>
+                          <a:spcPts val="0"/>
+                        </a:spcBef>
+                        <a:spcAft>
+                          <a:spcPts val="0"/>
+                        </a:spcAft>
+                      </a:pPr>
+                      <a:r>
+                        <a:rPr lang="de-CH" sz="1200" b="0" i="1" u="none" strike="noStrike" dirty="0">
+                          <a:solidFill>
+                            <a:srgbClr val="000000"/>
+                          </a:solidFill>
+                          <a:effectLst/>
+                          <a:latin typeface="Arial" panose="020B0604020202020204" pitchFamily="34" charset="0"/>
+                          <a:cs typeface="Arial" panose="020B0604020202020204" pitchFamily="34" charset="0"/>
+                        </a:rPr>
+                        <a:t>Break</a:t>
+                      </a:r>
+                      <a:endParaRPr lang="de-CH" sz="1600" dirty="0">
+                        <a:effectLst/>
+                        <a:latin typeface="Arial" panose="020B0604020202020204" pitchFamily="34" charset="0"/>
+                        <a:cs typeface="Arial" panose="020B0604020202020204" pitchFamily="34" charset="0"/>
+                      </a:endParaRPr>
+                    </a:p>
+                  </a:txBody>
+                  <a:tcPr marL="18338" marR="18338" marT="18338" marB="18338">
+                    <a:lnL>
+                      <a:noFill/>
+                    </a:lnL>
+                    <a:lnR>
+                      <a:noFill/>
+                    </a:lnR>
+                    <a:lnT>
+                      <a:noFill/>
+                    </a:lnT>
+                    <a:lnB>
+                      <a:noFill/>
+                    </a:lnB>
+                    <a:solidFill>
+                      <a:schemeClr val="bg1">
+                        <a:lumMod val="95000"/>
+                      </a:schemeClr>
+                    </a:solidFill>
+                  </a:tcPr>
+                </a:tc>
+                <a:extLst>
+                  <a:ext uri="{0D108BD9-81ED-4DB2-BD59-A6C34878D82A}">
+                    <a16:rowId xmlns:a16="http://schemas.microsoft.com/office/drawing/2014/main" val="1177002552"/>
+                  </a:ext>
+                </a:extLst>
+              </a:tr>
+              <a:tr h="263462">
+                <a:tc>
+                  <a:txBody>
+                    <a:bodyPr/>
+                    <a:lstStyle/>
+                    <a:p>
+                      <a:pPr rtl="0" fontAlgn="t">
+                        <a:spcBef>
+                          <a:spcPts val="0"/>
+                        </a:spcBef>
+                        <a:spcAft>
+                          <a:spcPts val="0"/>
+                        </a:spcAft>
+                      </a:pPr>
+                      <a:r>
+                        <a:rPr lang="de-CH" sz="1200" b="0" i="0" u="none" strike="noStrike">
+                          <a:solidFill>
+                            <a:srgbClr val="000000"/>
+                          </a:solidFill>
+                          <a:effectLst/>
+                          <a:latin typeface="Arial" panose="020B0604020202020204" pitchFamily="34" charset="0"/>
+                          <a:cs typeface="Arial" panose="020B0604020202020204" pitchFamily="34" charset="0"/>
+                        </a:rPr>
+                        <a:t>14:45 - 15:30</a:t>
+                      </a:r>
+                      <a:endParaRPr lang="de-CH" sz="1600">
+                        <a:effectLst/>
+                        <a:latin typeface="Arial" panose="020B0604020202020204" pitchFamily="34" charset="0"/>
+                        <a:cs typeface="Arial" panose="020B0604020202020204" pitchFamily="34" charset="0"/>
+                      </a:endParaRPr>
+                    </a:p>
+                  </a:txBody>
+                  <a:tcPr marL="18338" marR="18338" marT="18338" marB="18338">
+                    <a:lnL>
+                      <a:noFill/>
+                    </a:lnL>
+                    <a:lnR>
+                      <a:noFill/>
+                    </a:lnR>
+                    <a:lnT>
+                      <a:noFill/>
+                    </a:lnT>
+                    <a:lnB>
+                      <a:noFill/>
+                    </a:lnB>
+                  </a:tcPr>
+                </a:tc>
+                <a:tc>
+                  <a:txBody>
+                    <a:bodyPr/>
+                    <a:lstStyle/>
+                    <a:p>
+                      <a:pPr rtl="0" fontAlgn="t">
+                        <a:spcBef>
+                          <a:spcPts val="0"/>
+                        </a:spcBef>
+                        <a:spcAft>
+                          <a:spcPts val="0"/>
+                        </a:spcAft>
+                      </a:pPr>
+                      <a:r>
+                        <a:rPr lang="de-CH" sz="1200" b="0" i="0" u="none" strike="noStrike" dirty="0" err="1">
+                          <a:solidFill>
+                            <a:srgbClr val="000000"/>
+                          </a:solidFill>
+                          <a:effectLst/>
+                          <a:latin typeface="Arial" panose="020B0604020202020204" pitchFamily="34" charset="0"/>
+                          <a:cs typeface="Arial" panose="020B0604020202020204" pitchFamily="34" charset="0"/>
+                        </a:rPr>
+                        <a:t>Beyond</a:t>
+                      </a:r>
+                      <a:r>
+                        <a:rPr lang="de-CH" sz="1200" b="0" i="0" u="none" strike="noStrike" dirty="0">
+                          <a:solidFill>
+                            <a:srgbClr val="000000"/>
+                          </a:solidFill>
+                          <a:effectLst/>
+                          <a:latin typeface="Arial" panose="020B0604020202020204" pitchFamily="34" charset="0"/>
+                          <a:cs typeface="Arial" panose="020B0604020202020204" pitchFamily="34" charset="0"/>
+                        </a:rPr>
+                        <a:t> </a:t>
+                      </a:r>
+                      <a:r>
+                        <a:rPr lang="de-CH" sz="1200" b="0" i="0" u="none" strike="noStrike" dirty="0" err="1">
+                          <a:solidFill>
+                            <a:srgbClr val="000000"/>
+                          </a:solidFill>
+                          <a:effectLst/>
+                          <a:latin typeface="Arial" panose="020B0604020202020204" pitchFamily="34" charset="0"/>
+                          <a:cs typeface="Arial" panose="020B0604020202020204" pitchFamily="34" charset="0"/>
+                        </a:rPr>
+                        <a:t>cellranger</a:t>
+                      </a:r>
+                      <a:r>
+                        <a:rPr lang="de-CH" sz="1200" b="0" i="0" u="none" strike="noStrike" dirty="0">
+                          <a:solidFill>
+                            <a:srgbClr val="000000"/>
+                          </a:solidFill>
+                          <a:effectLst/>
+                          <a:latin typeface="Arial" panose="020B0604020202020204" pitchFamily="34" charset="0"/>
+                          <a:cs typeface="Arial" panose="020B0604020202020204" pitchFamily="34" charset="0"/>
+                        </a:rPr>
+                        <a:t>: </a:t>
+                      </a:r>
+                      <a:r>
+                        <a:rPr lang="de-CH" sz="1200" b="0" i="0" u="none" strike="noStrike" dirty="0" err="1">
+                          <a:solidFill>
+                            <a:srgbClr val="000000"/>
+                          </a:solidFill>
+                          <a:effectLst/>
+                          <a:latin typeface="Arial" panose="020B0604020202020204" pitchFamily="34" charset="0"/>
+                          <a:cs typeface="Arial" panose="020B0604020202020204" pitchFamily="34" charset="0"/>
+                        </a:rPr>
+                        <a:t>Quantification</a:t>
+                      </a:r>
+                      <a:r>
+                        <a:rPr lang="de-CH" sz="1200" b="0" i="0" u="none" strike="noStrike" dirty="0">
+                          <a:solidFill>
+                            <a:srgbClr val="000000"/>
+                          </a:solidFill>
+                          <a:effectLst/>
+                          <a:latin typeface="Arial" panose="020B0604020202020204" pitchFamily="34" charset="0"/>
+                          <a:cs typeface="Arial" panose="020B0604020202020204" pitchFamily="34" charset="0"/>
+                        </a:rPr>
+                        <a:t> </a:t>
+                      </a:r>
+                      <a:r>
+                        <a:rPr lang="de-CH" sz="1200" b="0" i="0" u="none" strike="noStrike" dirty="0" err="1">
+                          <a:solidFill>
+                            <a:srgbClr val="000000"/>
+                          </a:solidFill>
+                          <a:effectLst/>
+                          <a:latin typeface="Arial" panose="020B0604020202020204" pitchFamily="34" charset="0"/>
+                          <a:cs typeface="Arial" panose="020B0604020202020204" pitchFamily="34" charset="0"/>
+                        </a:rPr>
+                        <a:t>of</a:t>
+                      </a:r>
+                      <a:r>
+                        <a:rPr lang="de-CH" sz="1200" b="0" i="0" u="none" strike="noStrike" dirty="0">
+                          <a:solidFill>
+                            <a:srgbClr val="000000"/>
+                          </a:solidFill>
+                          <a:effectLst/>
+                          <a:latin typeface="Arial" panose="020B0604020202020204" pitchFamily="34" charset="0"/>
+                          <a:cs typeface="Arial" panose="020B0604020202020204" pitchFamily="34" charset="0"/>
+                        </a:rPr>
+                        <a:t> </a:t>
+                      </a:r>
+                      <a:r>
+                        <a:rPr lang="de-CH" sz="1200" b="0" i="0" u="none" strike="noStrike" dirty="0" err="1">
+                          <a:solidFill>
+                            <a:srgbClr val="000000"/>
+                          </a:solidFill>
+                          <a:effectLst/>
+                          <a:latin typeface="Arial" panose="020B0604020202020204" pitchFamily="34" charset="0"/>
+                          <a:cs typeface="Arial" panose="020B0604020202020204" pitchFamily="34" charset="0"/>
+                        </a:rPr>
+                        <a:t>gene</a:t>
+                      </a:r>
+                      <a:r>
+                        <a:rPr lang="de-CH" sz="1200" b="0" i="0" u="none" strike="noStrike" dirty="0">
+                          <a:solidFill>
+                            <a:srgbClr val="000000"/>
+                          </a:solidFill>
+                          <a:effectLst/>
+                          <a:latin typeface="Arial" panose="020B0604020202020204" pitchFamily="34" charset="0"/>
+                          <a:cs typeface="Arial" panose="020B0604020202020204" pitchFamily="34" charset="0"/>
+                        </a:rPr>
+                        <a:t> </a:t>
+                      </a:r>
+                      <a:r>
+                        <a:rPr lang="de-CH" sz="1200" b="0" i="0" u="none" strike="noStrike" dirty="0" err="1">
+                          <a:solidFill>
+                            <a:srgbClr val="000000"/>
+                          </a:solidFill>
+                          <a:effectLst/>
+                          <a:latin typeface="Arial" panose="020B0604020202020204" pitchFamily="34" charset="0"/>
+                          <a:cs typeface="Arial" panose="020B0604020202020204" pitchFamily="34" charset="0"/>
+                        </a:rPr>
+                        <a:t>expression</a:t>
+                      </a:r>
+                      <a:r>
+                        <a:rPr lang="de-CH" sz="1200" b="0" i="0" u="none" strike="noStrike" dirty="0">
+                          <a:solidFill>
+                            <a:srgbClr val="000000"/>
+                          </a:solidFill>
+                          <a:effectLst/>
+                          <a:latin typeface="Arial" panose="020B0604020202020204" pitchFamily="34" charset="0"/>
+                          <a:cs typeface="Arial" panose="020B0604020202020204" pitchFamily="34" charset="0"/>
+                        </a:rPr>
+                        <a:t> (</a:t>
+                      </a:r>
+                      <a:r>
+                        <a:rPr lang="de-CH" sz="1200" b="0" i="0" u="none" strike="noStrike" dirty="0" err="1">
+                          <a:solidFill>
+                            <a:srgbClr val="000000"/>
+                          </a:solidFill>
+                          <a:effectLst/>
+                          <a:latin typeface="Arial" panose="020B0604020202020204" pitchFamily="34" charset="0"/>
+                          <a:cs typeface="Arial" panose="020B0604020202020204" pitchFamily="34" charset="0"/>
+                        </a:rPr>
+                        <a:t>presentation</a:t>
+                      </a:r>
+                      <a:r>
+                        <a:rPr lang="de-CH" sz="1200" b="0" i="0" u="none" strike="noStrike" dirty="0">
+                          <a:solidFill>
+                            <a:srgbClr val="000000"/>
+                          </a:solidFill>
+                          <a:effectLst/>
+                          <a:latin typeface="Arial" panose="020B0604020202020204" pitchFamily="34" charset="0"/>
+                          <a:cs typeface="Arial" panose="020B0604020202020204" pitchFamily="34" charset="0"/>
+                        </a:rPr>
+                        <a:t>, </a:t>
+                      </a:r>
+                      <a:r>
+                        <a:rPr lang="de-CH" sz="1200" b="0" i="1" u="none" strike="noStrike" dirty="0">
+                          <a:solidFill>
+                            <a:srgbClr val="000000"/>
+                          </a:solidFill>
+                          <a:effectLst/>
+                          <a:latin typeface="Arial" panose="020B0604020202020204" pitchFamily="34" charset="0"/>
+                          <a:cs typeface="Arial" panose="020B0604020202020204" pitchFamily="34" charset="0"/>
+                        </a:rPr>
+                        <a:t>A. Srivastava</a:t>
+                      </a:r>
+                      <a:r>
+                        <a:rPr lang="de-CH" sz="1200" b="0" i="0" u="none" strike="noStrike" dirty="0">
+                          <a:solidFill>
+                            <a:srgbClr val="000000"/>
+                          </a:solidFill>
+                          <a:effectLst/>
+                          <a:latin typeface="Arial" panose="020B0604020202020204" pitchFamily="34" charset="0"/>
+                          <a:cs typeface="Arial" panose="020B0604020202020204" pitchFamily="34" charset="0"/>
+                        </a:rPr>
+                        <a:t>)</a:t>
+                      </a:r>
+                      <a:endParaRPr lang="de-CH" sz="1600" dirty="0">
+                        <a:effectLst/>
+                        <a:latin typeface="Arial" panose="020B0604020202020204" pitchFamily="34" charset="0"/>
+                        <a:cs typeface="Arial" panose="020B0604020202020204" pitchFamily="34" charset="0"/>
+                      </a:endParaRPr>
+                    </a:p>
+                  </a:txBody>
+                  <a:tcPr marL="18338" marR="18338" marT="18338" marB="18338">
+                    <a:lnL>
+                      <a:noFill/>
+                    </a:lnL>
+                    <a:lnR>
+                      <a:noFill/>
+                    </a:lnR>
+                    <a:lnT>
+                      <a:noFill/>
+                    </a:lnT>
+                    <a:lnB>
+                      <a:noFill/>
+                    </a:lnB>
+                  </a:tcPr>
+                </a:tc>
+                <a:extLst>
+                  <a:ext uri="{0D108BD9-81ED-4DB2-BD59-A6C34878D82A}">
+                    <a16:rowId xmlns:a16="http://schemas.microsoft.com/office/drawing/2014/main" val="3541152956"/>
+                  </a:ext>
+                </a:extLst>
+              </a:tr>
+              <a:tr h="263462">
+                <a:tc>
+                  <a:txBody>
+                    <a:bodyPr/>
+                    <a:lstStyle/>
+                    <a:p>
+                      <a:pPr rtl="0" fontAlgn="t">
+                        <a:spcBef>
+                          <a:spcPts val="0"/>
+                        </a:spcBef>
+                        <a:spcAft>
+                          <a:spcPts val="0"/>
+                        </a:spcAft>
+                      </a:pPr>
+                      <a:r>
+                        <a:rPr lang="de-CH" sz="1200" b="0" i="0" u="none" strike="noStrike">
+                          <a:solidFill>
+                            <a:srgbClr val="000000"/>
+                          </a:solidFill>
+                          <a:effectLst/>
+                          <a:latin typeface="Arial" panose="020B0604020202020204" pitchFamily="34" charset="0"/>
+                          <a:cs typeface="Arial" panose="020B0604020202020204" pitchFamily="34" charset="0"/>
+                        </a:rPr>
+                        <a:t>15:30 - 15:45</a:t>
+                      </a:r>
+                      <a:endParaRPr lang="de-CH" sz="1600">
+                        <a:effectLst/>
+                        <a:latin typeface="Arial" panose="020B0604020202020204" pitchFamily="34" charset="0"/>
+                        <a:cs typeface="Arial" panose="020B0604020202020204" pitchFamily="34" charset="0"/>
+                      </a:endParaRPr>
+                    </a:p>
+                  </a:txBody>
+                  <a:tcPr marL="18338" marR="18338" marT="18338" marB="18338">
+                    <a:lnL>
+                      <a:noFill/>
+                    </a:lnL>
+                    <a:lnR>
+                      <a:noFill/>
+                    </a:lnR>
+                    <a:lnT>
+                      <a:noFill/>
+                    </a:lnT>
+                    <a:lnB>
+                      <a:noFill/>
+                    </a:lnB>
+                    <a:solidFill>
+                      <a:schemeClr val="bg1">
+                        <a:lumMod val="95000"/>
+                      </a:schemeClr>
+                    </a:solidFill>
+                  </a:tcPr>
+                </a:tc>
+                <a:tc>
+                  <a:txBody>
+                    <a:bodyPr/>
+                    <a:lstStyle/>
+                    <a:p>
+                      <a:pPr rtl="0" fontAlgn="t">
+                        <a:spcBef>
+                          <a:spcPts val="0"/>
+                        </a:spcBef>
+                        <a:spcAft>
+                          <a:spcPts val="0"/>
+                        </a:spcAft>
+                      </a:pPr>
+                      <a:r>
+                        <a:rPr lang="de-CH" sz="1200" b="0" i="1" u="none" strike="noStrike" dirty="0">
+                          <a:solidFill>
+                            <a:srgbClr val="000000"/>
+                          </a:solidFill>
+                          <a:effectLst/>
+                          <a:latin typeface="Arial" panose="020B0604020202020204" pitchFamily="34" charset="0"/>
+                          <a:cs typeface="Arial" panose="020B0604020202020204" pitchFamily="34" charset="0"/>
+                        </a:rPr>
+                        <a:t>Break</a:t>
+                      </a:r>
+                      <a:endParaRPr lang="de-CH" sz="1600" dirty="0">
+                        <a:effectLst/>
+                        <a:latin typeface="Arial" panose="020B0604020202020204" pitchFamily="34" charset="0"/>
+                        <a:cs typeface="Arial" panose="020B0604020202020204" pitchFamily="34" charset="0"/>
+                      </a:endParaRPr>
+                    </a:p>
+                  </a:txBody>
+                  <a:tcPr marL="18338" marR="18338" marT="18338" marB="18338">
+                    <a:lnL>
+                      <a:noFill/>
+                    </a:lnL>
+                    <a:lnR>
+                      <a:noFill/>
+                    </a:lnR>
+                    <a:lnT>
+                      <a:noFill/>
+                    </a:lnT>
+                    <a:lnB>
+                      <a:noFill/>
+                    </a:lnB>
+                    <a:solidFill>
+                      <a:schemeClr val="bg1">
+                        <a:lumMod val="95000"/>
+                      </a:schemeClr>
+                    </a:solidFill>
+                  </a:tcPr>
+                </a:tc>
+                <a:extLst>
+                  <a:ext uri="{0D108BD9-81ED-4DB2-BD59-A6C34878D82A}">
+                    <a16:rowId xmlns:a16="http://schemas.microsoft.com/office/drawing/2014/main" val="4020068720"/>
+                  </a:ext>
+                </a:extLst>
+              </a:tr>
+              <a:tr h="263462">
+                <a:tc>
+                  <a:txBody>
+                    <a:bodyPr/>
+                    <a:lstStyle/>
+                    <a:p>
+                      <a:pPr rtl="0" fontAlgn="t">
+                        <a:spcBef>
+                          <a:spcPts val="0"/>
+                        </a:spcBef>
+                        <a:spcAft>
+                          <a:spcPts val="0"/>
+                        </a:spcAft>
+                      </a:pPr>
+                      <a:r>
+                        <a:rPr lang="de-CH" sz="1200" b="0" i="0" u="none" strike="noStrike">
+                          <a:solidFill>
+                            <a:srgbClr val="000000"/>
+                          </a:solidFill>
+                          <a:effectLst/>
+                          <a:latin typeface="Arial" panose="020B0604020202020204" pitchFamily="34" charset="0"/>
+                          <a:cs typeface="Arial" panose="020B0604020202020204" pitchFamily="34" charset="0"/>
+                        </a:rPr>
+                        <a:t>15:45 - 16:45</a:t>
+                      </a:r>
+                      <a:endParaRPr lang="de-CH" sz="1600">
+                        <a:effectLst/>
+                        <a:latin typeface="Arial" panose="020B0604020202020204" pitchFamily="34" charset="0"/>
+                        <a:cs typeface="Arial" panose="020B0604020202020204" pitchFamily="34" charset="0"/>
+                      </a:endParaRPr>
+                    </a:p>
+                  </a:txBody>
+                  <a:tcPr marL="18338" marR="18338" marT="18338" marB="18338">
+                    <a:lnL>
+                      <a:noFill/>
+                    </a:lnL>
+                    <a:lnR>
+                      <a:noFill/>
+                    </a:lnR>
+                    <a:lnT>
+                      <a:noFill/>
+                    </a:lnT>
+                    <a:lnB>
+                      <a:noFill/>
+                    </a:lnB>
+                  </a:tcPr>
+                </a:tc>
+                <a:tc>
+                  <a:txBody>
+                    <a:bodyPr/>
+                    <a:lstStyle/>
+                    <a:p>
+                      <a:pPr rtl="0" fontAlgn="t">
+                        <a:spcBef>
+                          <a:spcPts val="0"/>
+                        </a:spcBef>
+                        <a:spcAft>
+                          <a:spcPts val="0"/>
+                        </a:spcAft>
+                      </a:pPr>
+                      <a:r>
+                        <a:rPr lang="de-CH" sz="1200" b="0" i="0" u="none" strike="noStrike" dirty="0" err="1">
+                          <a:solidFill>
+                            <a:srgbClr val="000000"/>
+                          </a:solidFill>
+                          <a:effectLst/>
+                          <a:latin typeface="Arial" panose="020B0604020202020204" pitchFamily="34" charset="0"/>
+                          <a:cs typeface="Arial" panose="020B0604020202020204" pitchFamily="34" charset="0"/>
+                        </a:rPr>
+                        <a:t>Quantification</a:t>
+                      </a:r>
+                      <a:r>
+                        <a:rPr lang="de-CH" sz="1200" b="0" i="0" u="none" strike="noStrike" dirty="0">
+                          <a:solidFill>
+                            <a:srgbClr val="000000"/>
+                          </a:solidFill>
+                          <a:effectLst/>
+                          <a:latin typeface="Arial" panose="020B0604020202020204" pitchFamily="34" charset="0"/>
+                          <a:cs typeface="Arial" panose="020B0604020202020204" pitchFamily="34" charset="0"/>
+                        </a:rPr>
+                        <a:t> </a:t>
+                      </a:r>
+                      <a:r>
+                        <a:rPr lang="de-CH" sz="1200" b="0" i="0" u="none" strike="noStrike" dirty="0" err="1">
+                          <a:solidFill>
+                            <a:srgbClr val="000000"/>
+                          </a:solidFill>
+                          <a:effectLst/>
+                          <a:latin typeface="Arial" panose="020B0604020202020204" pitchFamily="34" charset="0"/>
+                          <a:cs typeface="Arial" panose="020B0604020202020204" pitchFamily="34" charset="0"/>
+                        </a:rPr>
+                        <a:t>of</a:t>
+                      </a:r>
+                      <a:r>
+                        <a:rPr lang="de-CH" sz="1200" b="0" i="0" u="none" strike="noStrike" dirty="0">
+                          <a:solidFill>
+                            <a:srgbClr val="000000"/>
+                          </a:solidFill>
+                          <a:effectLst/>
+                          <a:latin typeface="Arial" panose="020B0604020202020204" pitchFamily="34" charset="0"/>
+                          <a:cs typeface="Arial" panose="020B0604020202020204" pitchFamily="34" charset="0"/>
+                        </a:rPr>
+                        <a:t> </a:t>
+                      </a:r>
+                      <a:r>
+                        <a:rPr lang="de-CH" sz="1200" b="0" i="0" u="none" strike="noStrike" dirty="0" err="1">
+                          <a:solidFill>
+                            <a:srgbClr val="000000"/>
+                          </a:solidFill>
+                          <a:effectLst/>
+                          <a:latin typeface="Arial" panose="020B0604020202020204" pitchFamily="34" charset="0"/>
+                          <a:cs typeface="Arial" panose="020B0604020202020204" pitchFamily="34" charset="0"/>
+                        </a:rPr>
+                        <a:t>gene</a:t>
+                      </a:r>
+                      <a:r>
+                        <a:rPr lang="de-CH" sz="1200" b="0" i="0" u="none" strike="noStrike" dirty="0">
+                          <a:solidFill>
+                            <a:srgbClr val="000000"/>
+                          </a:solidFill>
+                          <a:effectLst/>
+                          <a:latin typeface="Arial" panose="020B0604020202020204" pitchFamily="34" charset="0"/>
+                          <a:cs typeface="Arial" panose="020B0604020202020204" pitchFamily="34" charset="0"/>
+                        </a:rPr>
+                        <a:t> </a:t>
+                      </a:r>
+                      <a:r>
+                        <a:rPr lang="de-CH" sz="1200" b="0" i="0" u="none" strike="noStrike" dirty="0" err="1">
+                          <a:solidFill>
+                            <a:srgbClr val="000000"/>
+                          </a:solidFill>
+                          <a:effectLst/>
+                          <a:latin typeface="Arial" panose="020B0604020202020204" pitchFamily="34" charset="0"/>
+                          <a:cs typeface="Arial" panose="020B0604020202020204" pitchFamily="34" charset="0"/>
+                        </a:rPr>
+                        <a:t>expression</a:t>
+                      </a:r>
+                      <a:r>
+                        <a:rPr lang="de-CH" sz="1200" b="0" i="0" u="none" strike="noStrike" dirty="0">
+                          <a:solidFill>
+                            <a:srgbClr val="000000"/>
+                          </a:solidFill>
+                          <a:effectLst/>
+                          <a:latin typeface="Arial" panose="020B0604020202020204" pitchFamily="34" charset="0"/>
+                          <a:cs typeface="Arial" panose="020B0604020202020204" pitchFamily="34" charset="0"/>
+                        </a:rPr>
+                        <a:t> (</a:t>
+                      </a:r>
+                      <a:r>
+                        <a:rPr lang="de-CH" sz="1200" b="0" i="0" u="none" strike="noStrike" dirty="0" err="1">
+                          <a:solidFill>
+                            <a:srgbClr val="000000"/>
+                          </a:solidFill>
+                          <a:effectLst/>
+                          <a:latin typeface="Arial" panose="020B0604020202020204" pitchFamily="34" charset="0"/>
+                          <a:cs typeface="Arial" panose="020B0604020202020204" pitchFamily="34" charset="0"/>
+                        </a:rPr>
+                        <a:t>exercises</a:t>
+                      </a:r>
+                      <a:r>
+                        <a:rPr lang="de-CH" sz="1200" b="0" i="0" u="none" strike="noStrike" dirty="0">
+                          <a:solidFill>
+                            <a:srgbClr val="000000"/>
+                          </a:solidFill>
+                          <a:effectLst/>
+                          <a:latin typeface="Arial" panose="020B0604020202020204" pitchFamily="34" charset="0"/>
+                          <a:cs typeface="Arial" panose="020B0604020202020204" pitchFamily="34" charset="0"/>
+                        </a:rPr>
+                        <a:t>, </a:t>
+                      </a:r>
+                      <a:r>
+                        <a:rPr lang="de-CH" sz="1200" b="0" i="1" u="none" strike="noStrike" dirty="0">
+                          <a:solidFill>
+                            <a:srgbClr val="000000"/>
+                          </a:solidFill>
+                          <a:effectLst/>
+                          <a:latin typeface="Arial" panose="020B0604020202020204" pitchFamily="34" charset="0"/>
+                          <a:cs typeface="Arial" panose="020B0604020202020204" pitchFamily="34" charset="0"/>
+                        </a:rPr>
+                        <a:t>A. Srivastava</a:t>
+                      </a:r>
+                      <a:r>
+                        <a:rPr lang="de-CH" sz="1200" b="0" i="0" u="none" strike="noStrike" dirty="0">
+                          <a:solidFill>
+                            <a:srgbClr val="000000"/>
+                          </a:solidFill>
+                          <a:effectLst/>
+                          <a:latin typeface="Arial" panose="020B0604020202020204" pitchFamily="34" charset="0"/>
+                          <a:cs typeface="Arial" panose="020B0604020202020204" pitchFamily="34" charset="0"/>
+                        </a:rPr>
+                        <a:t>)</a:t>
+                      </a:r>
+                      <a:endParaRPr lang="de-CH" sz="1600" dirty="0">
+                        <a:effectLst/>
+                        <a:latin typeface="Arial" panose="020B0604020202020204" pitchFamily="34" charset="0"/>
+                        <a:cs typeface="Arial" panose="020B0604020202020204" pitchFamily="34" charset="0"/>
+                      </a:endParaRPr>
+                    </a:p>
+                  </a:txBody>
+                  <a:tcPr marL="18338" marR="18338" marT="18338" marB="18338">
+                    <a:lnL>
+                      <a:noFill/>
+                    </a:lnL>
+                    <a:lnR>
+                      <a:noFill/>
+                    </a:lnR>
+                    <a:lnT>
+                      <a:noFill/>
+                    </a:lnT>
+                    <a:lnB>
+                      <a:noFill/>
+                    </a:lnB>
+                  </a:tcPr>
+                </a:tc>
+                <a:extLst>
+                  <a:ext uri="{0D108BD9-81ED-4DB2-BD59-A6C34878D82A}">
+                    <a16:rowId xmlns:a16="http://schemas.microsoft.com/office/drawing/2014/main" val="466998252"/>
+                  </a:ext>
+                </a:extLst>
+              </a:tr>
+              <a:tr h="263462">
+                <a:tc>
+                  <a:txBody>
+                    <a:bodyPr/>
+                    <a:lstStyle/>
+                    <a:p>
+                      <a:pPr rtl="0" fontAlgn="t">
+                        <a:spcBef>
+                          <a:spcPts val="0"/>
+                        </a:spcBef>
+                        <a:spcAft>
+                          <a:spcPts val="0"/>
+                        </a:spcAft>
+                      </a:pPr>
+                      <a:r>
+                        <a:rPr lang="de-CH" sz="1200" b="0" i="0" u="none" strike="noStrike">
+                          <a:solidFill>
+                            <a:srgbClr val="000000"/>
+                          </a:solidFill>
+                          <a:effectLst/>
+                          <a:latin typeface="Arial" panose="020B0604020202020204" pitchFamily="34" charset="0"/>
+                          <a:cs typeface="Arial" panose="020B0604020202020204" pitchFamily="34" charset="0"/>
+                        </a:rPr>
+                        <a:t>16:45 - 17:00</a:t>
+                      </a:r>
+                      <a:endParaRPr lang="de-CH" sz="1600">
+                        <a:effectLst/>
+                        <a:latin typeface="Arial" panose="020B0604020202020204" pitchFamily="34" charset="0"/>
+                        <a:cs typeface="Arial" panose="020B0604020202020204" pitchFamily="34" charset="0"/>
+                      </a:endParaRPr>
+                    </a:p>
+                  </a:txBody>
+                  <a:tcPr marL="18338" marR="18338" marT="18338" marB="18338">
+                    <a:lnL>
+                      <a:noFill/>
+                    </a:lnL>
+                    <a:lnR>
+                      <a:noFill/>
+                    </a:lnR>
+                    <a:lnT>
+                      <a:noFill/>
+                    </a:lnT>
+                    <a:lnB>
+                      <a:noFill/>
+                    </a:lnB>
+                    <a:solidFill>
+                      <a:schemeClr val="bg1">
+                        <a:lumMod val="95000"/>
+                      </a:schemeClr>
+                    </a:solidFill>
+                  </a:tcPr>
+                </a:tc>
+                <a:tc>
+                  <a:txBody>
+                    <a:bodyPr/>
+                    <a:lstStyle/>
+                    <a:p>
+                      <a:pPr rtl="0" fontAlgn="t">
+                        <a:spcBef>
+                          <a:spcPts val="0"/>
+                        </a:spcBef>
+                        <a:spcAft>
+                          <a:spcPts val="0"/>
+                        </a:spcAft>
+                      </a:pPr>
+                      <a:r>
+                        <a:rPr lang="de-CH" sz="1200" b="0" i="1" u="none" strike="noStrike" dirty="0">
+                          <a:solidFill>
+                            <a:srgbClr val="000000"/>
+                          </a:solidFill>
+                          <a:effectLst/>
+                          <a:latin typeface="Arial" panose="020B0604020202020204" pitchFamily="34" charset="0"/>
+                          <a:cs typeface="Arial" panose="020B0604020202020204" pitchFamily="34" charset="0"/>
+                        </a:rPr>
+                        <a:t>Break</a:t>
+                      </a:r>
+                      <a:endParaRPr lang="de-CH" sz="1600" dirty="0">
+                        <a:effectLst/>
+                        <a:latin typeface="Arial" panose="020B0604020202020204" pitchFamily="34" charset="0"/>
+                        <a:cs typeface="Arial" panose="020B0604020202020204" pitchFamily="34" charset="0"/>
+                      </a:endParaRPr>
+                    </a:p>
+                  </a:txBody>
+                  <a:tcPr marL="18338" marR="18338" marT="18338" marB="18338">
+                    <a:lnL>
+                      <a:noFill/>
+                    </a:lnL>
+                    <a:lnR>
+                      <a:noFill/>
+                    </a:lnR>
+                    <a:lnT>
+                      <a:noFill/>
+                    </a:lnT>
+                    <a:lnB>
+                      <a:noFill/>
+                    </a:lnB>
+                    <a:solidFill>
+                      <a:schemeClr val="bg1">
+                        <a:lumMod val="95000"/>
+                      </a:schemeClr>
+                    </a:solidFill>
+                  </a:tcPr>
+                </a:tc>
+                <a:extLst>
+                  <a:ext uri="{0D108BD9-81ED-4DB2-BD59-A6C34878D82A}">
+                    <a16:rowId xmlns:a16="http://schemas.microsoft.com/office/drawing/2014/main" val="1211704026"/>
+                  </a:ext>
+                </a:extLst>
+              </a:tr>
+              <a:tr h="263462">
+                <a:tc>
+                  <a:txBody>
+                    <a:bodyPr/>
+                    <a:lstStyle/>
+                    <a:p>
+                      <a:pPr rtl="0" fontAlgn="t">
+                        <a:spcBef>
+                          <a:spcPts val="0"/>
+                        </a:spcBef>
+                        <a:spcAft>
+                          <a:spcPts val="0"/>
+                        </a:spcAft>
+                      </a:pPr>
+                      <a:r>
+                        <a:rPr lang="de-CH" sz="1200" b="0" i="0" u="none" strike="noStrike">
+                          <a:solidFill>
+                            <a:srgbClr val="000000"/>
+                          </a:solidFill>
+                          <a:effectLst/>
+                          <a:latin typeface="Arial" panose="020B0604020202020204" pitchFamily="34" charset="0"/>
+                          <a:cs typeface="Arial" panose="020B0604020202020204" pitchFamily="34" charset="0"/>
+                        </a:rPr>
+                        <a:t>17:00 - 18:00</a:t>
+                      </a:r>
+                      <a:endParaRPr lang="de-CH" sz="1600">
+                        <a:effectLst/>
+                        <a:latin typeface="Arial" panose="020B0604020202020204" pitchFamily="34" charset="0"/>
+                        <a:cs typeface="Arial" panose="020B0604020202020204" pitchFamily="34" charset="0"/>
+                      </a:endParaRPr>
+                    </a:p>
+                  </a:txBody>
+                  <a:tcPr marL="18338" marR="18338" marT="18338" marB="18338">
+                    <a:lnL>
+                      <a:noFill/>
+                    </a:lnL>
+                    <a:lnR>
+                      <a:noFill/>
+                    </a:lnR>
+                    <a:lnT>
+                      <a:noFill/>
+                    </a:lnT>
+                    <a:lnB>
+                      <a:noFill/>
+                    </a:lnB>
+                  </a:tcPr>
+                </a:tc>
+                <a:tc>
+                  <a:txBody>
+                    <a:bodyPr/>
+                    <a:lstStyle/>
+                    <a:p>
+                      <a:pPr rtl="0" fontAlgn="t">
+                        <a:spcBef>
+                          <a:spcPts val="0"/>
+                        </a:spcBef>
+                        <a:spcAft>
+                          <a:spcPts val="0"/>
+                        </a:spcAft>
+                      </a:pPr>
+                      <a:r>
+                        <a:rPr lang="en-US" sz="1200" b="0" i="0" u="none" strike="noStrike" dirty="0">
+                          <a:solidFill>
+                            <a:srgbClr val="000000"/>
+                          </a:solidFill>
+                          <a:effectLst/>
+                          <a:latin typeface="Arial" panose="020B0604020202020204" pitchFamily="34" charset="0"/>
+                          <a:cs typeface="Arial" panose="020B0604020202020204" pitchFamily="34" charset="0"/>
+                        </a:rPr>
+                        <a:t>Quantification of gene expression (continued)</a:t>
+                      </a:r>
+                      <a:endParaRPr lang="en-US" sz="1600" dirty="0">
+                        <a:effectLst/>
+                        <a:latin typeface="Arial" panose="020B0604020202020204" pitchFamily="34" charset="0"/>
+                        <a:cs typeface="Arial" panose="020B0604020202020204" pitchFamily="34" charset="0"/>
+                      </a:endParaRPr>
+                    </a:p>
+                  </a:txBody>
+                  <a:tcPr marL="18338" marR="18338" marT="18338" marB="18338">
+                    <a:lnL>
+                      <a:noFill/>
+                    </a:lnL>
+                    <a:lnR>
+                      <a:noFill/>
+                    </a:lnR>
+                    <a:lnT>
+                      <a:noFill/>
+                    </a:lnT>
+                    <a:lnB>
+                      <a:noFill/>
+                    </a:lnB>
+                  </a:tcPr>
+                </a:tc>
+                <a:extLst>
+                  <a:ext uri="{0D108BD9-81ED-4DB2-BD59-A6C34878D82A}">
+                    <a16:rowId xmlns:a16="http://schemas.microsoft.com/office/drawing/2014/main" val="4248072865"/>
+                  </a:ext>
+                </a:extLst>
+              </a:tr>
+            </a:tbl>
+          </a:graphicData>
+        </a:graphic>
+      </p:graphicFrame>
+      <p:sp>
+        <p:nvSpPr>
+          <p:cNvPr id="10" name="Rechteck 9">
             <a:extLst>
-              <a:ext uri="{28A0092B-C50C-407E-A947-70E740481C1C}">
-                <a14:useLocalDpi xmlns:a14="http://schemas.microsoft.com/office/drawing/2010/main" val="0"/>
+              <a:ext uri="{FF2B5EF4-FFF2-40B4-BE49-F238E27FC236}">
+                <a16:creationId xmlns:a16="http://schemas.microsoft.com/office/drawing/2014/main" id="{7CFFD9BF-B427-4570-9B03-CA245F88C230}"/>
               </a:ext>
             </a:extLst>
-          </a:blip>
-          <a:stretch>
-            <a:fillRect/>
-          </a:stretch>
-        </p:blipFill>
+          </p:cNvPr>
+          <p:cNvSpPr/>
+          <p:nvPr/>
+        </p:nvSpPr>
         <p:spPr>
           <a:xfrm>
-            <a:off x="3187535" y="1404107"/>
-            <a:ext cx="5816930" cy="5088768"/>
+            <a:off x="1013498" y="1549189"/>
+            <a:ext cx="6984000" cy="1700331"/>
           </a:xfrm>
+          <a:prstGeom prst="rect">
+            <a:avLst/>
+          </a:prstGeom>
+          <a:solidFill>
+            <a:schemeClr val="accent2">
+              <a:lumMod val="40000"/>
+              <a:lumOff val="60000"/>
+              <a:alpha val="30000"/>
+            </a:schemeClr>
+          </a:solidFill>
+          <a:ln>
+            <a:noFill/>
+          </a:ln>
         </p:spPr>
-      </p:pic>
+        <p:style>
+          <a:lnRef idx="2">
+            <a:schemeClr val="accent1">
+              <a:shade val="50000"/>
+            </a:schemeClr>
+          </a:lnRef>
+          <a:fillRef idx="1">
+            <a:schemeClr val="accent1"/>
+          </a:fillRef>
+          <a:effectRef idx="0">
+            <a:schemeClr val="accent1"/>
+          </a:effectRef>
+          <a:fontRef idx="minor">
+            <a:schemeClr val="lt1"/>
+          </a:fontRef>
+        </p:style>
+        <p:txBody>
+          <a:bodyPr rtlCol="0" anchor="ctr"/>
+          <a:lstStyle/>
+          <a:p>
+            <a:pPr algn="ctr"/>
+            <a:endParaRPr lang="de-CH"/>
+          </a:p>
+        </p:txBody>
+      </p:sp>
+      <p:sp>
+        <p:nvSpPr>
+          <p:cNvPr id="11" name="Textfeld 10">
+            <a:extLst>
+              <a:ext uri="{FF2B5EF4-FFF2-40B4-BE49-F238E27FC236}">
+                <a16:creationId xmlns:a16="http://schemas.microsoft.com/office/drawing/2014/main" id="{02820FE5-1469-4BB2-B121-9CCAD8C386D8}"/>
+              </a:ext>
+            </a:extLst>
+          </p:cNvPr>
+          <p:cNvSpPr txBox="1"/>
+          <p:nvPr/>
+        </p:nvSpPr>
+        <p:spPr>
+          <a:xfrm>
+            <a:off x="8272551" y="2168521"/>
+            <a:ext cx="2961452" cy="461665"/>
+          </a:xfrm>
+          <a:prstGeom prst="rect">
+            <a:avLst/>
+          </a:prstGeom>
+          <a:noFill/>
+        </p:spPr>
+        <p:txBody>
+          <a:bodyPr wrap="none" rtlCol="0">
+            <a:spAutoFit/>
+          </a:bodyPr>
+          <a:lstStyle/>
+          <a:p>
+            <a:pPr algn="ctr"/>
+            <a:r>
+              <a:rPr lang="en-US" sz="2400" dirty="0">
+                <a:solidFill>
+                  <a:schemeClr val="accent2">
+                    <a:lumMod val="75000"/>
+                  </a:schemeClr>
+                </a:solidFill>
+              </a:rPr>
+              <a:t>introduction and tools</a:t>
+            </a:r>
+            <a:endParaRPr lang="de-CH" sz="2400" dirty="0">
+              <a:solidFill>
+                <a:schemeClr val="accent2">
+                  <a:lumMod val="75000"/>
+                </a:schemeClr>
+              </a:solidFill>
+            </a:endParaRPr>
+          </a:p>
+        </p:txBody>
+      </p:sp>
+      <p:sp>
+        <p:nvSpPr>
+          <p:cNvPr id="12" name="Rechteck 11">
+            <a:extLst>
+              <a:ext uri="{FF2B5EF4-FFF2-40B4-BE49-F238E27FC236}">
+                <a16:creationId xmlns:a16="http://schemas.microsoft.com/office/drawing/2014/main" id="{54D996BB-8D1A-4843-B913-D0EF301399FE}"/>
+              </a:ext>
+            </a:extLst>
+          </p:cNvPr>
+          <p:cNvSpPr/>
+          <p:nvPr/>
+        </p:nvSpPr>
+        <p:spPr>
+          <a:xfrm>
+            <a:off x="1013498" y="3506135"/>
+            <a:ext cx="6984000" cy="1314922"/>
+          </a:xfrm>
+          <a:prstGeom prst="rect">
+            <a:avLst/>
+          </a:prstGeom>
+          <a:solidFill>
+            <a:schemeClr val="accent2">
+              <a:lumMod val="40000"/>
+              <a:lumOff val="60000"/>
+              <a:alpha val="30000"/>
+            </a:schemeClr>
+          </a:solidFill>
+          <a:ln>
+            <a:noFill/>
+          </a:ln>
+        </p:spPr>
+        <p:style>
+          <a:lnRef idx="2">
+            <a:schemeClr val="accent1">
+              <a:shade val="50000"/>
+            </a:schemeClr>
+          </a:lnRef>
+          <a:fillRef idx="1">
+            <a:schemeClr val="accent1"/>
+          </a:fillRef>
+          <a:effectRef idx="0">
+            <a:schemeClr val="accent1"/>
+          </a:effectRef>
+          <a:fontRef idx="minor">
+            <a:schemeClr val="lt1"/>
+          </a:fontRef>
+        </p:style>
+        <p:txBody>
+          <a:bodyPr rtlCol="0" anchor="ctr"/>
+          <a:lstStyle/>
+          <a:p>
+            <a:pPr algn="ctr"/>
+            <a:endParaRPr lang="de-CH"/>
+          </a:p>
+        </p:txBody>
+      </p:sp>
+      <p:sp>
+        <p:nvSpPr>
+          <p:cNvPr id="13" name="Textfeld 12">
+            <a:extLst>
+              <a:ext uri="{FF2B5EF4-FFF2-40B4-BE49-F238E27FC236}">
+                <a16:creationId xmlns:a16="http://schemas.microsoft.com/office/drawing/2014/main" id="{90630D4F-3943-44A8-9108-4FD1FECC648C}"/>
+              </a:ext>
+            </a:extLst>
+          </p:cNvPr>
+          <p:cNvSpPr txBox="1"/>
+          <p:nvPr/>
+        </p:nvSpPr>
+        <p:spPr>
+          <a:xfrm>
+            <a:off x="8986851" y="3932763"/>
+            <a:ext cx="1532856" cy="461665"/>
+          </a:xfrm>
+          <a:prstGeom prst="rect">
+            <a:avLst/>
+          </a:prstGeom>
+          <a:noFill/>
+        </p:spPr>
+        <p:txBody>
+          <a:bodyPr wrap="none" rtlCol="0">
+            <a:spAutoFit/>
+          </a:bodyPr>
+          <a:lstStyle/>
+          <a:p>
+            <a:pPr algn="ctr"/>
+            <a:r>
+              <a:rPr lang="en-US" sz="2400" dirty="0">
+                <a:solidFill>
+                  <a:schemeClr val="accent2">
+                    <a:lumMod val="75000"/>
+                  </a:schemeClr>
+                </a:solidFill>
+              </a:rPr>
+              <a:t>Python + R</a:t>
+            </a:r>
+            <a:endParaRPr lang="de-CH" sz="2400" dirty="0">
+              <a:solidFill>
+                <a:schemeClr val="accent2">
+                  <a:lumMod val="75000"/>
+                </a:schemeClr>
+              </a:solidFill>
+            </a:endParaRPr>
+          </a:p>
+        </p:txBody>
+      </p:sp>
+      <p:sp>
+        <p:nvSpPr>
+          <p:cNvPr id="14" name="Rechteck 13">
+            <a:extLst>
+              <a:ext uri="{FF2B5EF4-FFF2-40B4-BE49-F238E27FC236}">
+                <a16:creationId xmlns:a16="http://schemas.microsoft.com/office/drawing/2014/main" id="{E653B26F-EC8E-4473-9854-3280084170FF}"/>
+              </a:ext>
+            </a:extLst>
+          </p:cNvPr>
+          <p:cNvSpPr/>
+          <p:nvPr/>
+        </p:nvSpPr>
+        <p:spPr>
+          <a:xfrm>
+            <a:off x="1013498" y="5093438"/>
+            <a:ext cx="6984000" cy="1314922"/>
+          </a:xfrm>
+          <a:prstGeom prst="rect">
+            <a:avLst/>
+          </a:prstGeom>
+          <a:solidFill>
+            <a:schemeClr val="accent2">
+              <a:lumMod val="40000"/>
+              <a:lumOff val="60000"/>
+              <a:alpha val="30000"/>
+            </a:schemeClr>
+          </a:solidFill>
+          <a:ln>
+            <a:noFill/>
+          </a:ln>
+        </p:spPr>
+        <p:style>
+          <a:lnRef idx="2">
+            <a:schemeClr val="accent1">
+              <a:shade val="50000"/>
+            </a:schemeClr>
+          </a:lnRef>
+          <a:fillRef idx="1">
+            <a:schemeClr val="accent1"/>
+          </a:fillRef>
+          <a:effectRef idx="0">
+            <a:schemeClr val="accent1"/>
+          </a:effectRef>
+          <a:fontRef idx="minor">
+            <a:schemeClr val="lt1"/>
+          </a:fontRef>
+        </p:style>
+        <p:txBody>
+          <a:bodyPr rtlCol="0" anchor="ctr"/>
+          <a:lstStyle/>
+          <a:p>
+            <a:pPr algn="ctr"/>
+            <a:endParaRPr lang="de-CH"/>
+          </a:p>
+        </p:txBody>
+      </p:sp>
+      <p:sp>
+        <p:nvSpPr>
+          <p:cNvPr id="15" name="Textfeld 14">
+            <a:extLst>
+              <a:ext uri="{FF2B5EF4-FFF2-40B4-BE49-F238E27FC236}">
+                <a16:creationId xmlns:a16="http://schemas.microsoft.com/office/drawing/2014/main" id="{4B7E5978-FA9D-4A8E-B117-273F476E8CAE}"/>
+              </a:ext>
+            </a:extLst>
+          </p:cNvPr>
+          <p:cNvSpPr txBox="1"/>
+          <p:nvPr/>
+        </p:nvSpPr>
+        <p:spPr>
+          <a:xfrm>
+            <a:off x="8769840" y="5520066"/>
+            <a:ext cx="1966885" cy="461665"/>
+          </a:xfrm>
+          <a:prstGeom prst="rect">
+            <a:avLst/>
+          </a:prstGeom>
+          <a:noFill/>
+        </p:spPr>
+        <p:txBody>
+          <a:bodyPr wrap="none" rtlCol="0">
+            <a:spAutoFit/>
+          </a:bodyPr>
+          <a:lstStyle/>
+          <a:p>
+            <a:pPr algn="ctr"/>
+            <a:r>
+              <a:rPr lang="en-US" sz="2400" dirty="0">
+                <a:solidFill>
+                  <a:schemeClr val="accent2">
+                    <a:lumMod val="75000"/>
+                  </a:schemeClr>
+                </a:solidFill>
+              </a:rPr>
+              <a:t>quantification</a:t>
+            </a:r>
+            <a:endParaRPr lang="de-CH" sz="2400" dirty="0">
+              <a:solidFill>
+                <a:schemeClr val="accent2">
+                  <a:lumMod val="75000"/>
+                </a:schemeClr>
+              </a:solidFill>
+            </a:endParaRPr>
+          </a:p>
+        </p:txBody>
+      </p:sp>
     </p:spTree>
     <p:extLst>
       <p:ext uri="{BB962C8B-B14F-4D97-AF65-F5344CB8AC3E}">
@@ -3670,6 +6221,260 @@
   <p:clrMapOvr>
     <a:masterClrMapping/>
   </p:clrMapOvr>
+  <p:timing>
+    <p:tnLst>
+      <p:par>
+        <p:cTn id="1" dur="indefinite" restart="never" nodeType="tmRoot">
+          <p:childTnLst>
+            <p:seq concurrent="1" nextAc="seek">
+              <p:cTn id="2" dur="indefinite" nodeType="mainSeq">
+                <p:childTnLst>
+                  <p:par>
+                    <p:cTn id="3" fill="hold">
+                      <p:stCondLst>
+                        <p:cond delay="indefinite"/>
+                      </p:stCondLst>
+                      <p:childTnLst>
+                        <p:par>
+                          <p:cTn id="4" fill="hold">
+                            <p:stCondLst>
+                              <p:cond delay="0"/>
+                            </p:stCondLst>
+                            <p:childTnLst>
+                              <p:par>
+                                <p:cTn id="5" presetID="1" presetClass="entr" presetSubtype="0" fill="hold" grpId="0" nodeType="clickEffect">
+                                  <p:stCondLst>
+                                    <p:cond delay="0"/>
+                                  </p:stCondLst>
+                                  <p:childTnLst>
+                                    <p:set>
+                                      <p:cBhvr>
+                                        <p:cTn id="6" dur="1" fill="hold">
+                                          <p:stCondLst>
+                                            <p:cond delay="0"/>
+                                          </p:stCondLst>
+                                        </p:cTn>
+                                        <p:tgtEl>
+                                          <p:spTgt spid="10"/>
+                                        </p:tgtEl>
+                                        <p:attrNameLst>
+                                          <p:attrName>style.visibility</p:attrName>
+                                        </p:attrNameLst>
+                                      </p:cBhvr>
+                                      <p:to>
+                                        <p:strVal val="visible"/>
+                                      </p:to>
+                                    </p:set>
+                                  </p:childTnLst>
+                                </p:cTn>
+                              </p:par>
+                              <p:par>
+                                <p:cTn id="7" presetID="1" presetClass="entr" presetSubtype="0" fill="hold" grpId="0" nodeType="withEffect">
+                                  <p:stCondLst>
+                                    <p:cond delay="0"/>
+                                  </p:stCondLst>
+                                  <p:childTnLst>
+                                    <p:set>
+                                      <p:cBhvr>
+                                        <p:cTn id="8" dur="1" fill="hold">
+                                          <p:stCondLst>
+                                            <p:cond delay="0"/>
+                                          </p:stCondLst>
+                                        </p:cTn>
+                                        <p:tgtEl>
+                                          <p:spTgt spid="11"/>
+                                        </p:tgtEl>
+                                        <p:attrNameLst>
+                                          <p:attrName>style.visibility</p:attrName>
+                                        </p:attrNameLst>
+                                      </p:cBhvr>
+                                      <p:to>
+                                        <p:strVal val="visible"/>
+                                      </p:to>
+                                    </p:set>
+                                  </p:childTnLst>
+                                </p:cTn>
+                              </p:par>
+                            </p:childTnLst>
+                          </p:cTn>
+                        </p:par>
+                      </p:childTnLst>
+                    </p:cTn>
+                  </p:par>
+                  <p:par>
+                    <p:cTn id="9" fill="hold">
+                      <p:stCondLst>
+                        <p:cond delay="indefinite"/>
+                      </p:stCondLst>
+                      <p:childTnLst>
+                        <p:par>
+                          <p:cTn id="10" fill="hold">
+                            <p:stCondLst>
+                              <p:cond delay="0"/>
+                            </p:stCondLst>
+                            <p:childTnLst>
+                              <p:par>
+                                <p:cTn id="11" presetID="1" presetClass="entr" presetSubtype="0" fill="hold" grpId="0" nodeType="clickEffect">
+                                  <p:stCondLst>
+                                    <p:cond delay="0"/>
+                                  </p:stCondLst>
+                                  <p:childTnLst>
+                                    <p:set>
+                                      <p:cBhvr>
+                                        <p:cTn id="12" dur="1" fill="hold">
+                                          <p:stCondLst>
+                                            <p:cond delay="0"/>
+                                          </p:stCondLst>
+                                        </p:cTn>
+                                        <p:tgtEl>
+                                          <p:spTgt spid="12"/>
+                                        </p:tgtEl>
+                                        <p:attrNameLst>
+                                          <p:attrName>style.visibility</p:attrName>
+                                        </p:attrNameLst>
+                                      </p:cBhvr>
+                                      <p:to>
+                                        <p:strVal val="visible"/>
+                                      </p:to>
+                                    </p:set>
+                                  </p:childTnLst>
+                                </p:cTn>
+                              </p:par>
+                              <p:par>
+                                <p:cTn id="13" presetID="1" presetClass="entr" presetSubtype="0" fill="hold" grpId="0" nodeType="withEffect">
+                                  <p:stCondLst>
+                                    <p:cond delay="0"/>
+                                  </p:stCondLst>
+                                  <p:childTnLst>
+                                    <p:set>
+                                      <p:cBhvr>
+                                        <p:cTn id="14" dur="1" fill="hold">
+                                          <p:stCondLst>
+                                            <p:cond delay="0"/>
+                                          </p:stCondLst>
+                                        </p:cTn>
+                                        <p:tgtEl>
+                                          <p:spTgt spid="13"/>
+                                        </p:tgtEl>
+                                        <p:attrNameLst>
+                                          <p:attrName>style.visibility</p:attrName>
+                                        </p:attrNameLst>
+                                      </p:cBhvr>
+                                      <p:to>
+                                        <p:strVal val="visible"/>
+                                      </p:to>
+                                    </p:set>
+                                  </p:childTnLst>
+                                </p:cTn>
+                              </p:par>
+                            </p:childTnLst>
+                          </p:cTn>
+                        </p:par>
+                      </p:childTnLst>
+                    </p:cTn>
+                  </p:par>
+                  <p:par>
+                    <p:cTn id="15" fill="hold">
+                      <p:stCondLst>
+                        <p:cond delay="indefinite"/>
+                      </p:stCondLst>
+                      <p:childTnLst>
+                        <p:par>
+                          <p:cTn id="16" fill="hold">
+                            <p:stCondLst>
+                              <p:cond delay="0"/>
+                            </p:stCondLst>
+                            <p:childTnLst>
+                              <p:par>
+                                <p:cTn id="17" presetID="1" presetClass="entr" presetSubtype="0" fill="hold" grpId="0" nodeType="clickEffect">
+                                  <p:stCondLst>
+                                    <p:cond delay="0"/>
+                                  </p:stCondLst>
+                                  <p:childTnLst>
+                                    <p:set>
+                                      <p:cBhvr>
+                                        <p:cTn id="18" dur="1" fill="hold">
+                                          <p:stCondLst>
+                                            <p:cond delay="0"/>
+                                          </p:stCondLst>
+                                        </p:cTn>
+                                        <p:tgtEl>
+                                          <p:spTgt spid="14"/>
+                                        </p:tgtEl>
+                                        <p:attrNameLst>
+                                          <p:attrName>style.visibility</p:attrName>
+                                        </p:attrNameLst>
+                                      </p:cBhvr>
+                                      <p:to>
+                                        <p:strVal val="visible"/>
+                                      </p:to>
+                                    </p:set>
+                                  </p:childTnLst>
+                                </p:cTn>
+                              </p:par>
+                              <p:par>
+                                <p:cTn id="19" presetID="1" presetClass="entr" presetSubtype="0" fill="hold" grpId="0" nodeType="withEffect">
+                                  <p:stCondLst>
+                                    <p:cond delay="0"/>
+                                  </p:stCondLst>
+                                  <p:childTnLst>
+                                    <p:set>
+                                      <p:cBhvr>
+                                        <p:cTn id="20" dur="1" fill="hold">
+                                          <p:stCondLst>
+                                            <p:cond delay="0"/>
+                                          </p:stCondLst>
+                                        </p:cTn>
+                                        <p:tgtEl>
+                                          <p:spTgt spid="15"/>
+                                        </p:tgtEl>
+                                        <p:attrNameLst>
+                                          <p:attrName>style.visibility</p:attrName>
+                                        </p:attrNameLst>
+                                      </p:cBhvr>
+                                      <p:to>
+                                        <p:strVal val="visible"/>
+                                      </p:to>
+                                    </p:set>
+                                  </p:childTnLst>
+                                </p:cTn>
+                              </p:par>
+                            </p:childTnLst>
+                          </p:cTn>
+                        </p:par>
+                      </p:childTnLst>
+                    </p:cTn>
+                  </p:par>
+                </p:childTnLst>
+              </p:cTn>
+              <p:prevCondLst>
+                <p:cond evt="onPrev" delay="0">
+                  <p:tgtEl>
+                    <p:sldTgt/>
+                  </p:tgtEl>
+                </p:cond>
+              </p:prevCondLst>
+              <p:nextCondLst>
+                <p:cond evt="onNext" delay="0">
+                  <p:tgtEl>
+                    <p:sldTgt/>
+                  </p:tgtEl>
+                </p:cond>
+              </p:nextCondLst>
+            </p:seq>
+          </p:childTnLst>
+        </p:cTn>
+      </p:par>
+    </p:tnLst>
+    <p:bldLst>
+      <p:bldP spid="10" grpId="0" animBg="1"/>
+      <p:bldP spid="11" grpId="0"/>
+      <p:bldP spid="12" grpId="0" animBg="1"/>
+      <p:bldP spid="13" grpId="0"/>
+      <p:bldP spid="14" grpId="0" animBg="1"/>
+      <p:bldP spid="15" grpId="0"/>
+    </p:bldLst>
+  </p:timing>
 </p:sld>
 </file>
 
@@ -3706,7 +6511,12 @@
             <p:ph type="title"/>
           </p:nvPr>
         </p:nvSpPr>
-        <p:spPr/>
+        <p:spPr>
+          <a:xfrm>
+            <a:off x="838200" y="365126"/>
+            <a:ext cx="10515600" cy="760290"/>
+          </a:xfrm>
+        </p:spPr>
         <p:txBody>
           <a:bodyPr/>
           <a:lstStyle/>
@@ -3719,51 +6529,1872 @@
           </a:p>
         </p:txBody>
       </p:sp>
-      <p:pic>
-        <p:nvPicPr>
-          <p:cNvPr id="7" name="Content Placeholder 6">
+      <p:graphicFrame>
+        <p:nvGraphicFramePr>
+          <p:cNvPr id="6" name="Tabelle 5">
             <a:extLst>
               <a:ext uri="{FF2B5EF4-FFF2-40B4-BE49-F238E27FC236}">
-                <a16:creationId xmlns:a16="http://schemas.microsoft.com/office/drawing/2014/main" id="{97EC3C39-5D1F-DF47-801E-D2C4E563FF75}"/>
+                <a16:creationId xmlns:a16="http://schemas.microsoft.com/office/drawing/2014/main" id="{EB538FC1-A728-4E54-B453-B0B0963244FC}"/>
               </a:ext>
             </a:extLst>
           </p:cNvPr>
-          <p:cNvPicPr>
-            <a:picLocks noGrp="1" noChangeAspect="1"/>
-          </p:cNvPicPr>
+          <p:cNvGraphicFramePr>
+            <a:graphicFrameLocks noGrp="1"/>
+          </p:cNvGraphicFramePr>
           <p:nvPr>
-            <p:ph idx="1"/>
+            <p:extLst>
+              <p:ext uri="{D42A27DB-BD31-4B8C-83A1-F6EECF244321}">
+                <p14:modId xmlns:p14="http://schemas.microsoft.com/office/powerpoint/2010/main" val="2190523943"/>
+              </p:ext>
+            </p:extLst>
           </p:nvPr>
-        </p:nvPicPr>
-        <p:blipFill>
-          <a:blip r:embed="rId2">
+        </p:nvGraphicFramePr>
+        <p:xfrm>
+          <a:off x="1013497" y="1272492"/>
+          <a:ext cx="6984000" cy="3168000"/>
+        </p:xfrm>
+        <a:graphic>
+          <a:graphicData uri="http://schemas.openxmlformats.org/drawingml/2006/table">
+            <a:tbl>
+              <a:tblPr/>
+              <a:tblGrid>
+                <a:gridCol w="1197574">
+                  <a:extLst>
+                    <a:ext uri="{9D8B030D-6E8A-4147-A177-3AD203B41FA5}">
+                      <a16:colId xmlns:a16="http://schemas.microsoft.com/office/drawing/2014/main" val="322169044"/>
+                    </a:ext>
+                  </a:extLst>
+                </a:gridCol>
+                <a:gridCol w="5786426">
+                  <a:extLst>
+                    <a:ext uri="{9D8B030D-6E8A-4147-A177-3AD203B41FA5}">
+                      <a16:colId xmlns:a16="http://schemas.microsoft.com/office/drawing/2014/main" val="332984489"/>
+                    </a:ext>
+                  </a:extLst>
+                </a:gridCol>
+              </a:tblGrid>
+              <a:tr h="264000">
+                <a:tc gridSpan="2">
+                  <a:txBody>
+                    <a:bodyPr/>
+                    <a:lstStyle/>
+                    <a:p>
+                      <a:pPr rtl="0" fontAlgn="t">
+                        <a:spcBef>
+                          <a:spcPts val="0"/>
+                        </a:spcBef>
+                        <a:spcAft>
+                          <a:spcPts val="0"/>
+                        </a:spcAft>
+                      </a:pPr>
+                      <a:r>
+                        <a:rPr lang="de-CH" sz="1200" b="1" i="0" u="none" strike="noStrike" dirty="0" err="1">
+                          <a:solidFill>
+                            <a:srgbClr val="000000"/>
+                          </a:solidFill>
+                          <a:effectLst/>
+                          <a:latin typeface="Arial" panose="020B0604020202020204" pitchFamily="34" charset="0"/>
+                          <a:cs typeface="Arial" panose="020B0604020202020204" pitchFamily="34" charset="0"/>
+                        </a:rPr>
+                        <a:t>Thursday</a:t>
+                      </a:r>
+                      <a:r>
+                        <a:rPr lang="de-CH" sz="1200" b="1" i="0" u="none" strike="noStrike" dirty="0">
+                          <a:solidFill>
+                            <a:srgbClr val="000000"/>
+                          </a:solidFill>
+                          <a:effectLst/>
+                          <a:latin typeface="Arial" panose="020B0604020202020204" pitchFamily="34" charset="0"/>
+                          <a:cs typeface="Arial" panose="020B0604020202020204" pitchFamily="34" charset="0"/>
+                        </a:rPr>
+                        <a:t>, May 28</a:t>
+                      </a:r>
+                      <a:endParaRPr lang="de-CH" sz="1600" dirty="0">
+                        <a:effectLst/>
+                        <a:latin typeface="Arial" panose="020B0604020202020204" pitchFamily="34" charset="0"/>
+                        <a:cs typeface="Arial" panose="020B0604020202020204" pitchFamily="34" charset="0"/>
+                      </a:endParaRPr>
+                    </a:p>
+                  </a:txBody>
+                  <a:tcPr marL="18338" marR="18338" marT="18338" marB="18338">
+                    <a:lnL>
+                      <a:noFill/>
+                    </a:lnL>
+                    <a:lnR>
+                      <a:noFill/>
+                    </a:lnR>
+                    <a:lnT>
+                      <a:noFill/>
+                    </a:lnT>
+                    <a:lnB w="12700" cap="flat" cmpd="sng" algn="ctr">
+                      <a:solidFill>
+                        <a:srgbClr val="000000"/>
+                      </a:solidFill>
+                      <a:prstDash val="solid"/>
+                      <a:round/>
+                      <a:headEnd type="none" w="med" len="med"/>
+                      <a:tailEnd type="none" w="med" len="med"/>
+                    </a:lnB>
+                  </a:tcPr>
+                </a:tc>
+                <a:tc hMerge="1">
+                  <a:txBody>
+                    <a:bodyPr/>
+                    <a:lstStyle/>
+                    <a:p>
+                      <a:endParaRPr lang="de-CH"/>
+                    </a:p>
+                  </a:txBody>
+                  <a:tcPr/>
+                </a:tc>
+                <a:extLst>
+                  <a:ext uri="{0D108BD9-81ED-4DB2-BD59-A6C34878D82A}">
+                    <a16:rowId xmlns:a16="http://schemas.microsoft.com/office/drawing/2014/main" val="2987369148"/>
+                  </a:ext>
+                </a:extLst>
+              </a:tr>
+              <a:tr h="264000">
+                <a:tc>
+                  <a:txBody>
+                    <a:bodyPr/>
+                    <a:lstStyle/>
+                    <a:p>
+                      <a:pPr rtl="0" fontAlgn="t">
+                        <a:spcBef>
+                          <a:spcPts val="0"/>
+                        </a:spcBef>
+                        <a:spcAft>
+                          <a:spcPts val="0"/>
+                        </a:spcAft>
+                      </a:pPr>
+                      <a:r>
+                        <a:rPr lang="de-CH" sz="1200" b="0" i="0" u="none" strike="noStrike" dirty="0">
+                          <a:solidFill>
+                            <a:srgbClr val="000000"/>
+                          </a:solidFill>
+                          <a:effectLst/>
+                          <a:latin typeface="Arial" panose="020B0604020202020204" pitchFamily="34" charset="0"/>
+                          <a:cs typeface="Arial" panose="020B0604020202020204" pitchFamily="34" charset="0"/>
+                        </a:rPr>
+                        <a:t>  9:00 - 10:00</a:t>
+                      </a:r>
+                      <a:endParaRPr lang="de-CH" sz="1600" dirty="0">
+                        <a:effectLst/>
+                        <a:latin typeface="Arial" panose="020B0604020202020204" pitchFamily="34" charset="0"/>
+                        <a:cs typeface="Arial" panose="020B0604020202020204" pitchFamily="34" charset="0"/>
+                      </a:endParaRPr>
+                    </a:p>
+                  </a:txBody>
+                  <a:tcPr marL="18338" marR="18338" marT="18338" marB="18338">
+                    <a:lnL>
+                      <a:noFill/>
+                    </a:lnL>
+                    <a:lnR>
+                      <a:noFill/>
+                    </a:lnR>
+                    <a:lnT w="12700" cap="flat" cmpd="sng" algn="ctr">
+                      <a:solidFill>
+                        <a:srgbClr val="000000"/>
+                      </a:solidFill>
+                      <a:prstDash val="solid"/>
+                      <a:round/>
+                      <a:headEnd type="none" w="med" len="med"/>
+                      <a:tailEnd type="none" w="med" len="med"/>
+                    </a:lnT>
+                    <a:lnB>
+                      <a:noFill/>
+                    </a:lnB>
+                  </a:tcPr>
+                </a:tc>
+                <a:tc>
+                  <a:txBody>
+                    <a:bodyPr/>
+                    <a:lstStyle/>
+                    <a:p>
+                      <a:pPr rtl="0" fontAlgn="t">
+                        <a:spcBef>
+                          <a:spcPts val="0"/>
+                        </a:spcBef>
+                        <a:spcAft>
+                          <a:spcPts val="0"/>
+                        </a:spcAft>
+                      </a:pPr>
+                      <a:r>
+                        <a:rPr lang="de-CH" sz="1200" b="0" i="0" u="none" strike="noStrike" dirty="0">
+                          <a:solidFill>
+                            <a:srgbClr val="000000"/>
+                          </a:solidFill>
+                          <a:effectLst/>
+                          <a:latin typeface="Arial" panose="020B0604020202020204" pitchFamily="34" charset="0"/>
+                          <a:cs typeface="Arial" panose="020B0604020202020204" pitchFamily="34" charset="0"/>
+                        </a:rPr>
+                        <a:t>RNA </a:t>
+                      </a:r>
+                      <a:r>
+                        <a:rPr lang="de-CH" sz="1200" b="0" i="0" u="none" strike="noStrike" dirty="0" err="1">
+                          <a:solidFill>
+                            <a:srgbClr val="000000"/>
+                          </a:solidFill>
+                          <a:effectLst/>
+                          <a:latin typeface="Arial" panose="020B0604020202020204" pitchFamily="34" charset="0"/>
+                          <a:cs typeface="Arial" panose="020B0604020202020204" pitchFamily="34" charset="0"/>
+                        </a:rPr>
+                        <a:t>velocity</a:t>
+                      </a:r>
+                      <a:r>
+                        <a:rPr lang="de-CH" sz="1200" b="0" i="0" u="none" strike="noStrike" dirty="0">
+                          <a:solidFill>
+                            <a:srgbClr val="000000"/>
+                          </a:solidFill>
+                          <a:effectLst/>
+                          <a:latin typeface="Arial" panose="020B0604020202020204" pitchFamily="34" charset="0"/>
+                          <a:cs typeface="Arial" panose="020B0604020202020204" pitchFamily="34" charset="0"/>
+                        </a:rPr>
+                        <a:t> (</a:t>
+                      </a:r>
+                      <a:r>
+                        <a:rPr lang="de-CH" sz="1200" b="0" i="0" u="none" strike="noStrike" dirty="0" err="1">
+                          <a:solidFill>
+                            <a:srgbClr val="000000"/>
+                          </a:solidFill>
+                          <a:effectLst/>
+                          <a:latin typeface="Arial" panose="020B0604020202020204" pitchFamily="34" charset="0"/>
+                          <a:cs typeface="Arial" panose="020B0604020202020204" pitchFamily="34" charset="0"/>
+                        </a:rPr>
+                        <a:t>presentation</a:t>
+                      </a:r>
+                      <a:r>
+                        <a:rPr lang="de-CH" sz="1200" b="0" i="0" u="none" strike="noStrike" dirty="0">
+                          <a:solidFill>
+                            <a:srgbClr val="000000"/>
+                          </a:solidFill>
+                          <a:effectLst/>
+                          <a:latin typeface="Arial" panose="020B0604020202020204" pitchFamily="34" charset="0"/>
+                          <a:cs typeface="Arial" panose="020B0604020202020204" pitchFamily="34" charset="0"/>
+                        </a:rPr>
+                        <a:t>, </a:t>
+                      </a:r>
+                      <a:r>
+                        <a:rPr lang="de-CH" sz="1200" b="0" i="1" u="none" strike="noStrike" dirty="0">
+                          <a:solidFill>
+                            <a:srgbClr val="000000"/>
+                          </a:solidFill>
+                          <a:effectLst/>
+                          <a:latin typeface="Arial" panose="020B0604020202020204" pitchFamily="34" charset="0"/>
+                          <a:cs typeface="Arial" panose="020B0604020202020204" pitchFamily="34" charset="0"/>
+                        </a:rPr>
+                        <a:t>C. Soneson</a:t>
+                      </a:r>
+                      <a:r>
+                        <a:rPr lang="de-CH" sz="1200" b="0" i="0" u="none" strike="noStrike" dirty="0">
+                          <a:solidFill>
+                            <a:srgbClr val="000000"/>
+                          </a:solidFill>
+                          <a:effectLst/>
+                          <a:latin typeface="Arial" panose="020B0604020202020204" pitchFamily="34" charset="0"/>
+                          <a:cs typeface="Arial" panose="020B0604020202020204" pitchFamily="34" charset="0"/>
+                        </a:rPr>
+                        <a:t>)</a:t>
+                      </a:r>
+                      <a:endParaRPr lang="de-CH" sz="1600" dirty="0">
+                        <a:effectLst/>
+                        <a:latin typeface="Arial" panose="020B0604020202020204" pitchFamily="34" charset="0"/>
+                        <a:cs typeface="Arial" panose="020B0604020202020204" pitchFamily="34" charset="0"/>
+                      </a:endParaRPr>
+                    </a:p>
+                  </a:txBody>
+                  <a:tcPr marL="18338" marR="18338" marT="18338" marB="18338">
+                    <a:lnL>
+                      <a:noFill/>
+                    </a:lnL>
+                    <a:lnR>
+                      <a:noFill/>
+                    </a:lnR>
+                    <a:lnT w="12700" cap="flat" cmpd="sng" algn="ctr">
+                      <a:solidFill>
+                        <a:srgbClr val="000000"/>
+                      </a:solidFill>
+                      <a:prstDash val="solid"/>
+                      <a:round/>
+                      <a:headEnd type="none" w="med" len="med"/>
+                      <a:tailEnd type="none" w="med" len="med"/>
+                    </a:lnT>
+                    <a:lnB>
+                      <a:noFill/>
+                    </a:lnB>
+                  </a:tcPr>
+                </a:tc>
+                <a:extLst>
+                  <a:ext uri="{0D108BD9-81ED-4DB2-BD59-A6C34878D82A}">
+                    <a16:rowId xmlns:a16="http://schemas.microsoft.com/office/drawing/2014/main" val="914011978"/>
+                  </a:ext>
+                </a:extLst>
+              </a:tr>
+              <a:tr h="264000">
+                <a:tc>
+                  <a:txBody>
+                    <a:bodyPr/>
+                    <a:lstStyle/>
+                    <a:p>
+                      <a:pPr rtl="0" fontAlgn="t">
+                        <a:spcBef>
+                          <a:spcPts val="0"/>
+                        </a:spcBef>
+                        <a:spcAft>
+                          <a:spcPts val="0"/>
+                        </a:spcAft>
+                      </a:pPr>
+                      <a:r>
+                        <a:rPr lang="de-CH" sz="1200" b="0" i="0" u="none" strike="noStrike">
+                          <a:solidFill>
+                            <a:srgbClr val="000000"/>
+                          </a:solidFill>
+                          <a:effectLst/>
+                          <a:latin typeface="Arial" panose="020B0604020202020204" pitchFamily="34" charset="0"/>
+                          <a:cs typeface="Arial" panose="020B0604020202020204" pitchFamily="34" charset="0"/>
+                        </a:rPr>
+                        <a:t>10:00 - 10:15</a:t>
+                      </a:r>
+                      <a:endParaRPr lang="de-CH" sz="1600">
+                        <a:effectLst/>
+                        <a:latin typeface="Arial" panose="020B0604020202020204" pitchFamily="34" charset="0"/>
+                        <a:cs typeface="Arial" panose="020B0604020202020204" pitchFamily="34" charset="0"/>
+                      </a:endParaRPr>
+                    </a:p>
+                  </a:txBody>
+                  <a:tcPr marL="18338" marR="18338" marT="18338" marB="18338">
+                    <a:lnL>
+                      <a:noFill/>
+                    </a:lnL>
+                    <a:lnR>
+                      <a:noFill/>
+                    </a:lnR>
+                    <a:lnT>
+                      <a:noFill/>
+                    </a:lnT>
+                    <a:lnB>
+                      <a:noFill/>
+                    </a:lnB>
+                    <a:solidFill>
+                      <a:schemeClr val="bg1">
+                        <a:lumMod val="95000"/>
+                      </a:schemeClr>
+                    </a:solidFill>
+                  </a:tcPr>
+                </a:tc>
+                <a:tc>
+                  <a:txBody>
+                    <a:bodyPr/>
+                    <a:lstStyle/>
+                    <a:p>
+                      <a:pPr rtl="0" fontAlgn="t">
+                        <a:spcBef>
+                          <a:spcPts val="0"/>
+                        </a:spcBef>
+                        <a:spcAft>
+                          <a:spcPts val="0"/>
+                        </a:spcAft>
+                      </a:pPr>
+                      <a:r>
+                        <a:rPr lang="de-CH" sz="1200" b="0" i="1" u="none" strike="noStrike" dirty="0">
+                          <a:solidFill>
+                            <a:srgbClr val="000000"/>
+                          </a:solidFill>
+                          <a:effectLst/>
+                          <a:latin typeface="Arial" panose="020B0604020202020204" pitchFamily="34" charset="0"/>
+                          <a:cs typeface="Arial" panose="020B0604020202020204" pitchFamily="34" charset="0"/>
+                        </a:rPr>
+                        <a:t>Break</a:t>
+                      </a:r>
+                      <a:endParaRPr lang="de-CH" sz="1600" dirty="0">
+                        <a:effectLst/>
+                        <a:latin typeface="Arial" panose="020B0604020202020204" pitchFamily="34" charset="0"/>
+                        <a:cs typeface="Arial" panose="020B0604020202020204" pitchFamily="34" charset="0"/>
+                      </a:endParaRPr>
+                    </a:p>
+                  </a:txBody>
+                  <a:tcPr marL="18338" marR="18338" marT="18338" marB="18338">
+                    <a:lnL>
+                      <a:noFill/>
+                    </a:lnL>
+                    <a:lnR>
+                      <a:noFill/>
+                    </a:lnR>
+                    <a:lnT>
+                      <a:noFill/>
+                    </a:lnT>
+                    <a:lnB>
+                      <a:noFill/>
+                    </a:lnB>
+                    <a:solidFill>
+                      <a:schemeClr val="bg1">
+                        <a:lumMod val="95000"/>
+                      </a:schemeClr>
+                    </a:solidFill>
+                  </a:tcPr>
+                </a:tc>
+                <a:extLst>
+                  <a:ext uri="{0D108BD9-81ED-4DB2-BD59-A6C34878D82A}">
+                    <a16:rowId xmlns:a16="http://schemas.microsoft.com/office/drawing/2014/main" val="2763673232"/>
+                  </a:ext>
+                </a:extLst>
+              </a:tr>
+              <a:tr h="264000">
+                <a:tc>
+                  <a:txBody>
+                    <a:bodyPr/>
+                    <a:lstStyle/>
+                    <a:p>
+                      <a:pPr rtl="0" fontAlgn="t">
+                        <a:spcBef>
+                          <a:spcPts val="0"/>
+                        </a:spcBef>
+                        <a:spcAft>
+                          <a:spcPts val="0"/>
+                        </a:spcAft>
+                      </a:pPr>
+                      <a:r>
+                        <a:rPr lang="de-CH" sz="1200" b="0" i="0" u="none" strike="noStrike">
+                          <a:solidFill>
+                            <a:srgbClr val="000000"/>
+                          </a:solidFill>
+                          <a:effectLst/>
+                          <a:latin typeface="Arial" panose="020B0604020202020204" pitchFamily="34" charset="0"/>
+                          <a:cs typeface="Arial" panose="020B0604020202020204" pitchFamily="34" charset="0"/>
+                        </a:rPr>
+                        <a:t>10:15 - 11:15</a:t>
+                      </a:r>
+                      <a:endParaRPr lang="de-CH" sz="1600">
+                        <a:effectLst/>
+                        <a:latin typeface="Arial" panose="020B0604020202020204" pitchFamily="34" charset="0"/>
+                        <a:cs typeface="Arial" panose="020B0604020202020204" pitchFamily="34" charset="0"/>
+                      </a:endParaRPr>
+                    </a:p>
+                  </a:txBody>
+                  <a:tcPr marL="18338" marR="18338" marT="18338" marB="18338">
+                    <a:lnL>
+                      <a:noFill/>
+                    </a:lnL>
+                    <a:lnR>
+                      <a:noFill/>
+                    </a:lnR>
+                    <a:lnT>
+                      <a:noFill/>
+                    </a:lnT>
+                    <a:lnB>
+                      <a:noFill/>
+                    </a:lnB>
+                  </a:tcPr>
+                </a:tc>
+                <a:tc>
+                  <a:txBody>
+                    <a:bodyPr/>
+                    <a:lstStyle/>
+                    <a:p>
+                      <a:pPr rtl="0" fontAlgn="t">
+                        <a:spcBef>
+                          <a:spcPts val="0"/>
+                        </a:spcBef>
+                        <a:spcAft>
+                          <a:spcPts val="0"/>
+                        </a:spcAft>
+                      </a:pPr>
+                      <a:r>
+                        <a:rPr lang="de-CH" sz="1200" b="0" i="0" u="none" strike="noStrike">
+                          <a:solidFill>
+                            <a:srgbClr val="000000"/>
+                          </a:solidFill>
+                          <a:effectLst/>
+                          <a:latin typeface="Arial" panose="020B0604020202020204" pitchFamily="34" charset="0"/>
+                          <a:cs typeface="Arial" panose="020B0604020202020204" pitchFamily="34" charset="0"/>
+                        </a:rPr>
+                        <a:t>RNA velocity (exercises, </a:t>
+                      </a:r>
+                      <a:r>
+                        <a:rPr lang="de-CH" sz="1200" b="0" i="1" u="none" strike="noStrike">
+                          <a:solidFill>
+                            <a:srgbClr val="000000"/>
+                          </a:solidFill>
+                          <a:effectLst/>
+                          <a:latin typeface="Arial" panose="020B0604020202020204" pitchFamily="34" charset="0"/>
+                          <a:cs typeface="Arial" panose="020B0604020202020204" pitchFamily="34" charset="0"/>
+                        </a:rPr>
+                        <a:t>C. Soneson</a:t>
+                      </a:r>
+                      <a:r>
+                        <a:rPr lang="de-CH" sz="1200" b="0" i="0" u="none" strike="noStrike">
+                          <a:solidFill>
+                            <a:srgbClr val="000000"/>
+                          </a:solidFill>
+                          <a:effectLst/>
+                          <a:latin typeface="Arial" panose="020B0604020202020204" pitchFamily="34" charset="0"/>
+                          <a:cs typeface="Arial" panose="020B0604020202020204" pitchFamily="34" charset="0"/>
+                        </a:rPr>
+                        <a:t>)</a:t>
+                      </a:r>
+                      <a:endParaRPr lang="de-CH" sz="1600">
+                        <a:effectLst/>
+                        <a:latin typeface="Arial" panose="020B0604020202020204" pitchFamily="34" charset="0"/>
+                        <a:cs typeface="Arial" panose="020B0604020202020204" pitchFamily="34" charset="0"/>
+                      </a:endParaRPr>
+                    </a:p>
+                  </a:txBody>
+                  <a:tcPr marL="18338" marR="18338" marT="18338" marB="18338">
+                    <a:lnL>
+                      <a:noFill/>
+                    </a:lnL>
+                    <a:lnR>
+                      <a:noFill/>
+                    </a:lnR>
+                    <a:lnT>
+                      <a:noFill/>
+                    </a:lnT>
+                    <a:lnB>
+                      <a:noFill/>
+                    </a:lnB>
+                  </a:tcPr>
+                </a:tc>
+                <a:extLst>
+                  <a:ext uri="{0D108BD9-81ED-4DB2-BD59-A6C34878D82A}">
+                    <a16:rowId xmlns:a16="http://schemas.microsoft.com/office/drawing/2014/main" val="1950454098"/>
+                  </a:ext>
+                </a:extLst>
+              </a:tr>
+              <a:tr h="264000">
+                <a:tc>
+                  <a:txBody>
+                    <a:bodyPr/>
+                    <a:lstStyle/>
+                    <a:p>
+                      <a:pPr rtl="0" fontAlgn="t">
+                        <a:spcBef>
+                          <a:spcPts val="0"/>
+                        </a:spcBef>
+                        <a:spcAft>
+                          <a:spcPts val="0"/>
+                        </a:spcAft>
+                      </a:pPr>
+                      <a:r>
+                        <a:rPr lang="de-CH" sz="1200" b="0" i="0" u="none" strike="noStrike">
+                          <a:solidFill>
+                            <a:srgbClr val="000000"/>
+                          </a:solidFill>
+                          <a:effectLst/>
+                          <a:latin typeface="Arial" panose="020B0604020202020204" pitchFamily="34" charset="0"/>
+                          <a:cs typeface="Arial" panose="020B0604020202020204" pitchFamily="34" charset="0"/>
+                        </a:rPr>
+                        <a:t>11:15 - 11:30</a:t>
+                      </a:r>
+                      <a:endParaRPr lang="de-CH" sz="1600">
+                        <a:effectLst/>
+                        <a:latin typeface="Arial" panose="020B0604020202020204" pitchFamily="34" charset="0"/>
+                        <a:cs typeface="Arial" panose="020B0604020202020204" pitchFamily="34" charset="0"/>
+                      </a:endParaRPr>
+                    </a:p>
+                  </a:txBody>
+                  <a:tcPr marL="18338" marR="18338" marT="18338" marB="18338">
+                    <a:lnL>
+                      <a:noFill/>
+                    </a:lnL>
+                    <a:lnR>
+                      <a:noFill/>
+                    </a:lnR>
+                    <a:lnT>
+                      <a:noFill/>
+                    </a:lnT>
+                    <a:lnB>
+                      <a:noFill/>
+                    </a:lnB>
+                    <a:solidFill>
+                      <a:schemeClr val="bg1">
+                        <a:lumMod val="95000"/>
+                      </a:schemeClr>
+                    </a:solidFill>
+                  </a:tcPr>
+                </a:tc>
+                <a:tc>
+                  <a:txBody>
+                    <a:bodyPr/>
+                    <a:lstStyle/>
+                    <a:p>
+                      <a:pPr rtl="0" fontAlgn="t">
+                        <a:spcBef>
+                          <a:spcPts val="0"/>
+                        </a:spcBef>
+                        <a:spcAft>
+                          <a:spcPts val="0"/>
+                        </a:spcAft>
+                      </a:pPr>
+                      <a:r>
+                        <a:rPr lang="de-CH" sz="1200" b="0" i="1" u="none" strike="noStrike" dirty="0">
+                          <a:solidFill>
+                            <a:srgbClr val="000000"/>
+                          </a:solidFill>
+                          <a:effectLst/>
+                          <a:latin typeface="Arial" panose="020B0604020202020204" pitchFamily="34" charset="0"/>
+                          <a:cs typeface="Arial" panose="020B0604020202020204" pitchFamily="34" charset="0"/>
+                        </a:rPr>
+                        <a:t>Break</a:t>
+                      </a:r>
+                      <a:endParaRPr lang="de-CH" sz="1600" dirty="0">
+                        <a:effectLst/>
+                        <a:latin typeface="Arial" panose="020B0604020202020204" pitchFamily="34" charset="0"/>
+                        <a:cs typeface="Arial" panose="020B0604020202020204" pitchFamily="34" charset="0"/>
+                      </a:endParaRPr>
+                    </a:p>
+                  </a:txBody>
+                  <a:tcPr marL="18338" marR="18338" marT="18338" marB="18338">
+                    <a:lnL>
+                      <a:noFill/>
+                    </a:lnL>
+                    <a:lnR>
+                      <a:noFill/>
+                    </a:lnR>
+                    <a:lnT>
+                      <a:noFill/>
+                    </a:lnT>
+                    <a:lnB>
+                      <a:noFill/>
+                    </a:lnB>
+                    <a:solidFill>
+                      <a:schemeClr val="bg1">
+                        <a:lumMod val="95000"/>
+                      </a:schemeClr>
+                    </a:solidFill>
+                  </a:tcPr>
+                </a:tc>
+                <a:extLst>
+                  <a:ext uri="{0D108BD9-81ED-4DB2-BD59-A6C34878D82A}">
+                    <a16:rowId xmlns:a16="http://schemas.microsoft.com/office/drawing/2014/main" val="2668029623"/>
+                  </a:ext>
+                </a:extLst>
+              </a:tr>
+              <a:tr h="264000">
+                <a:tc>
+                  <a:txBody>
+                    <a:bodyPr/>
+                    <a:lstStyle/>
+                    <a:p>
+                      <a:pPr rtl="0" fontAlgn="t">
+                        <a:spcBef>
+                          <a:spcPts val="0"/>
+                        </a:spcBef>
+                        <a:spcAft>
+                          <a:spcPts val="0"/>
+                        </a:spcAft>
+                      </a:pPr>
+                      <a:r>
+                        <a:rPr lang="de-CH" sz="1200" b="0" i="0" u="none" strike="noStrike">
+                          <a:solidFill>
+                            <a:srgbClr val="000000"/>
+                          </a:solidFill>
+                          <a:effectLst/>
+                          <a:latin typeface="Arial" panose="020B0604020202020204" pitchFamily="34" charset="0"/>
+                          <a:cs typeface="Arial" panose="020B0604020202020204" pitchFamily="34" charset="0"/>
+                        </a:rPr>
+                        <a:t>11:30 - 12:30</a:t>
+                      </a:r>
+                      <a:endParaRPr lang="de-CH" sz="1600">
+                        <a:effectLst/>
+                        <a:latin typeface="Arial" panose="020B0604020202020204" pitchFamily="34" charset="0"/>
+                        <a:cs typeface="Arial" panose="020B0604020202020204" pitchFamily="34" charset="0"/>
+                      </a:endParaRPr>
+                    </a:p>
+                  </a:txBody>
+                  <a:tcPr marL="18338" marR="18338" marT="18338" marB="18338">
+                    <a:lnL>
+                      <a:noFill/>
+                    </a:lnL>
+                    <a:lnR>
+                      <a:noFill/>
+                    </a:lnR>
+                    <a:lnT>
+                      <a:noFill/>
+                    </a:lnT>
+                    <a:lnB>
+                      <a:noFill/>
+                    </a:lnB>
+                  </a:tcPr>
+                </a:tc>
+                <a:tc>
+                  <a:txBody>
+                    <a:bodyPr/>
+                    <a:lstStyle/>
+                    <a:p>
+                      <a:pPr rtl="0" fontAlgn="t">
+                        <a:spcBef>
+                          <a:spcPts val="0"/>
+                        </a:spcBef>
+                        <a:spcAft>
+                          <a:spcPts val="0"/>
+                        </a:spcAft>
+                      </a:pPr>
+                      <a:r>
+                        <a:rPr lang="de-CH" sz="1200" b="0" i="0" u="none" strike="noStrike">
+                          <a:solidFill>
+                            <a:srgbClr val="000000"/>
+                          </a:solidFill>
+                          <a:effectLst/>
+                          <a:latin typeface="Arial" panose="020B0604020202020204" pitchFamily="34" charset="0"/>
+                          <a:cs typeface="Arial" panose="020B0604020202020204" pitchFamily="34" charset="0"/>
+                        </a:rPr>
+                        <a:t>RNA velocity (continued)</a:t>
+                      </a:r>
+                      <a:endParaRPr lang="de-CH" sz="1600">
+                        <a:effectLst/>
+                        <a:latin typeface="Arial" panose="020B0604020202020204" pitchFamily="34" charset="0"/>
+                        <a:cs typeface="Arial" panose="020B0604020202020204" pitchFamily="34" charset="0"/>
+                      </a:endParaRPr>
+                    </a:p>
+                  </a:txBody>
+                  <a:tcPr marL="18338" marR="18338" marT="18338" marB="18338">
+                    <a:lnL>
+                      <a:noFill/>
+                    </a:lnL>
+                    <a:lnR>
+                      <a:noFill/>
+                    </a:lnR>
+                    <a:lnT>
+                      <a:noFill/>
+                    </a:lnT>
+                    <a:lnB>
+                      <a:noFill/>
+                    </a:lnB>
+                  </a:tcPr>
+                </a:tc>
+                <a:extLst>
+                  <a:ext uri="{0D108BD9-81ED-4DB2-BD59-A6C34878D82A}">
+                    <a16:rowId xmlns:a16="http://schemas.microsoft.com/office/drawing/2014/main" val="291863500"/>
+                  </a:ext>
+                </a:extLst>
+              </a:tr>
+              <a:tr h="264000">
+                <a:tc>
+                  <a:txBody>
+                    <a:bodyPr/>
+                    <a:lstStyle/>
+                    <a:p>
+                      <a:pPr rtl="0" fontAlgn="t">
+                        <a:spcBef>
+                          <a:spcPts val="0"/>
+                        </a:spcBef>
+                        <a:spcAft>
+                          <a:spcPts val="0"/>
+                        </a:spcAft>
+                      </a:pPr>
+                      <a:r>
+                        <a:rPr lang="de-CH" sz="1200" b="0" i="0" u="none" strike="noStrike">
+                          <a:solidFill>
+                            <a:srgbClr val="000000"/>
+                          </a:solidFill>
+                          <a:effectLst/>
+                          <a:latin typeface="Arial" panose="020B0604020202020204" pitchFamily="34" charset="0"/>
+                          <a:cs typeface="Arial" panose="020B0604020202020204" pitchFamily="34" charset="0"/>
+                        </a:rPr>
+                        <a:t>12:30 - 14:00</a:t>
+                      </a:r>
+                      <a:endParaRPr lang="de-CH" sz="1600">
+                        <a:effectLst/>
+                        <a:latin typeface="Arial" panose="020B0604020202020204" pitchFamily="34" charset="0"/>
+                        <a:cs typeface="Arial" panose="020B0604020202020204" pitchFamily="34" charset="0"/>
+                      </a:endParaRPr>
+                    </a:p>
+                  </a:txBody>
+                  <a:tcPr marL="18338" marR="18338" marT="18338" marB="18338">
+                    <a:lnL>
+                      <a:noFill/>
+                    </a:lnL>
+                    <a:lnR>
+                      <a:noFill/>
+                    </a:lnR>
+                    <a:lnT>
+                      <a:noFill/>
+                    </a:lnT>
+                    <a:lnB>
+                      <a:noFill/>
+                    </a:lnB>
+                    <a:solidFill>
+                      <a:schemeClr val="bg1">
+                        <a:lumMod val="95000"/>
+                      </a:schemeClr>
+                    </a:solidFill>
+                  </a:tcPr>
+                </a:tc>
+                <a:tc>
+                  <a:txBody>
+                    <a:bodyPr/>
+                    <a:lstStyle/>
+                    <a:p>
+                      <a:pPr rtl="0" fontAlgn="t">
+                        <a:spcBef>
+                          <a:spcPts val="0"/>
+                        </a:spcBef>
+                        <a:spcAft>
+                          <a:spcPts val="0"/>
+                        </a:spcAft>
+                      </a:pPr>
+                      <a:r>
+                        <a:rPr lang="de-CH" sz="1200" b="0" i="1" u="none" strike="noStrike" dirty="0">
+                          <a:solidFill>
+                            <a:srgbClr val="000000"/>
+                          </a:solidFill>
+                          <a:effectLst/>
+                          <a:latin typeface="Arial" panose="020B0604020202020204" pitchFamily="34" charset="0"/>
+                          <a:cs typeface="Arial" panose="020B0604020202020204" pitchFamily="34" charset="0"/>
+                        </a:rPr>
+                        <a:t>Lunch</a:t>
+                      </a:r>
+                      <a:endParaRPr lang="de-CH" sz="1600" dirty="0">
+                        <a:effectLst/>
+                        <a:latin typeface="Arial" panose="020B0604020202020204" pitchFamily="34" charset="0"/>
+                        <a:cs typeface="Arial" panose="020B0604020202020204" pitchFamily="34" charset="0"/>
+                      </a:endParaRPr>
+                    </a:p>
+                  </a:txBody>
+                  <a:tcPr marL="18338" marR="18338" marT="18338" marB="18338">
+                    <a:lnL>
+                      <a:noFill/>
+                    </a:lnL>
+                    <a:lnR>
+                      <a:noFill/>
+                    </a:lnR>
+                    <a:lnT>
+                      <a:noFill/>
+                    </a:lnT>
+                    <a:lnB>
+                      <a:noFill/>
+                    </a:lnB>
+                    <a:solidFill>
+                      <a:schemeClr val="bg1">
+                        <a:lumMod val="95000"/>
+                      </a:schemeClr>
+                    </a:solidFill>
+                  </a:tcPr>
+                </a:tc>
+                <a:extLst>
+                  <a:ext uri="{0D108BD9-81ED-4DB2-BD59-A6C34878D82A}">
+                    <a16:rowId xmlns:a16="http://schemas.microsoft.com/office/drawing/2014/main" val="3944227510"/>
+                  </a:ext>
+                </a:extLst>
+              </a:tr>
+              <a:tr h="264000">
+                <a:tc>
+                  <a:txBody>
+                    <a:bodyPr/>
+                    <a:lstStyle/>
+                    <a:p>
+                      <a:pPr rtl="0" fontAlgn="t">
+                        <a:spcBef>
+                          <a:spcPts val="0"/>
+                        </a:spcBef>
+                        <a:spcAft>
+                          <a:spcPts val="0"/>
+                        </a:spcAft>
+                      </a:pPr>
+                      <a:r>
+                        <a:rPr lang="de-CH" sz="1200" b="0" i="0" u="none" strike="noStrike">
+                          <a:solidFill>
+                            <a:srgbClr val="000000"/>
+                          </a:solidFill>
+                          <a:effectLst/>
+                          <a:latin typeface="Arial" panose="020B0604020202020204" pitchFamily="34" charset="0"/>
+                          <a:cs typeface="Arial" panose="020B0604020202020204" pitchFamily="34" charset="0"/>
+                        </a:rPr>
+                        <a:t>14:00 - 15:00</a:t>
+                      </a:r>
+                      <a:endParaRPr lang="de-CH" sz="1600">
+                        <a:effectLst/>
+                        <a:latin typeface="Arial" panose="020B0604020202020204" pitchFamily="34" charset="0"/>
+                        <a:cs typeface="Arial" panose="020B0604020202020204" pitchFamily="34" charset="0"/>
+                      </a:endParaRPr>
+                    </a:p>
+                  </a:txBody>
+                  <a:tcPr marL="18338" marR="18338" marT="18338" marB="18338">
+                    <a:lnL>
+                      <a:noFill/>
+                    </a:lnL>
+                    <a:lnR>
+                      <a:noFill/>
+                    </a:lnR>
+                    <a:lnT>
+                      <a:noFill/>
+                    </a:lnT>
+                    <a:lnB>
+                      <a:noFill/>
+                    </a:lnB>
+                  </a:tcPr>
+                </a:tc>
+                <a:tc>
+                  <a:txBody>
+                    <a:bodyPr/>
+                    <a:lstStyle/>
+                    <a:p>
+                      <a:pPr rtl="0" fontAlgn="t">
+                        <a:spcBef>
+                          <a:spcPts val="0"/>
+                        </a:spcBef>
+                        <a:spcAft>
+                          <a:spcPts val="0"/>
+                        </a:spcAft>
+                      </a:pPr>
+                      <a:r>
+                        <a:rPr lang="de-CH" sz="1200" b="0" i="0" u="none" strike="noStrike">
+                          <a:solidFill>
+                            <a:srgbClr val="000000"/>
+                          </a:solidFill>
+                          <a:effectLst/>
+                          <a:latin typeface="Arial" panose="020B0604020202020204" pitchFamily="34" charset="0"/>
+                          <a:cs typeface="Arial" panose="020B0604020202020204" pitchFamily="34" charset="0"/>
+                        </a:rPr>
+                        <a:t>Spatial transcriptomics (presentation, </a:t>
+                      </a:r>
+                      <a:r>
+                        <a:rPr lang="de-CH" sz="1200" b="0" i="1" u="none" strike="noStrike">
+                          <a:solidFill>
+                            <a:srgbClr val="000000"/>
+                          </a:solidFill>
+                          <a:effectLst/>
+                          <a:latin typeface="Arial" panose="020B0604020202020204" pitchFamily="34" charset="0"/>
+                          <a:cs typeface="Arial" panose="020B0604020202020204" pitchFamily="34" charset="0"/>
+                        </a:rPr>
+                        <a:t>A. Andersson</a:t>
+                      </a:r>
+                      <a:r>
+                        <a:rPr lang="de-CH" sz="1200" b="0" i="0" u="none" strike="noStrike">
+                          <a:solidFill>
+                            <a:srgbClr val="000000"/>
+                          </a:solidFill>
+                          <a:effectLst/>
+                          <a:latin typeface="Arial" panose="020B0604020202020204" pitchFamily="34" charset="0"/>
+                          <a:cs typeface="Arial" panose="020B0604020202020204" pitchFamily="34" charset="0"/>
+                        </a:rPr>
+                        <a:t>)</a:t>
+                      </a:r>
+                      <a:endParaRPr lang="de-CH" sz="1600">
+                        <a:effectLst/>
+                        <a:latin typeface="Arial" panose="020B0604020202020204" pitchFamily="34" charset="0"/>
+                        <a:cs typeface="Arial" panose="020B0604020202020204" pitchFamily="34" charset="0"/>
+                      </a:endParaRPr>
+                    </a:p>
+                  </a:txBody>
+                  <a:tcPr marL="18338" marR="18338" marT="18338" marB="18338">
+                    <a:lnL>
+                      <a:noFill/>
+                    </a:lnL>
+                    <a:lnR>
+                      <a:noFill/>
+                    </a:lnR>
+                    <a:lnT>
+                      <a:noFill/>
+                    </a:lnT>
+                    <a:lnB>
+                      <a:noFill/>
+                    </a:lnB>
+                  </a:tcPr>
+                </a:tc>
+                <a:extLst>
+                  <a:ext uri="{0D108BD9-81ED-4DB2-BD59-A6C34878D82A}">
+                    <a16:rowId xmlns:a16="http://schemas.microsoft.com/office/drawing/2014/main" val="400919778"/>
+                  </a:ext>
+                </a:extLst>
+              </a:tr>
+              <a:tr h="264000">
+                <a:tc>
+                  <a:txBody>
+                    <a:bodyPr/>
+                    <a:lstStyle/>
+                    <a:p>
+                      <a:pPr rtl="0" fontAlgn="t">
+                        <a:spcBef>
+                          <a:spcPts val="0"/>
+                        </a:spcBef>
+                        <a:spcAft>
+                          <a:spcPts val="0"/>
+                        </a:spcAft>
+                      </a:pPr>
+                      <a:r>
+                        <a:rPr lang="de-CH" sz="1200" b="0" i="0" u="none" strike="noStrike">
+                          <a:solidFill>
+                            <a:srgbClr val="000000"/>
+                          </a:solidFill>
+                          <a:effectLst/>
+                          <a:latin typeface="Arial" panose="020B0604020202020204" pitchFamily="34" charset="0"/>
+                          <a:cs typeface="Arial" panose="020B0604020202020204" pitchFamily="34" charset="0"/>
+                        </a:rPr>
+                        <a:t>15:00 - 15:15</a:t>
+                      </a:r>
+                      <a:endParaRPr lang="de-CH" sz="1600">
+                        <a:effectLst/>
+                        <a:latin typeface="Arial" panose="020B0604020202020204" pitchFamily="34" charset="0"/>
+                        <a:cs typeface="Arial" panose="020B0604020202020204" pitchFamily="34" charset="0"/>
+                      </a:endParaRPr>
+                    </a:p>
+                  </a:txBody>
+                  <a:tcPr marL="18338" marR="18338" marT="18338" marB="18338">
+                    <a:lnL>
+                      <a:noFill/>
+                    </a:lnL>
+                    <a:lnR>
+                      <a:noFill/>
+                    </a:lnR>
+                    <a:lnT>
+                      <a:noFill/>
+                    </a:lnT>
+                    <a:lnB>
+                      <a:noFill/>
+                    </a:lnB>
+                    <a:solidFill>
+                      <a:schemeClr val="bg1">
+                        <a:lumMod val="95000"/>
+                      </a:schemeClr>
+                    </a:solidFill>
+                  </a:tcPr>
+                </a:tc>
+                <a:tc>
+                  <a:txBody>
+                    <a:bodyPr/>
+                    <a:lstStyle/>
+                    <a:p>
+                      <a:pPr rtl="0" fontAlgn="t">
+                        <a:spcBef>
+                          <a:spcPts val="0"/>
+                        </a:spcBef>
+                        <a:spcAft>
+                          <a:spcPts val="0"/>
+                        </a:spcAft>
+                      </a:pPr>
+                      <a:r>
+                        <a:rPr lang="de-CH" sz="1200" b="0" i="1" u="none" strike="noStrike" dirty="0">
+                          <a:solidFill>
+                            <a:srgbClr val="000000"/>
+                          </a:solidFill>
+                          <a:effectLst/>
+                          <a:latin typeface="Arial" panose="020B0604020202020204" pitchFamily="34" charset="0"/>
+                          <a:cs typeface="Arial" panose="020B0604020202020204" pitchFamily="34" charset="0"/>
+                        </a:rPr>
+                        <a:t>Break</a:t>
+                      </a:r>
+                      <a:endParaRPr lang="de-CH" sz="1600" dirty="0">
+                        <a:effectLst/>
+                        <a:latin typeface="Arial" panose="020B0604020202020204" pitchFamily="34" charset="0"/>
+                        <a:cs typeface="Arial" panose="020B0604020202020204" pitchFamily="34" charset="0"/>
+                      </a:endParaRPr>
+                    </a:p>
+                  </a:txBody>
+                  <a:tcPr marL="18338" marR="18338" marT="18338" marB="18338">
+                    <a:lnL>
+                      <a:noFill/>
+                    </a:lnL>
+                    <a:lnR>
+                      <a:noFill/>
+                    </a:lnR>
+                    <a:lnT>
+                      <a:noFill/>
+                    </a:lnT>
+                    <a:lnB>
+                      <a:noFill/>
+                    </a:lnB>
+                    <a:solidFill>
+                      <a:schemeClr val="bg1">
+                        <a:lumMod val="95000"/>
+                      </a:schemeClr>
+                    </a:solidFill>
+                  </a:tcPr>
+                </a:tc>
+                <a:extLst>
+                  <a:ext uri="{0D108BD9-81ED-4DB2-BD59-A6C34878D82A}">
+                    <a16:rowId xmlns:a16="http://schemas.microsoft.com/office/drawing/2014/main" val="350870903"/>
+                  </a:ext>
+                </a:extLst>
+              </a:tr>
+              <a:tr h="264000">
+                <a:tc>
+                  <a:txBody>
+                    <a:bodyPr/>
+                    <a:lstStyle/>
+                    <a:p>
+                      <a:pPr rtl="0" fontAlgn="t">
+                        <a:spcBef>
+                          <a:spcPts val="0"/>
+                        </a:spcBef>
+                        <a:spcAft>
+                          <a:spcPts val="0"/>
+                        </a:spcAft>
+                      </a:pPr>
+                      <a:r>
+                        <a:rPr lang="de-CH" sz="1200" b="0" i="0" u="none" strike="noStrike">
+                          <a:solidFill>
+                            <a:srgbClr val="000000"/>
+                          </a:solidFill>
+                          <a:effectLst/>
+                          <a:latin typeface="Arial" panose="020B0604020202020204" pitchFamily="34" charset="0"/>
+                          <a:cs typeface="Arial" panose="020B0604020202020204" pitchFamily="34" charset="0"/>
+                        </a:rPr>
+                        <a:t>15:15 - 16:15</a:t>
+                      </a:r>
+                      <a:endParaRPr lang="de-CH" sz="1600">
+                        <a:effectLst/>
+                        <a:latin typeface="Arial" panose="020B0604020202020204" pitchFamily="34" charset="0"/>
+                        <a:cs typeface="Arial" panose="020B0604020202020204" pitchFamily="34" charset="0"/>
+                      </a:endParaRPr>
+                    </a:p>
+                  </a:txBody>
+                  <a:tcPr marL="18338" marR="18338" marT="18338" marB="18338">
+                    <a:lnL>
+                      <a:noFill/>
+                    </a:lnL>
+                    <a:lnR>
+                      <a:noFill/>
+                    </a:lnR>
+                    <a:lnT>
+                      <a:noFill/>
+                    </a:lnT>
+                    <a:lnB>
+                      <a:noFill/>
+                    </a:lnB>
+                  </a:tcPr>
+                </a:tc>
+                <a:tc>
+                  <a:txBody>
+                    <a:bodyPr/>
+                    <a:lstStyle/>
+                    <a:p>
+                      <a:pPr rtl="0" fontAlgn="t">
+                        <a:spcBef>
+                          <a:spcPts val="0"/>
+                        </a:spcBef>
+                        <a:spcAft>
+                          <a:spcPts val="0"/>
+                        </a:spcAft>
+                      </a:pPr>
+                      <a:r>
+                        <a:rPr lang="fr-FR" sz="1200" b="0" i="0" u="none" strike="noStrike">
+                          <a:solidFill>
+                            <a:srgbClr val="000000"/>
+                          </a:solidFill>
+                          <a:effectLst/>
+                          <a:latin typeface="Arial" panose="020B0604020202020204" pitchFamily="34" charset="0"/>
+                          <a:cs typeface="Arial" panose="020B0604020202020204" pitchFamily="34" charset="0"/>
+                        </a:rPr>
+                        <a:t>Spatial transcriptomics (exercises, </a:t>
+                      </a:r>
+                      <a:r>
+                        <a:rPr lang="fr-FR" sz="1200" b="0" i="1" u="none" strike="noStrike">
+                          <a:solidFill>
+                            <a:srgbClr val="000000"/>
+                          </a:solidFill>
+                          <a:effectLst/>
+                          <a:latin typeface="Arial" panose="020B0604020202020204" pitchFamily="34" charset="0"/>
+                          <a:cs typeface="Arial" panose="020B0604020202020204" pitchFamily="34" charset="0"/>
+                        </a:rPr>
+                        <a:t>A. Andersson</a:t>
+                      </a:r>
+                      <a:r>
+                        <a:rPr lang="fr-FR" sz="1200" b="0" i="0" u="none" strike="noStrike">
+                          <a:solidFill>
+                            <a:srgbClr val="000000"/>
+                          </a:solidFill>
+                          <a:effectLst/>
+                          <a:latin typeface="Arial" panose="020B0604020202020204" pitchFamily="34" charset="0"/>
+                          <a:cs typeface="Arial" panose="020B0604020202020204" pitchFamily="34" charset="0"/>
+                        </a:rPr>
+                        <a:t>)</a:t>
+                      </a:r>
+                      <a:endParaRPr lang="fr-FR" sz="1600">
+                        <a:effectLst/>
+                        <a:latin typeface="Arial" panose="020B0604020202020204" pitchFamily="34" charset="0"/>
+                        <a:cs typeface="Arial" panose="020B0604020202020204" pitchFamily="34" charset="0"/>
+                      </a:endParaRPr>
+                    </a:p>
+                  </a:txBody>
+                  <a:tcPr marL="18338" marR="18338" marT="18338" marB="18338">
+                    <a:lnL>
+                      <a:noFill/>
+                    </a:lnL>
+                    <a:lnR>
+                      <a:noFill/>
+                    </a:lnR>
+                    <a:lnT>
+                      <a:noFill/>
+                    </a:lnT>
+                    <a:lnB>
+                      <a:noFill/>
+                    </a:lnB>
+                  </a:tcPr>
+                </a:tc>
+                <a:extLst>
+                  <a:ext uri="{0D108BD9-81ED-4DB2-BD59-A6C34878D82A}">
+                    <a16:rowId xmlns:a16="http://schemas.microsoft.com/office/drawing/2014/main" val="110848267"/>
+                  </a:ext>
+                </a:extLst>
+              </a:tr>
+              <a:tr h="264000">
+                <a:tc>
+                  <a:txBody>
+                    <a:bodyPr/>
+                    <a:lstStyle/>
+                    <a:p>
+                      <a:pPr rtl="0" fontAlgn="t">
+                        <a:spcBef>
+                          <a:spcPts val="0"/>
+                        </a:spcBef>
+                        <a:spcAft>
+                          <a:spcPts val="0"/>
+                        </a:spcAft>
+                      </a:pPr>
+                      <a:r>
+                        <a:rPr lang="de-CH" sz="1200" b="0" i="0" u="none" strike="noStrike">
+                          <a:solidFill>
+                            <a:srgbClr val="000000"/>
+                          </a:solidFill>
+                          <a:effectLst/>
+                          <a:latin typeface="Arial" panose="020B0604020202020204" pitchFamily="34" charset="0"/>
+                          <a:cs typeface="Arial" panose="020B0604020202020204" pitchFamily="34" charset="0"/>
+                        </a:rPr>
+                        <a:t>16:15 - 16:30</a:t>
+                      </a:r>
+                      <a:endParaRPr lang="de-CH" sz="1600">
+                        <a:effectLst/>
+                        <a:latin typeface="Arial" panose="020B0604020202020204" pitchFamily="34" charset="0"/>
+                        <a:cs typeface="Arial" panose="020B0604020202020204" pitchFamily="34" charset="0"/>
+                      </a:endParaRPr>
+                    </a:p>
+                  </a:txBody>
+                  <a:tcPr marL="18338" marR="18338" marT="18338" marB="18338">
+                    <a:lnL>
+                      <a:noFill/>
+                    </a:lnL>
+                    <a:lnR>
+                      <a:noFill/>
+                    </a:lnR>
+                    <a:lnT>
+                      <a:noFill/>
+                    </a:lnT>
+                    <a:lnB>
+                      <a:noFill/>
+                    </a:lnB>
+                    <a:solidFill>
+                      <a:schemeClr val="bg1">
+                        <a:lumMod val="95000"/>
+                      </a:schemeClr>
+                    </a:solidFill>
+                  </a:tcPr>
+                </a:tc>
+                <a:tc>
+                  <a:txBody>
+                    <a:bodyPr/>
+                    <a:lstStyle/>
+                    <a:p>
+                      <a:pPr rtl="0" fontAlgn="t">
+                        <a:spcBef>
+                          <a:spcPts val="0"/>
+                        </a:spcBef>
+                        <a:spcAft>
+                          <a:spcPts val="0"/>
+                        </a:spcAft>
+                      </a:pPr>
+                      <a:r>
+                        <a:rPr lang="de-CH" sz="1200" b="0" i="1" u="none" strike="noStrike" dirty="0">
+                          <a:solidFill>
+                            <a:srgbClr val="000000"/>
+                          </a:solidFill>
+                          <a:effectLst/>
+                          <a:latin typeface="Arial" panose="020B0604020202020204" pitchFamily="34" charset="0"/>
+                          <a:cs typeface="Arial" panose="020B0604020202020204" pitchFamily="34" charset="0"/>
+                        </a:rPr>
+                        <a:t>Break</a:t>
+                      </a:r>
+                      <a:endParaRPr lang="de-CH" sz="1600" dirty="0">
+                        <a:effectLst/>
+                        <a:latin typeface="Arial" panose="020B0604020202020204" pitchFamily="34" charset="0"/>
+                        <a:cs typeface="Arial" panose="020B0604020202020204" pitchFamily="34" charset="0"/>
+                      </a:endParaRPr>
+                    </a:p>
+                  </a:txBody>
+                  <a:tcPr marL="18338" marR="18338" marT="18338" marB="18338">
+                    <a:lnL>
+                      <a:noFill/>
+                    </a:lnL>
+                    <a:lnR>
+                      <a:noFill/>
+                    </a:lnR>
+                    <a:lnT>
+                      <a:noFill/>
+                    </a:lnT>
+                    <a:lnB>
+                      <a:noFill/>
+                    </a:lnB>
+                    <a:solidFill>
+                      <a:schemeClr val="bg1">
+                        <a:lumMod val="95000"/>
+                      </a:schemeClr>
+                    </a:solidFill>
+                  </a:tcPr>
+                </a:tc>
+                <a:extLst>
+                  <a:ext uri="{0D108BD9-81ED-4DB2-BD59-A6C34878D82A}">
+                    <a16:rowId xmlns:a16="http://schemas.microsoft.com/office/drawing/2014/main" val="2923585046"/>
+                  </a:ext>
+                </a:extLst>
+              </a:tr>
+              <a:tr h="264000">
+                <a:tc>
+                  <a:txBody>
+                    <a:bodyPr/>
+                    <a:lstStyle/>
+                    <a:p>
+                      <a:pPr rtl="0" fontAlgn="t">
+                        <a:spcBef>
+                          <a:spcPts val="0"/>
+                        </a:spcBef>
+                        <a:spcAft>
+                          <a:spcPts val="0"/>
+                        </a:spcAft>
+                      </a:pPr>
+                      <a:r>
+                        <a:rPr lang="de-CH" sz="1200" b="0" i="0" u="none" strike="noStrike">
+                          <a:solidFill>
+                            <a:srgbClr val="000000"/>
+                          </a:solidFill>
+                          <a:effectLst/>
+                          <a:latin typeface="Arial" panose="020B0604020202020204" pitchFamily="34" charset="0"/>
+                          <a:cs typeface="Arial" panose="020B0604020202020204" pitchFamily="34" charset="0"/>
+                        </a:rPr>
+                        <a:t>16:30 - 17:30</a:t>
+                      </a:r>
+                      <a:endParaRPr lang="de-CH" sz="1600">
+                        <a:effectLst/>
+                        <a:latin typeface="Arial" panose="020B0604020202020204" pitchFamily="34" charset="0"/>
+                        <a:cs typeface="Arial" panose="020B0604020202020204" pitchFamily="34" charset="0"/>
+                      </a:endParaRPr>
+                    </a:p>
+                  </a:txBody>
+                  <a:tcPr marL="18338" marR="18338" marT="18338" marB="18338">
+                    <a:lnL>
+                      <a:noFill/>
+                    </a:lnL>
+                    <a:lnR>
+                      <a:noFill/>
+                    </a:lnR>
+                    <a:lnT>
+                      <a:noFill/>
+                    </a:lnT>
+                    <a:lnB>
+                      <a:noFill/>
+                    </a:lnB>
+                  </a:tcPr>
+                </a:tc>
+                <a:tc>
+                  <a:txBody>
+                    <a:bodyPr/>
+                    <a:lstStyle/>
+                    <a:p>
+                      <a:pPr rtl="0" fontAlgn="t">
+                        <a:spcBef>
+                          <a:spcPts val="0"/>
+                        </a:spcBef>
+                        <a:spcAft>
+                          <a:spcPts val="0"/>
+                        </a:spcAft>
+                      </a:pPr>
+                      <a:r>
+                        <a:rPr lang="de-CH" sz="1200" b="0" i="0" u="none" strike="noStrike" dirty="0" err="1">
+                          <a:solidFill>
+                            <a:srgbClr val="000000"/>
+                          </a:solidFill>
+                          <a:effectLst/>
+                          <a:latin typeface="Arial" panose="020B0604020202020204" pitchFamily="34" charset="0"/>
+                          <a:cs typeface="Arial" panose="020B0604020202020204" pitchFamily="34" charset="0"/>
+                        </a:rPr>
+                        <a:t>Spatial</a:t>
+                      </a:r>
+                      <a:r>
+                        <a:rPr lang="de-CH" sz="1200" b="0" i="0" u="none" strike="noStrike" dirty="0">
+                          <a:solidFill>
+                            <a:srgbClr val="000000"/>
+                          </a:solidFill>
+                          <a:effectLst/>
+                          <a:latin typeface="Arial" panose="020B0604020202020204" pitchFamily="34" charset="0"/>
+                          <a:cs typeface="Arial" panose="020B0604020202020204" pitchFamily="34" charset="0"/>
+                        </a:rPr>
+                        <a:t> </a:t>
+                      </a:r>
+                      <a:r>
+                        <a:rPr lang="de-CH" sz="1200" b="0" i="0" u="none" strike="noStrike" dirty="0" err="1">
+                          <a:solidFill>
+                            <a:srgbClr val="000000"/>
+                          </a:solidFill>
+                          <a:effectLst/>
+                          <a:latin typeface="Arial" panose="020B0604020202020204" pitchFamily="34" charset="0"/>
+                          <a:cs typeface="Arial" panose="020B0604020202020204" pitchFamily="34" charset="0"/>
+                        </a:rPr>
+                        <a:t>transcriptomics</a:t>
+                      </a:r>
+                      <a:r>
+                        <a:rPr lang="de-CH" sz="1200" b="0" i="0" u="none" strike="noStrike" dirty="0">
+                          <a:solidFill>
+                            <a:srgbClr val="000000"/>
+                          </a:solidFill>
+                          <a:effectLst/>
+                          <a:latin typeface="Arial" panose="020B0604020202020204" pitchFamily="34" charset="0"/>
+                          <a:cs typeface="Arial" panose="020B0604020202020204" pitchFamily="34" charset="0"/>
+                        </a:rPr>
+                        <a:t> (</a:t>
+                      </a:r>
+                      <a:r>
+                        <a:rPr lang="de-CH" sz="1200" b="0" i="0" u="none" strike="noStrike" dirty="0" err="1">
+                          <a:solidFill>
+                            <a:srgbClr val="000000"/>
+                          </a:solidFill>
+                          <a:effectLst/>
+                          <a:latin typeface="Arial" panose="020B0604020202020204" pitchFamily="34" charset="0"/>
+                          <a:cs typeface="Arial" panose="020B0604020202020204" pitchFamily="34" charset="0"/>
+                        </a:rPr>
+                        <a:t>continued</a:t>
+                      </a:r>
+                      <a:r>
+                        <a:rPr lang="de-CH" sz="1200" b="0" i="0" u="none" strike="noStrike" dirty="0">
+                          <a:solidFill>
+                            <a:srgbClr val="000000"/>
+                          </a:solidFill>
+                          <a:effectLst/>
+                          <a:latin typeface="Arial" panose="020B0604020202020204" pitchFamily="34" charset="0"/>
+                          <a:cs typeface="Arial" panose="020B0604020202020204" pitchFamily="34" charset="0"/>
+                        </a:rPr>
+                        <a:t>)</a:t>
+                      </a:r>
+                      <a:endParaRPr lang="de-CH" sz="1600" dirty="0">
+                        <a:effectLst/>
+                        <a:latin typeface="Arial" panose="020B0604020202020204" pitchFamily="34" charset="0"/>
+                        <a:cs typeface="Arial" panose="020B0604020202020204" pitchFamily="34" charset="0"/>
+                      </a:endParaRPr>
+                    </a:p>
+                  </a:txBody>
+                  <a:tcPr marL="18338" marR="18338" marT="18338" marB="18338">
+                    <a:lnL>
+                      <a:noFill/>
+                    </a:lnL>
+                    <a:lnR>
+                      <a:noFill/>
+                    </a:lnR>
+                    <a:lnT>
+                      <a:noFill/>
+                    </a:lnT>
+                    <a:lnB>
+                      <a:noFill/>
+                    </a:lnB>
+                  </a:tcPr>
+                </a:tc>
+                <a:extLst>
+                  <a:ext uri="{0D108BD9-81ED-4DB2-BD59-A6C34878D82A}">
+                    <a16:rowId xmlns:a16="http://schemas.microsoft.com/office/drawing/2014/main" val="1995734989"/>
+                  </a:ext>
+                </a:extLst>
+              </a:tr>
+            </a:tbl>
+          </a:graphicData>
+        </a:graphic>
+      </p:graphicFrame>
+      <p:sp>
+        <p:nvSpPr>
+          <p:cNvPr id="4" name="Rechteck 3">
             <a:extLst>
-              <a:ext uri="{28A0092B-C50C-407E-A947-70E740481C1C}">
-                <a14:useLocalDpi xmlns:a14="http://schemas.microsoft.com/office/drawing/2010/main" val="0"/>
+              <a:ext uri="{FF2B5EF4-FFF2-40B4-BE49-F238E27FC236}">
+                <a16:creationId xmlns:a16="http://schemas.microsoft.com/office/drawing/2014/main" id="{40DD46EC-D0EE-4068-8894-2336B677A38D}"/>
               </a:ext>
             </a:extLst>
-          </a:blip>
-          <a:stretch>
-            <a:fillRect/>
-          </a:stretch>
-        </p:blipFill>
+          </p:cNvPr>
+          <p:cNvSpPr/>
+          <p:nvPr/>
+        </p:nvSpPr>
         <p:spPr>
           <a:xfrm>
-            <a:off x="2325667" y="1544634"/>
-            <a:ext cx="7540666" cy="4746629"/>
+            <a:off x="1013498" y="1549190"/>
+            <a:ext cx="6984000" cy="1307366"/>
           </a:xfrm>
+          <a:prstGeom prst="rect">
+            <a:avLst/>
+          </a:prstGeom>
+          <a:solidFill>
+            <a:schemeClr val="accent2">
+              <a:lumMod val="40000"/>
+              <a:lumOff val="60000"/>
+              <a:alpha val="30000"/>
+            </a:schemeClr>
+          </a:solidFill>
+          <a:ln>
+            <a:noFill/>
+          </a:ln>
         </p:spPr>
-      </p:pic>
+        <p:style>
+          <a:lnRef idx="2">
+            <a:schemeClr val="accent1">
+              <a:shade val="50000"/>
+            </a:schemeClr>
+          </a:lnRef>
+          <a:fillRef idx="1">
+            <a:schemeClr val="accent1"/>
+          </a:fillRef>
+          <a:effectRef idx="0">
+            <a:schemeClr val="accent1"/>
+          </a:effectRef>
+          <a:fontRef idx="minor">
+            <a:schemeClr val="lt1"/>
+          </a:fontRef>
+        </p:style>
+        <p:txBody>
+          <a:bodyPr rtlCol="0" anchor="ctr"/>
+          <a:lstStyle/>
+          <a:p>
+            <a:pPr algn="ctr"/>
+            <a:endParaRPr lang="de-CH"/>
+          </a:p>
+        </p:txBody>
+      </p:sp>
+      <p:sp>
+        <p:nvSpPr>
+          <p:cNvPr id="5" name="Textfeld 4">
+            <a:extLst>
+              <a:ext uri="{FF2B5EF4-FFF2-40B4-BE49-F238E27FC236}">
+                <a16:creationId xmlns:a16="http://schemas.microsoft.com/office/drawing/2014/main" id="{6E4F00A1-684F-4009-AF7F-94A66F96E513}"/>
+              </a:ext>
+            </a:extLst>
+          </p:cNvPr>
+          <p:cNvSpPr txBox="1"/>
+          <p:nvPr/>
+        </p:nvSpPr>
+        <p:spPr>
+          <a:xfrm>
+            <a:off x="8872172" y="1972040"/>
+            <a:ext cx="1762214" cy="461665"/>
+          </a:xfrm>
+          <a:prstGeom prst="rect">
+            <a:avLst/>
+          </a:prstGeom>
+          <a:noFill/>
+        </p:spPr>
+        <p:txBody>
+          <a:bodyPr wrap="none" rtlCol="0">
+            <a:spAutoFit/>
+          </a:bodyPr>
+          <a:lstStyle/>
+          <a:p>
+            <a:pPr algn="ctr"/>
+            <a:r>
+              <a:rPr lang="en-US" sz="2400" dirty="0">
+                <a:solidFill>
+                  <a:schemeClr val="accent2">
+                    <a:lumMod val="75000"/>
+                  </a:schemeClr>
+                </a:solidFill>
+              </a:rPr>
+              <a:t>RNA velocity</a:t>
+            </a:r>
+            <a:endParaRPr lang="de-CH" sz="2400" dirty="0">
+              <a:solidFill>
+                <a:schemeClr val="accent2">
+                  <a:lumMod val="75000"/>
+                </a:schemeClr>
+              </a:solidFill>
+            </a:endParaRPr>
+          </a:p>
+        </p:txBody>
+      </p:sp>
+      <p:sp>
+        <p:nvSpPr>
+          <p:cNvPr id="7" name="Rechteck 6">
+            <a:extLst>
+              <a:ext uri="{FF2B5EF4-FFF2-40B4-BE49-F238E27FC236}">
+                <a16:creationId xmlns:a16="http://schemas.microsoft.com/office/drawing/2014/main" id="{0B990772-323D-4924-8D67-6E57609FC060}"/>
+              </a:ext>
+            </a:extLst>
+          </p:cNvPr>
+          <p:cNvSpPr/>
+          <p:nvPr/>
+        </p:nvSpPr>
+        <p:spPr>
+          <a:xfrm>
+            <a:off x="1013498" y="3116930"/>
+            <a:ext cx="6984000" cy="1307366"/>
+          </a:xfrm>
+          <a:prstGeom prst="rect">
+            <a:avLst/>
+          </a:prstGeom>
+          <a:solidFill>
+            <a:schemeClr val="accent2">
+              <a:lumMod val="40000"/>
+              <a:lumOff val="60000"/>
+              <a:alpha val="30000"/>
+            </a:schemeClr>
+          </a:solidFill>
+          <a:ln>
+            <a:noFill/>
+          </a:ln>
+        </p:spPr>
+        <p:style>
+          <a:lnRef idx="2">
+            <a:schemeClr val="accent1">
+              <a:shade val="50000"/>
+            </a:schemeClr>
+          </a:lnRef>
+          <a:fillRef idx="1">
+            <a:schemeClr val="accent1"/>
+          </a:fillRef>
+          <a:effectRef idx="0">
+            <a:schemeClr val="accent1"/>
+          </a:effectRef>
+          <a:fontRef idx="minor">
+            <a:schemeClr val="lt1"/>
+          </a:fontRef>
+        </p:style>
+        <p:txBody>
+          <a:bodyPr rtlCol="0" anchor="ctr"/>
+          <a:lstStyle/>
+          <a:p>
+            <a:pPr algn="ctr"/>
+            <a:endParaRPr lang="de-CH"/>
+          </a:p>
+        </p:txBody>
+      </p:sp>
+      <p:sp>
+        <p:nvSpPr>
+          <p:cNvPr id="8" name="Textfeld 7">
+            <a:extLst>
+              <a:ext uri="{FF2B5EF4-FFF2-40B4-BE49-F238E27FC236}">
+                <a16:creationId xmlns:a16="http://schemas.microsoft.com/office/drawing/2014/main" id="{A46486E2-8E88-4306-A3CB-AC918C6AEA9A}"/>
+              </a:ext>
+            </a:extLst>
+          </p:cNvPr>
+          <p:cNvSpPr txBox="1"/>
+          <p:nvPr/>
+        </p:nvSpPr>
+        <p:spPr>
+          <a:xfrm>
+            <a:off x="8253066" y="3539780"/>
+            <a:ext cx="3000438" cy="461665"/>
+          </a:xfrm>
+          <a:prstGeom prst="rect">
+            <a:avLst/>
+          </a:prstGeom>
+          <a:noFill/>
+        </p:spPr>
+        <p:txBody>
+          <a:bodyPr wrap="none" rtlCol="0">
+            <a:spAutoFit/>
+          </a:bodyPr>
+          <a:lstStyle/>
+          <a:p>
+            <a:pPr algn="ctr"/>
+            <a:r>
+              <a:rPr lang="en-US" sz="2400" dirty="0">
+                <a:solidFill>
+                  <a:schemeClr val="accent2">
+                    <a:lumMod val="75000"/>
+                  </a:schemeClr>
+                </a:solidFill>
+              </a:rPr>
+              <a:t>spatial transcriptomics</a:t>
+            </a:r>
+            <a:endParaRPr lang="de-CH" sz="2400" dirty="0">
+              <a:solidFill>
+                <a:schemeClr val="accent2">
+                  <a:lumMod val="75000"/>
+                </a:schemeClr>
+              </a:solidFill>
+            </a:endParaRPr>
+          </a:p>
+        </p:txBody>
+      </p:sp>
     </p:spTree>
     <p:extLst>
       <p:ext uri="{BB962C8B-B14F-4D97-AF65-F5344CB8AC3E}">
-        <p14:creationId xmlns:p14="http://schemas.microsoft.com/office/powerpoint/2010/main" val="814386694"/>
+        <p14:creationId xmlns:p14="http://schemas.microsoft.com/office/powerpoint/2010/main" val="4050478742"/>
       </p:ext>
     </p:extLst>
   </p:cSld>
   <p:clrMapOvr>
     <a:masterClrMapping/>
   </p:clrMapOvr>
+  <p:timing>
+    <p:tnLst>
+      <p:par>
+        <p:cTn id="1" dur="indefinite" restart="never" nodeType="tmRoot">
+          <p:childTnLst>
+            <p:seq concurrent="1" nextAc="seek">
+              <p:cTn id="2" dur="indefinite" nodeType="mainSeq">
+                <p:childTnLst>
+                  <p:par>
+                    <p:cTn id="3" fill="hold">
+                      <p:stCondLst>
+                        <p:cond delay="indefinite"/>
+                      </p:stCondLst>
+                      <p:childTnLst>
+                        <p:par>
+                          <p:cTn id="4" fill="hold">
+                            <p:stCondLst>
+                              <p:cond delay="0"/>
+                            </p:stCondLst>
+                            <p:childTnLst>
+                              <p:par>
+                                <p:cTn id="5" presetID="1" presetClass="entr" presetSubtype="0" fill="hold" grpId="0" nodeType="clickEffect">
+                                  <p:stCondLst>
+                                    <p:cond delay="0"/>
+                                  </p:stCondLst>
+                                  <p:childTnLst>
+                                    <p:set>
+                                      <p:cBhvr>
+                                        <p:cTn id="6" dur="1" fill="hold">
+                                          <p:stCondLst>
+                                            <p:cond delay="0"/>
+                                          </p:stCondLst>
+                                        </p:cTn>
+                                        <p:tgtEl>
+                                          <p:spTgt spid="4"/>
+                                        </p:tgtEl>
+                                        <p:attrNameLst>
+                                          <p:attrName>style.visibility</p:attrName>
+                                        </p:attrNameLst>
+                                      </p:cBhvr>
+                                      <p:to>
+                                        <p:strVal val="visible"/>
+                                      </p:to>
+                                    </p:set>
+                                  </p:childTnLst>
+                                </p:cTn>
+                              </p:par>
+                              <p:par>
+                                <p:cTn id="7" presetID="1" presetClass="entr" presetSubtype="0" fill="hold" grpId="0" nodeType="withEffect">
+                                  <p:stCondLst>
+                                    <p:cond delay="0"/>
+                                  </p:stCondLst>
+                                  <p:childTnLst>
+                                    <p:set>
+                                      <p:cBhvr>
+                                        <p:cTn id="8" dur="1" fill="hold">
+                                          <p:stCondLst>
+                                            <p:cond delay="0"/>
+                                          </p:stCondLst>
+                                        </p:cTn>
+                                        <p:tgtEl>
+                                          <p:spTgt spid="5"/>
+                                        </p:tgtEl>
+                                        <p:attrNameLst>
+                                          <p:attrName>style.visibility</p:attrName>
+                                        </p:attrNameLst>
+                                      </p:cBhvr>
+                                      <p:to>
+                                        <p:strVal val="visible"/>
+                                      </p:to>
+                                    </p:set>
+                                  </p:childTnLst>
+                                </p:cTn>
+                              </p:par>
+                            </p:childTnLst>
+                          </p:cTn>
+                        </p:par>
+                      </p:childTnLst>
+                    </p:cTn>
+                  </p:par>
+                  <p:par>
+                    <p:cTn id="9" fill="hold">
+                      <p:stCondLst>
+                        <p:cond delay="indefinite"/>
+                      </p:stCondLst>
+                      <p:childTnLst>
+                        <p:par>
+                          <p:cTn id="10" fill="hold">
+                            <p:stCondLst>
+                              <p:cond delay="0"/>
+                            </p:stCondLst>
+                            <p:childTnLst>
+                              <p:par>
+                                <p:cTn id="11" presetID="1" presetClass="entr" presetSubtype="0" fill="hold" grpId="0" nodeType="clickEffect">
+                                  <p:stCondLst>
+                                    <p:cond delay="0"/>
+                                  </p:stCondLst>
+                                  <p:childTnLst>
+                                    <p:set>
+                                      <p:cBhvr>
+                                        <p:cTn id="12" dur="1" fill="hold">
+                                          <p:stCondLst>
+                                            <p:cond delay="0"/>
+                                          </p:stCondLst>
+                                        </p:cTn>
+                                        <p:tgtEl>
+                                          <p:spTgt spid="7"/>
+                                        </p:tgtEl>
+                                        <p:attrNameLst>
+                                          <p:attrName>style.visibility</p:attrName>
+                                        </p:attrNameLst>
+                                      </p:cBhvr>
+                                      <p:to>
+                                        <p:strVal val="visible"/>
+                                      </p:to>
+                                    </p:set>
+                                  </p:childTnLst>
+                                </p:cTn>
+                              </p:par>
+                              <p:par>
+                                <p:cTn id="13" presetID="1" presetClass="entr" presetSubtype="0" fill="hold" grpId="0" nodeType="withEffect">
+                                  <p:stCondLst>
+                                    <p:cond delay="0"/>
+                                  </p:stCondLst>
+                                  <p:childTnLst>
+                                    <p:set>
+                                      <p:cBhvr>
+                                        <p:cTn id="14" dur="1" fill="hold">
+                                          <p:stCondLst>
+                                            <p:cond delay="0"/>
+                                          </p:stCondLst>
+                                        </p:cTn>
+                                        <p:tgtEl>
+                                          <p:spTgt spid="8"/>
+                                        </p:tgtEl>
+                                        <p:attrNameLst>
+                                          <p:attrName>style.visibility</p:attrName>
+                                        </p:attrNameLst>
+                                      </p:cBhvr>
+                                      <p:to>
+                                        <p:strVal val="visible"/>
+                                      </p:to>
+                                    </p:set>
+                                  </p:childTnLst>
+                                </p:cTn>
+                              </p:par>
+                            </p:childTnLst>
+                          </p:cTn>
+                        </p:par>
+                      </p:childTnLst>
+                    </p:cTn>
+                  </p:par>
+                </p:childTnLst>
+              </p:cTn>
+              <p:prevCondLst>
+                <p:cond evt="onPrev" delay="0">
+                  <p:tgtEl>
+                    <p:sldTgt/>
+                  </p:tgtEl>
+                </p:cond>
+              </p:prevCondLst>
+              <p:nextCondLst>
+                <p:cond evt="onNext" delay="0">
+                  <p:tgtEl>
+                    <p:sldTgt/>
+                  </p:tgtEl>
+                </p:cond>
+              </p:nextCondLst>
+            </p:seq>
+          </p:childTnLst>
+        </p:cTn>
+      </p:par>
+    </p:tnLst>
+    <p:bldLst>
+      <p:bldP spid="4" grpId="0" animBg="1"/>
+      <p:bldP spid="5" grpId="0"/>
+      <p:bldP spid="7" grpId="0" animBg="1"/>
+      <p:bldP spid="8" grpId="0"/>
+    </p:bldLst>
+  </p:timing>
 </p:sld>
 </file>
 
@@ -3800,7 +8431,12 @@
             <p:ph type="title"/>
           </p:nvPr>
         </p:nvSpPr>
-        <p:spPr/>
+        <p:spPr>
+          <a:xfrm>
+            <a:off x="838200" y="365126"/>
+            <a:ext cx="10515600" cy="760290"/>
+          </a:xfrm>
+        </p:spPr>
         <p:txBody>
           <a:bodyPr/>
           <a:lstStyle/>
@@ -3813,51 +8449,1861 @@
           </a:p>
         </p:txBody>
       </p:sp>
-      <p:pic>
-        <p:nvPicPr>
-          <p:cNvPr id="7" name="Content Placeholder 6">
+      <p:graphicFrame>
+        <p:nvGraphicFramePr>
+          <p:cNvPr id="6" name="Tabelle 5">
             <a:extLst>
               <a:ext uri="{FF2B5EF4-FFF2-40B4-BE49-F238E27FC236}">
-                <a16:creationId xmlns:a16="http://schemas.microsoft.com/office/drawing/2014/main" id="{3F24AA21-51A9-8441-B20B-EE64806ECC6F}"/>
+                <a16:creationId xmlns:a16="http://schemas.microsoft.com/office/drawing/2014/main" id="{EB538FC1-A728-4E54-B453-B0B0963244FC}"/>
               </a:ext>
             </a:extLst>
           </p:cNvPr>
-          <p:cNvPicPr>
-            <a:picLocks noGrp="1" noChangeAspect="1"/>
-          </p:cNvPicPr>
+          <p:cNvGraphicFramePr>
+            <a:graphicFrameLocks noGrp="1"/>
+          </p:cNvGraphicFramePr>
           <p:nvPr>
-            <p:ph idx="1"/>
+            <p:extLst>
+              <p:ext uri="{D42A27DB-BD31-4B8C-83A1-F6EECF244321}">
+                <p14:modId xmlns:p14="http://schemas.microsoft.com/office/powerpoint/2010/main" val="2470922737"/>
+              </p:ext>
+            </p:extLst>
           </p:nvPr>
-        </p:nvPicPr>
-        <p:blipFill>
-          <a:blip r:embed="rId2">
+        </p:nvGraphicFramePr>
+        <p:xfrm>
+          <a:off x="1013497" y="1272492"/>
+          <a:ext cx="6984000" cy="3420001"/>
+        </p:xfrm>
+        <a:graphic>
+          <a:graphicData uri="http://schemas.openxmlformats.org/drawingml/2006/table">
+            <a:tbl>
+              <a:tblPr/>
+              <a:tblGrid>
+                <a:gridCol w="1197574">
+                  <a:extLst>
+                    <a:ext uri="{9D8B030D-6E8A-4147-A177-3AD203B41FA5}">
+                      <a16:colId xmlns:a16="http://schemas.microsoft.com/office/drawing/2014/main" val="322169044"/>
+                    </a:ext>
+                  </a:extLst>
+                </a:gridCol>
+                <a:gridCol w="5786426">
+                  <a:extLst>
+                    <a:ext uri="{9D8B030D-6E8A-4147-A177-3AD203B41FA5}">
+                      <a16:colId xmlns:a16="http://schemas.microsoft.com/office/drawing/2014/main" val="332984489"/>
+                    </a:ext>
+                  </a:extLst>
+                </a:gridCol>
+              </a:tblGrid>
+              <a:tr h="263077">
+                <a:tc gridSpan="2">
+                  <a:txBody>
+                    <a:bodyPr/>
+                    <a:lstStyle/>
+                    <a:p>
+                      <a:pPr rtl="0" fontAlgn="t">
+                        <a:spcBef>
+                          <a:spcPts val="0"/>
+                        </a:spcBef>
+                        <a:spcAft>
+                          <a:spcPts val="0"/>
+                        </a:spcAft>
+                      </a:pPr>
+                      <a:r>
+                        <a:rPr lang="de-CH" sz="1200" b="1" i="0" u="none" strike="noStrike" dirty="0">
+                          <a:solidFill>
+                            <a:srgbClr val="000000"/>
+                          </a:solidFill>
+                          <a:effectLst/>
+                          <a:latin typeface="Arial" panose="020B0604020202020204" pitchFamily="34" charset="0"/>
+                          <a:cs typeface="Arial" panose="020B0604020202020204" pitchFamily="34" charset="0"/>
+                        </a:rPr>
+                        <a:t>Friday, May 29</a:t>
+                      </a:r>
+                      <a:endParaRPr lang="de-CH" sz="1600" dirty="0">
+                        <a:effectLst/>
+                        <a:latin typeface="Arial" panose="020B0604020202020204" pitchFamily="34" charset="0"/>
+                        <a:cs typeface="Arial" panose="020B0604020202020204" pitchFamily="34" charset="0"/>
+                      </a:endParaRPr>
+                    </a:p>
+                  </a:txBody>
+                  <a:tcPr marL="18338" marR="18338" marT="18338" marB="18338">
+                    <a:lnL>
+                      <a:noFill/>
+                    </a:lnL>
+                    <a:lnR>
+                      <a:noFill/>
+                    </a:lnR>
+                    <a:lnT>
+                      <a:noFill/>
+                    </a:lnT>
+                    <a:lnB w="12700" cap="flat" cmpd="sng" algn="ctr">
+                      <a:solidFill>
+                        <a:srgbClr val="000000"/>
+                      </a:solidFill>
+                      <a:prstDash val="solid"/>
+                      <a:round/>
+                      <a:headEnd type="none" w="med" len="med"/>
+                      <a:tailEnd type="none" w="med" len="med"/>
+                    </a:lnB>
+                  </a:tcPr>
+                </a:tc>
+                <a:tc hMerge="1">
+                  <a:txBody>
+                    <a:bodyPr/>
+                    <a:lstStyle/>
+                    <a:p>
+                      <a:endParaRPr lang="de-CH"/>
+                    </a:p>
+                  </a:txBody>
+                  <a:tcPr/>
+                </a:tc>
+                <a:extLst>
+                  <a:ext uri="{0D108BD9-81ED-4DB2-BD59-A6C34878D82A}">
+                    <a16:rowId xmlns:a16="http://schemas.microsoft.com/office/drawing/2014/main" val="3579737117"/>
+                  </a:ext>
+                </a:extLst>
+              </a:tr>
+              <a:tr h="263077">
+                <a:tc>
+                  <a:txBody>
+                    <a:bodyPr/>
+                    <a:lstStyle/>
+                    <a:p>
+                      <a:pPr rtl="0" fontAlgn="t">
+                        <a:spcBef>
+                          <a:spcPts val="0"/>
+                        </a:spcBef>
+                        <a:spcAft>
+                          <a:spcPts val="0"/>
+                        </a:spcAft>
+                      </a:pPr>
+                      <a:r>
+                        <a:rPr lang="de-CH" sz="1200" b="0" i="0" u="none" strike="noStrike" dirty="0">
+                          <a:solidFill>
+                            <a:srgbClr val="000000"/>
+                          </a:solidFill>
+                          <a:effectLst/>
+                          <a:latin typeface="Arial" panose="020B0604020202020204" pitchFamily="34" charset="0"/>
+                          <a:cs typeface="Arial" panose="020B0604020202020204" pitchFamily="34" charset="0"/>
+                        </a:rPr>
+                        <a:t>  9:00 - 10:00</a:t>
+                      </a:r>
+                      <a:endParaRPr lang="de-CH" sz="1600" dirty="0">
+                        <a:effectLst/>
+                        <a:latin typeface="Arial" panose="020B0604020202020204" pitchFamily="34" charset="0"/>
+                        <a:cs typeface="Arial" panose="020B0604020202020204" pitchFamily="34" charset="0"/>
+                      </a:endParaRPr>
+                    </a:p>
+                  </a:txBody>
+                  <a:tcPr marL="18338" marR="18338" marT="18338" marB="18338">
+                    <a:lnL>
+                      <a:noFill/>
+                    </a:lnL>
+                    <a:lnR>
+                      <a:noFill/>
+                    </a:lnR>
+                    <a:lnT w="12700" cap="flat" cmpd="sng" algn="ctr">
+                      <a:solidFill>
+                        <a:srgbClr val="000000"/>
+                      </a:solidFill>
+                      <a:prstDash val="solid"/>
+                      <a:round/>
+                      <a:headEnd type="none" w="med" len="med"/>
+                      <a:tailEnd type="none" w="med" len="med"/>
+                    </a:lnT>
+                    <a:lnB>
+                      <a:noFill/>
+                    </a:lnB>
+                  </a:tcPr>
+                </a:tc>
+                <a:tc>
+                  <a:txBody>
+                    <a:bodyPr/>
+                    <a:lstStyle/>
+                    <a:p>
+                      <a:pPr rtl="0" fontAlgn="t">
+                        <a:spcBef>
+                          <a:spcPts val="0"/>
+                        </a:spcBef>
+                        <a:spcAft>
+                          <a:spcPts val="0"/>
+                        </a:spcAft>
+                      </a:pPr>
+                      <a:r>
+                        <a:rPr lang="en-US" sz="1200" b="0" i="0" u="none" strike="noStrike" dirty="0">
+                          <a:solidFill>
+                            <a:srgbClr val="000000"/>
+                          </a:solidFill>
+                          <a:effectLst/>
+                          <a:latin typeface="Arial" panose="020B0604020202020204" pitchFamily="34" charset="0"/>
+                          <a:cs typeface="Arial" panose="020B0604020202020204" pitchFamily="34" charset="0"/>
+                        </a:rPr>
+                        <a:t>Working with on-disk data formats (presentation, </a:t>
+                      </a:r>
+                      <a:r>
+                        <a:rPr lang="en-US" sz="1200" b="0" i="1" u="none" strike="noStrike" dirty="0">
+                          <a:solidFill>
+                            <a:srgbClr val="000000"/>
+                          </a:solidFill>
+                          <a:effectLst/>
+                          <a:latin typeface="Arial" panose="020B0604020202020204" pitchFamily="34" charset="0"/>
+                          <a:cs typeface="Arial" panose="020B0604020202020204" pitchFamily="34" charset="0"/>
+                        </a:rPr>
+                        <a:t>M. Smith</a:t>
+                      </a:r>
+                      <a:r>
+                        <a:rPr lang="en-US" sz="1200" b="0" i="0" u="none" strike="noStrike" dirty="0">
+                          <a:solidFill>
+                            <a:srgbClr val="000000"/>
+                          </a:solidFill>
+                          <a:effectLst/>
+                          <a:latin typeface="Arial" panose="020B0604020202020204" pitchFamily="34" charset="0"/>
+                          <a:cs typeface="Arial" panose="020B0604020202020204" pitchFamily="34" charset="0"/>
+                        </a:rPr>
+                        <a:t>)</a:t>
+                      </a:r>
+                      <a:endParaRPr lang="en-US" sz="1600" dirty="0">
+                        <a:effectLst/>
+                        <a:latin typeface="Arial" panose="020B0604020202020204" pitchFamily="34" charset="0"/>
+                        <a:cs typeface="Arial" panose="020B0604020202020204" pitchFamily="34" charset="0"/>
+                      </a:endParaRPr>
+                    </a:p>
+                  </a:txBody>
+                  <a:tcPr marL="18338" marR="18338" marT="18338" marB="18338">
+                    <a:lnL>
+                      <a:noFill/>
+                    </a:lnL>
+                    <a:lnR>
+                      <a:noFill/>
+                    </a:lnR>
+                    <a:lnT w="12700" cap="flat" cmpd="sng" algn="ctr">
+                      <a:solidFill>
+                        <a:srgbClr val="000000"/>
+                      </a:solidFill>
+                      <a:prstDash val="solid"/>
+                      <a:round/>
+                      <a:headEnd type="none" w="med" len="med"/>
+                      <a:tailEnd type="none" w="med" len="med"/>
+                    </a:lnT>
+                    <a:lnB>
+                      <a:noFill/>
+                    </a:lnB>
+                  </a:tcPr>
+                </a:tc>
+                <a:extLst>
+                  <a:ext uri="{0D108BD9-81ED-4DB2-BD59-A6C34878D82A}">
+                    <a16:rowId xmlns:a16="http://schemas.microsoft.com/office/drawing/2014/main" val="3340848411"/>
+                  </a:ext>
+                </a:extLst>
+              </a:tr>
+              <a:tr h="263077">
+                <a:tc>
+                  <a:txBody>
+                    <a:bodyPr/>
+                    <a:lstStyle/>
+                    <a:p>
+                      <a:pPr rtl="0" fontAlgn="t">
+                        <a:spcBef>
+                          <a:spcPts val="0"/>
+                        </a:spcBef>
+                        <a:spcAft>
+                          <a:spcPts val="0"/>
+                        </a:spcAft>
+                      </a:pPr>
+                      <a:r>
+                        <a:rPr lang="de-CH" sz="1200" b="0" i="0" u="none" strike="noStrike">
+                          <a:solidFill>
+                            <a:srgbClr val="000000"/>
+                          </a:solidFill>
+                          <a:effectLst/>
+                          <a:latin typeface="Arial" panose="020B0604020202020204" pitchFamily="34" charset="0"/>
+                          <a:cs typeface="Arial" panose="020B0604020202020204" pitchFamily="34" charset="0"/>
+                        </a:rPr>
+                        <a:t>10:00 - 10:15</a:t>
+                      </a:r>
+                      <a:endParaRPr lang="de-CH" sz="1600">
+                        <a:effectLst/>
+                        <a:latin typeface="Arial" panose="020B0604020202020204" pitchFamily="34" charset="0"/>
+                        <a:cs typeface="Arial" panose="020B0604020202020204" pitchFamily="34" charset="0"/>
+                      </a:endParaRPr>
+                    </a:p>
+                  </a:txBody>
+                  <a:tcPr marL="18338" marR="18338" marT="18338" marB="18338">
+                    <a:lnL>
+                      <a:noFill/>
+                    </a:lnL>
+                    <a:lnR>
+                      <a:noFill/>
+                    </a:lnR>
+                    <a:lnT>
+                      <a:noFill/>
+                    </a:lnT>
+                    <a:lnB>
+                      <a:noFill/>
+                    </a:lnB>
+                    <a:solidFill>
+                      <a:schemeClr val="bg1">
+                        <a:lumMod val="95000"/>
+                      </a:schemeClr>
+                    </a:solidFill>
+                  </a:tcPr>
+                </a:tc>
+                <a:tc>
+                  <a:txBody>
+                    <a:bodyPr/>
+                    <a:lstStyle/>
+                    <a:p>
+                      <a:pPr rtl="0" fontAlgn="t">
+                        <a:spcBef>
+                          <a:spcPts val="0"/>
+                        </a:spcBef>
+                        <a:spcAft>
+                          <a:spcPts val="0"/>
+                        </a:spcAft>
+                      </a:pPr>
+                      <a:r>
+                        <a:rPr lang="de-CH" sz="1200" b="0" i="1" u="none" strike="noStrike" dirty="0">
+                          <a:solidFill>
+                            <a:srgbClr val="000000"/>
+                          </a:solidFill>
+                          <a:effectLst/>
+                          <a:latin typeface="Arial" panose="020B0604020202020204" pitchFamily="34" charset="0"/>
+                          <a:cs typeface="Arial" panose="020B0604020202020204" pitchFamily="34" charset="0"/>
+                        </a:rPr>
+                        <a:t>Break</a:t>
+                      </a:r>
+                      <a:endParaRPr lang="de-CH" sz="1600" dirty="0">
+                        <a:effectLst/>
+                        <a:latin typeface="Arial" panose="020B0604020202020204" pitchFamily="34" charset="0"/>
+                        <a:cs typeface="Arial" panose="020B0604020202020204" pitchFamily="34" charset="0"/>
+                      </a:endParaRPr>
+                    </a:p>
+                  </a:txBody>
+                  <a:tcPr marL="18338" marR="18338" marT="18338" marB="18338">
+                    <a:lnL>
+                      <a:noFill/>
+                    </a:lnL>
+                    <a:lnR>
+                      <a:noFill/>
+                    </a:lnR>
+                    <a:lnT>
+                      <a:noFill/>
+                    </a:lnT>
+                    <a:lnB>
+                      <a:noFill/>
+                    </a:lnB>
+                    <a:solidFill>
+                      <a:schemeClr val="bg1">
+                        <a:lumMod val="95000"/>
+                      </a:schemeClr>
+                    </a:solidFill>
+                  </a:tcPr>
+                </a:tc>
+                <a:extLst>
+                  <a:ext uri="{0D108BD9-81ED-4DB2-BD59-A6C34878D82A}">
+                    <a16:rowId xmlns:a16="http://schemas.microsoft.com/office/drawing/2014/main" val="4138276241"/>
+                  </a:ext>
+                </a:extLst>
+              </a:tr>
+              <a:tr h="263077">
+                <a:tc>
+                  <a:txBody>
+                    <a:bodyPr/>
+                    <a:lstStyle/>
+                    <a:p>
+                      <a:pPr rtl="0" fontAlgn="t">
+                        <a:spcBef>
+                          <a:spcPts val="0"/>
+                        </a:spcBef>
+                        <a:spcAft>
+                          <a:spcPts val="0"/>
+                        </a:spcAft>
+                      </a:pPr>
+                      <a:r>
+                        <a:rPr lang="de-CH" sz="1200" b="0" i="0" u="none" strike="noStrike">
+                          <a:solidFill>
+                            <a:srgbClr val="000000"/>
+                          </a:solidFill>
+                          <a:effectLst/>
+                          <a:latin typeface="Arial" panose="020B0604020202020204" pitchFamily="34" charset="0"/>
+                          <a:cs typeface="Arial" panose="020B0604020202020204" pitchFamily="34" charset="0"/>
+                        </a:rPr>
+                        <a:t>10:15 - 11:15</a:t>
+                      </a:r>
+                      <a:endParaRPr lang="de-CH" sz="1600">
+                        <a:effectLst/>
+                        <a:latin typeface="Arial" panose="020B0604020202020204" pitchFamily="34" charset="0"/>
+                        <a:cs typeface="Arial" panose="020B0604020202020204" pitchFamily="34" charset="0"/>
+                      </a:endParaRPr>
+                    </a:p>
+                  </a:txBody>
+                  <a:tcPr marL="18338" marR="18338" marT="18338" marB="18338">
+                    <a:lnL>
+                      <a:noFill/>
+                    </a:lnL>
+                    <a:lnR>
+                      <a:noFill/>
+                    </a:lnR>
+                    <a:lnT>
+                      <a:noFill/>
+                    </a:lnT>
+                    <a:lnB>
+                      <a:noFill/>
+                    </a:lnB>
+                  </a:tcPr>
+                </a:tc>
+                <a:tc>
+                  <a:txBody>
+                    <a:bodyPr/>
+                    <a:lstStyle/>
+                    <a:p>
+                      <a:pPr rtl="0" fontAlgn="t">
+                        <a:spcBef>
+                          <a:spcPts val="0"/>
+                        </a:spcBef>
+                        <a:spcAft>
+                          <a:spcPts val="0"/>
+                        </a:spcAft>
+                      </a:pPr>
+                      <a:r>
+                        <a:rPr lang="en-US" sz="1200" b="0" i="0" u="none" strike="noStrike" dirty="0">
+                          <a:solidFill>
+                            <a:srgbClr val="000000"/>
+                          </a:solidFill>
+                          <a:effectLst/>
+                          <a:latin typeface="Arial" panose="020B0604020202020204" pitchFamily="34" charset="0"/>
+                          <a:cs typeface="Arial" panose="020B0604020202020204" pitchFamily="34" charset="0"/>
+                        </a:rPr>
+                        <a:t>Working with on-disk data formats (exercises, </a:t>
+                      </a:r>
+                      <a:r>
+                        <a:rPr lang="en-US" sz="1200" b="0" i="1" u="none" strike="noStrike" dirty="0">
+                          <a:solidFill>
+                            <a:srgbClr val="000000"/>
+                          </a:solidFill>
+                          <a:effectLst/>
+                          <a:latin typeface="Arial" panose="020B0604020202020204" pitchFamily="34" charset="0"/>
+                          <a:cs typeface="Arial" panose="020B0604020202020204" pitchFamily="34" charset="0"/>
+                        </a:rPr>
+                        <a:t>M. Smith</a:t>
+                      </a:r>
+                      <a:r>
+                        <a:rPr lang="en-US" sz="1200" b="0" i="0" u="none" strike="noStrike" dirty="0">
+                          <a:solidFill>
+                            <a:srgbClr val="000000"/>
+                          </a:solidFill>
+                          <a:effectLst/>
+                          <a:latin typeface="Arial" panose="020B0604020202020204" pitchFamily="34" charset="0"/>
+                          <a:cs typeface="Arial" panose="020B0604020202020204" pitchFamily="34" charset="0"/>
+                        </a:rPr>
+                        <a:t>)</a:t>
+                      </a:r>
+                      <a:endParaRPr lang="en-US" sz="1600" dirty="0">
+                        <a:effectLst/>
+                        <a:latin typeface="Arial" panose="020B0604020202020204" pitchFamily="34" charset="0"/>
+                        <a:cs typeface="Arial" panose="020B0604020202020204" pitchFamily="34" charset="0"/>
+                      </a:endParaRPr>
+                    </a:p>
+                  </a:txBody>
+                  <a:tcPr marL="18338" marR="18338" marT="18338" marB="18338">
+                    <a:lnL>
+                      <a:noFill/>
+                    </a:lnL>
+                    <a:lnR>
+                      <a:noFill/>
+                    </a:lnR>
+                    <a:lnT>
+                      <a:noFill/>
+                    </a:lnT>
+                    <a:lnB>
+                      <a:noFill/>
+                    </a:lnB>
+                  </a:tcPr>
+                </a:tc>
+                <a:extLst>
+                  <a:ext uri="{0D108BD9-81ED-4DB2-BD59-A6C34878D82A}">
+                    <a16:rowId xmlns:a16="http://schemas.microsoft.com/office/drawing/2014/main" val="1630550365"/>
+                  </a:ext>
+                </a:extLst>
+              </a:tr>
+              <a:tr h="263077">
+                <a:tc>
+                  <a:txBody>
+                    <a:bodyPr/>
+                    <a:lstStyle/>
+                    <a:p>
+                      <a:pPr rtl="0" fontAlgn="t">
+                        <a:spcBef>
+                          <a:spcPts val="0"/>
+                        </a:spcBef>
+                        <a:spcAft>
+                          <a:spcPts val="0"/>
+                        </a:spcAft>
+                      </a:pPr>
+                      <a:r>
+                        <a:rPr lang="de-CH" sz="1200" b="0" i="0" u="none" strike="noStrike">
+                          <a:solidFill>
+                            <a:srgbClr val="000000"/>
+                          </a:solidFill>
+                          <a:effectLst/>
+                          <a:latin typeface="Arial" panose="020B0604020202020204" pitchFamily="34" charset="0"/>
+                          <a:cs typeface="Arial" panose="020B0604020202020204" pitchFamily="34" charset="0"/>
+                        </a:rPr>
+                        <a:t>11:15 - 11:30</a:t>
+                      </a:r>
+                      <a:endParaRPr lang="de-CH" sz="1600">
+                        <a:effectLst/>
+                        <a:latin typeface="Arial" panose="020B0604020202020204" pitchFamily="34" charset="0"/>
+                        <a:cs typeface="Arial" panose="020B0604020202020204" pitchFamily="34" charset="0"/>
+                      </a:endParaRPr>
+                    </a:p>
+                  </a:txBody>
+                  <a:tcPr marL="18338" marR="18338" marT="18338" marB="18338">
+                    <a:lnL>
+                      <a:noFill/>
+                    </a:lnL>
+                    <a:lnR>
+                      <a:noFill/>
+                    </a:lnR>
+                    <a:lnT>
+                      <a:noFill/>
+                    </a:lnT>
+                    <a:lnB>
+                      <a:noFill/>
+                    </a:lnB>
+                    <a:solidFill>
+                      <a:schemeClr val="bg1">
+                        <a:lumMod val="95000"/>
+                      </a:schemeClr>
+                    </a:solidFill>
+                  </a:tcPr>
+                </a:tc>
+                <a:tc>
+                  <a:txBody>
+                    <a:bodyPr/>
+                    <a:lstStyle/>
+                    <a:p>
+                      <a:pPr rtl="0" fontAlgn="t">
+                        <a:spcBef>
+                          <a:spcPts val="0"/>
+                        </a:spcBef>
+                        <a:spcAft>
+                          <a:spcPts val="0"/>
+                        </a:spcAft>
+                      </a:pPr>
+                      <a:r>
+                        <a:rPr lang="de-CH" sz="1200" b="0" i="1" u="none" strike="noStrike" dirty="0">
+                          <a:solidFill>
+                            <a:srgbClr val="000000"/>
+                          </a:solidFill>
+                          <a:effectLst/>
+                          <a:latin typeface="Arial" panose="020B0604020202020204" pitchFamily="34" charset="0"/>
+                          <a:cs typeface="Arial" panose="020B0604020202020204" pitchFamily="34" charset="0"/>
+                        </a:rPr>
+                        <a:t>Break</a:t>
+                      </a:r>
+                      <a:endParaRPr lang="de-CH" sz="1600" dirty="0">
+                        <a:effectLst/>
+                        <a:latin typeface="Arial" panose="020B0604020202020204" pitchFamily="34" charset="0"/>
+                        <a:cs typeface="Arial" panose="020B0604020202020204" pitchFamily="34" charset="0"/>
+                      </a:endParaRPr>
+                    </a:p>
+                  </a:txBody>
+                  <a:tcPr marL="18338" marR="18338" marT="18338" marB="18338">
+                    <a:lnL>
+                      <a:noFill/>
+                    </a:lnL>
+                    <a:lnR>
+                      <a:noFill/>
+                    </a:lnR>
+                    <a:lnT>
+                      <a:noFill/>
+                    </a:lnT>
+                    <a:lnB>
+                      <a:noFill/>
+                    </a:lnB>
+                    <a:solidFill>
+                      <a:schemeClr val="bg1">
+                        <a:lumMod val="95000"/>
+                      </a:schemeClr>
+                    </a:solidFill>
+                  </a:tcPr>
+                </a:tc>
+                <a:extLst>
+                  <a:ext uri="{0D108BD9-81ED-4DB2-BD59-A6C34878D82A}">
+                    <a16:rowId xmlns:a16="http://schemas.microsoft.com/office/drawing/2014/main" val="1253899423"/>
+                  </a:ext>
+                </a:extLst>
+              </a:tr>
+              <a:tr h="263077">
+                <a:tc>
+                  <a:txBody>
+                    <a:bodyPr/>
+                    <a:lstStyle/>
+                    <a:p>
+                      <a:pPr rtl="0" fontAlgn="t">
+                        <a:spcBef>
+                          <a:spcPts val="0"/>
+                        </a:spcBef>
+                        <a:spcAft>
+                          <a:spcPts val="0"/>
+                        </a:spcAft>
+                      </a:pPr>
+                      <a:r>
+                        <a:rPr lang="de-CH" sz="1200" b="0" i="0" u="none" strike="noStrike">
+                          <a:solidFill>
+                            <a:srgbClr val="000000"/>
+                          </a:solidFill>
+                          <a:effectLst/>
+                          <a:latin typeface="Arial" panose="020B0604020202020204" pitchFamily="34" charset="0"/>
+                          <a:cs typeface="Arial" panose="020B0604020202020204" pitchFamily="34" charset="0"/>
+                        </a:rPr>
+                        <a:t>11:30 - 12:30</a:t>
+                      </a:r>
+                      <a:endParaRPr lang="de-CH" sz="1600">
+                        <a:effectLst/>
+                        <a:latin typeface="Arial" panose="020B0604020202020204" pitchFamily="34" charset="0"/>
+                        <a:cs typeface="Arial" panose="020B0604020202020204" pitchFamily="34" charset="0"/>
+                      </a:endParaRPr>
+                    </a:p>
+                  </a:txBody>
+                  <a:tcPr marL="18338" marR="18338" marT="18338" marB="18338">
+                    <a:lnL>
+                      <a:noFill/>
+                    </a:lnL>
+                    <a:lnR>
+                      <a:noFill/>
+                    </a:lnR>
+                    <a:lnT>
+                      <a:noFill/>
+                    </a:lnT>
+                    <a:lnB>
+                      <a:noFill/>
+                    </a:lnB>
+                  </a:tcPr>
+                </a:tc>
+                <a:tc>
+                  <a:txBody>
+                    <a:bodyPr/>
+                    <a:lstStyle/>
+                    <a:p>
+                      <a:pPr rtl="0" fontAlgn="t">
+                        <a:spcBef>
+                          <a:spcPts val="0"/>
+                        </a:spcBef>
+                        <a:spcAft>
+                          <a:spcPts val="0"/>
+                        </a:spcAft>
+                      </a:pPr>
+                      <a:r>
+                        <a:rPr lang="en-US" sz="1200" b="0" i="0" u="none" strike="noStrike">
+                          <a:solidFill>
+                            <a:srgbClr val="000000"/>
+                          </a:solidFill>
+                          <a:effectLst/>
+                          <a:latin typeface="Arial" panose="020B0604020202020204" pitchFamily="34" charset="0"/>
+                          <a:cs typeface="Arial" panose="020B0604020202020204" pitchFamily="34" charset="0"/>
+                        </a:rPr>
+                        <a:t>Working with on-disk data formats (continued)</a:t>
+                      </a:r>
+                      <a:endParaRPr lang="en-US" sz="1600">
+                        <a:effectLst/>
+                        <a:latin typeface="Arial" panose="020B0604020202020204" pitchFamily="34" charset="0"/>
+                        <a:cs typeface="Arial" panose="020B0604020202020204" pitchFamily="34" charset="0"/>
+                      </a:endParaRPr>
+                    </a:p>
+                  </a:txBody>
+                  <a:tcPr marL="18338" marR="18338" marT="18338" marB="18338">
+                    <a:lnL>
+                      <a:noFill/>
+                    </a:lnL>
+                    <a:lnR>
+                      <a:noFill/>
+                    </a:lnR>
+                    <a:lnT>
+                      <a:noFill/>
+                    </a:lnT>
+                    <a:lnB>
+                      <a:noFill/>
+                    </a:lnB>
+                  </a:tcPr>
+                </a:tc>
+                <a:extLst>
+                  <a:ext uri="{0D108BD9-81ED-4DB2-BD59-A6C34878D82A}">
+                    <a16:rowId xmlns:a16="http://schemas.microsoft.com/office/drawing/2014/main" val="570983722"/>
+                  </a:ext>
+                </a:extLst>
+              </a:tr>
+              <a:tr h="263077">
+                <a:tc>
+                  <a:txBody>
+                    <a:bodyPr/>
+                    <a:lstStyle/>
+                    <a:p>
+                      <a:pPr rtl="0" fontAlgn="t">
+                        <a:spcBef>
+                          <a:spcPts val="0"/>
+                        </a:spcBef>
+                        <a:spcAft>
+                          <a:spcPts val="0"/>
+                        </a:spcAft>
+                      </a:pPr>
+                      <a:r>
+                        <a:rPr lang="de-CH" sz="1200" b="0" i="0" u="none" strike="noStrike">
+                          <a:solidFill>
+                            <a:srgbClr val="000000"/>
+                          </a:solidFill>
+                          <a:effectLst/>
+                          <a:latin typeface="Arial" panose="020B0604020202020204" pitchFamily="34" charset="0"/>
+                          <a:cs typeface="Arial" panose="020B0604020202020204" pitchFamily="34" charset="0"/>
+                        </a:rPr>
+                        <a:t>12:30 - 13:30</a:t>
+                      </a:r>
+                      <a:endParaRPr lang="de-CH" sz="1600">
+                        <a:effectLst/>
+                        <a:latin typeface="Arial" panose="020B0604020202020204" pitchFamily="34" charset="0"/>
+                        <a:cs typeface="Arial" panose="020B0604020202020204" pitchFamily="34" charset="0"/>
+                      </a:endParaRPr>
+                    </a:p>
+                  </a:txBody>
+                  <a:tcPr marL="18338" marR="18338" marT="18338" marB="18338">
+                    <a:lnL>
+                      <a:noFill/>
+                    </a:lnL>
+                    <a:lnR>
+                      <a:noFill/>
+                    </a:lnR>
+                    <a:lnT>
+                      <a:noFill/>
+                    </a:lnT>
+                    <a:lnB>
+                      <a:noFill/>
+                    </a:lnB>
+                    <a:solidFill>
+                      <a:schemeClr val="bg1">
+                        <a:lumMod val="95000"/>
+                      </a:schemeClr>
+                    </a:solidFill>
+                  </a:tcPr>
+                </a:tc>
+                <a:tc>
+                  <a:txBody>
+                    <a:bodyPr/>
+                    <a:lstStyle/>
+                    <a:p>
+                      <a:pPr rtl="0" fontAlgn="t">
+                        <a:spcBef>
+                          <a:spcPts val="0"/>
+                        </a:spcBef>
+                        <a:spcAft>
+                          <a:spcPts val="0"/>
+                        </a:spcAft>
+                      </a:pPr>
+                      <a:r>
+                        <a:rPr lang="de-CH" sz="1200" b="0" i="1" u="none" strike="noStrike" dirty="0">
+                          <a:solidFill>
+                            <a:srgbClr val="000000"/>
+                          </a:solidFill>
+                          <a:effectLst/>
+                          <a:latin typeface="Arial" panose="020B0604020202020204" pitchFamily="34" charset="0"/>
+                          <a:cs typeface="Arial" panose="020B0604020202020204" pitchFamily="34" charset="0"/>
+                        </a:rPr>
+                        <a:t>Lunch</a:t>
+                      </a:r>
+                      <a:endParaRPr lang="de-CH" sz="1600" dirty="0">
+                        <a:effectLst/>
+                        <a:latin typeface="Arial" panose="020B0604020202020204" pitchFamily="34" charset="0"/>
+                        <a:cs typeface="Arial" panose="020B0604020202020204" pitchFamily="34" charset="0"/>
+                      </a:endParaRPr>
+                    </a:p>
+                  </a:txBody>
+                  <a:tcPr marL="18338" marR="18338" marT="18338" marB="18338">
+                    <a:lnL>
+                      <a:noFill/>
+                    </a:lnL>
+                    <a:lnR>
+                      <a:noFill/>
+                    </a:lnR>
+                    <a:lnT>
+                      <a:noFill/>
+                    </a:lnT>
+                    <a:lnB>
+                      <a:noFill/>
+                    </a:lnB>
+                    <a:solidFill>
+                      <a:schemeClr val="bg1">
+                        <a:lumMod val="95000"/>
+                      </a:schemeClr>
+                    </a:solidFill>
+                  </a:tcPr>
+                </a:tc>
+                <a:extLst>
+                  <a:ext uri="{0D108BD9-81ED-4DB2-BD59-A6C34878D82A}">
+                    <a16:rowId xmlns:a16="http://schemas.microsoft.com/office/drawing/2014/main" val="3136923618"/>
+                  </a:ext>
+                </a:extLst>
+              </a:tr>
+              <a:tr h="263077">
+                <a:tc>
+                  <a:txBody>
+                    <a:bodyPr/>
+                    <a:lstStyle/>
+                    <a:p>
+                      <a:pPr rtl="0" fontAlgn="t">
+                        <a:spcBef>
+                          <a:spcPts val="0"/>
+                        </a:spcBef>
+                        <a:spcAft>
+                          <a:spcPts val="0"/>
+                        </a:spcAft>
+                      </a:pPr>
+                      <a:r>
+                        <a:rPr lang="de-CH" sz="1200" b="0" i="0" u="none" strike="noStrike">
+                          <a:solidFill>
+                            <a:srgbClr val="000000"/>
+                          </a:solidFill>
+                          <a:effectLst/>
+                          <a:latin typeface="Arial" panose="020B0604020202020204" pitchFamily="34" charset="0"/>
+                          <a:cs typeface="Arial" panose="020B0604020202020204" pitchFamily="34" charset="0"/>
+                        </a:rPr>
+                        <a:t>13:30 - 14:30</a:t>
+                      </a:r>
+                      <a:endParaRPr lang="de-CH" sz="1600">
+                        <a:effectLst/>
+                        <a:latin typeface="Arial" panose="020B0604020202020204" pitchFamily="34" charset="0"/>
+                        <a:cs typeface="Arial" panose="020B0604020202020204" pitchFamily="34" charset="0"/>
+                      </a:endParaRPr>
+                    </a:p>
+                  </a:txBody>
+                  <a:tcPr marL="18338" marR="18338" marT="18338" marB="18338">
+                    <a:lnL>
+                      <a:noFill/>
+                    </a:lnL>
+                    <a:lnR>
+                      <a:noFill/>
+                    </a:lnR>
+                    <a:lnT>
+                      <a:noFill/>
+                    </a:lnT>
+                    <a:lnB>
+                      <a:noFill/>
+                    </a:lnB>
+                  </a:tcPr>
+                </a:tc>
+                <a:tc>
+                  <a:txBody>
+                    <a:bodyPr/>
+                    <a:lstStyle/>
+                    <a:p>
+                      <a:pPr rtl="0" fontAlgn="t">
+                        <a:spcBef>
+                          <a:spcPts val="0"/>
+                        </a:spcBef>
+                        <a:spcAft>
+                          <a:spcPts val="0"/>
+                        </a:spcAft>
+                      </a:pPr>
+                      <a:r>
+                        <a:rPr lang="en-US" sz="1200" b="0" i="0" u="none" strike="noStrike">
+                          <a:solidFill>
+                            <a:srgbClr val="000000"/>
+                          </a:solidFill>
+                          <a:effectLst/>
+                          <a:latin typeface="Arial" panose="020B0604020202020204" pitchFamily="34" charset="0"/>
+                          <a:cs typeface="Arial" panose="020B0604020202020204" pitchFamily="34" charset="0"/>
+                        </a:rPr>
+                        <a:t>Deep Generative Networks (presentation and exercises, </a:t>
+                      </a:r>
+                      <a:r>
+                        <a:rPr lang="en-US" sz="1200" b="0" i="1" u="none" strike="noStrike">
+                          <a:solidFill>
+                            <a:srgbClr val="000000"/>
+                          </a:solidFill>
+                          <a:effectLst/>
+                          <a:latin typeface="Arial" panose="020B0604020202020204" pitchFamily="34" charset="0"/>
+                          <a:cs typeface="Arial" panose="020B0604020202020204" pitchFamily="34" charset="0"/>
+                        </a:rPr>
+                        <a:t>P. Papasaikas</a:t>
+                      </a:r>
+                      <a:r>
+                        <a:rPr lang="en-US" sz="1200" b="0" i="0" u="none" strike="noStrike">
+                          <a:solidFill>
+                            <a:srgbClr val="000000"/>
+                          </a:solidFill>
+                          <a:effectLst/>
+                          <a:latin typeface="Arial" panose="020B0604020202020204" pitchFamily="34" charset="0"/>
+                          <a:cs typeface="Arial" panose="020B0604020202020204" pitchFamily="34" charset="0"/>
+                        </a:rPr>
+                        <a:t>)</a:t>
+                      </a:r>
+                      <a:endParaRPr lang="en-US" sz="1600">
+                        <a:effectLst/>
+                        <a:latin typeface="Arial" panose="020B0604020202020204" pitchFamily="34" charset="0"/>
+                        <a:cs typeface="Arial" panose="020B0604020202020204" pitchFamily="34" charset="0"/>
+                      </a:endParaRPr>
+                    </a:p>
+                  </a:txBody>
+                  <a:tcPr marL="18338" marR="18338" marT="18338" marB="18338">
+                    <a:lnL>
+                      <a:noFill/>
+                    </a:lnL>
+                    <a:lnR>
+                      <a:noFill/>
+                    </a:lnR>
+                    <a:lnT>
+                      <a:noFill/>
+                    </a:lnT>
+                    <a:lnB>
+                      <a:noFill/>
+                    </a:lnB>
+                  </a:tcPr>
+                </a:tc>
+                <a:extLst>
+                  <a:ext uri="{0D108BD9-81ED-4DB2-BD59-A6C34878D82A}">
+                    <a16:rowId xmlns:a16="http://schemas.microsoft.com/office/drawing/2014/main" val="4276197291"/>
+                  </a:ext>
+                </a:extLst>
+              </a:tr>
+              <a:tr h="263077">
+                <a:tc>
+                  <a:txBody>
+                    <a:bodyPr/>
+                    <a:lstStyle/>
+                    <a:p>
+                      <a:pPr rtl="0" fontAlgn="t">
+                        <a:spcBef>
+                          <a:spcPts val="0"/>
+                        </a:spcBef>
+                        <a:spcAft>
+                          <a:spcPts val="0"/>
+                        </a:spcAft>
+                      </a:pPr>
+                      <a:r>
+                        <a:rPr lang="de-CH" sz="1200" b="0" i="0" u="none" strike="noStrike">
+                          <a:solidFill>
+                            <a:srgbClr val="000000"/>
+                          </a:solidFill>
+                          <a:effectLst/>
+                          <a:latin typeface="Arial" panose="020B0604020202020204" pitchFamily="34" charset="0"/>
+                          <a:cs typeface="Arial" panose="020B0604020202020204" pitchFamily="34" charset="0"/>
+                        </a:rPr>
+                        <a:t>14:30 - 14:45</a:t>
+                      </a:r>
+                      <a:endParaRPr lang="de-CH" sz="1600">
+                        <a:effectLst/>
+                        <a:latin typeface="Arial" panose="020B0604020202020204" pitchFamily="34" charset="0"/>
+                        <a:cs typeface="Arial" panose="020B0604020202020204" pitchFamily="34" charset="0"/>
+                      </a:endParaRPr>
+                    </a:p>
+                  </a:txBody>
+                  <a:tcPr marL="18338" marR="18338" marT="18338" marB="18338">
+                    <a:lnL>
+                      <a:noFill/>
+                    </a:lnL>
+                    <a:lnR>
+                      <a:noFill/>
+                    </a:lnR>
+                    <a:lnT>
+                      <a:noFill/>
+                    </a:lnT>
+                    <a:lnB>
+                      <a:noFill/>
+                    </a:lnB>
+                    <a:solidFill>
+                      <a:schemeClr val="bg1">
+                        <a:lumMod val="95000"/>
+                      </a:schemeClr>
+                    </a:solidFill>
+                  </a:tcPr>
+                </a:tc>
+                <a:tc>
+                  <a:txBody>
+                    <a:bodyPr/>
+                    <a:lstStyle/>
+                    <a:p>
+                      <a:pPr rtl="0" fontAlgn="t">
+                        <a:spcBef>
+                          <a:spcPts val="0"/>
+                        </a:spcBef>
+                        <a:spcAft>
+                          <a:spcPts val="0"/>
+                        </a:spcAft>
+                      </a:pPr>
+                      <a:r>
+                        <a:rPr lang="de-CH" sz="1200" b="0" i="1" u="none" strike="noStrike" dirty="0">
+                          <a:solidFill>
+                            <a:srgbClr val="000000"/>
+                          </a:solidFill>
+                          <a:effectLst/>
+                          <a:latin typeface="Arial" panose="020B0604020202020204" pitchFamily="34" charset="0"/>
+                          <a:cs typeface="Arial" panose="020B0604020202020204" pitchFamily="34" charset="0"/>
+                        </a:rPr>
+                        <a:t>Break</a:t>
+                      </a:r>
+                      <a:endParaRPr lang="de-CH" sz="1600" dirty="0">
+                        <a:effectLst/>
+                        <a:latin typeface="Arial" panose="020B0604020202020204" pitchFamily="34" charset="0"/>
+                        <a:cs typeface="Arial" panose="020B0604020202020204" pitchFamily="34" charset="0"/>
+                      </a:endParaRPr>
+                    </a:p>
+                  </a:txBody>
+                  <a:tcPr marL="18338" marR="18338" marT="18338" marB="18338">
+                    <a:lnL>
+                      <a:noFill/>
+                    </a:lnL>
+                    <a:lnR>
+                      <a:noFill/>
+                    </a:lnR>
+                    <a:lnT>
+                      <a:noFill/>
+                    </a:lnT>
+                    <a:lnB>
+                      <a:noFill/>
+                    </a:lnB>
+                    <a:solidFill>
+                      <a:schemeClr val="bg1">
+                        <a:lumMod val="95000"/>
+                      </a:schemeClr>
+                    </a:solidFill>
+                  </a:tcPr>
+                </a:tc>
+                <a:extLst>
+                  <a:ext uri="{0D108BD9-81ED-4DB2-BD59-A6C34878D82A}">
+                    <a16:rowId xmlns:a16="http://schemas.microsoft.com/office/drawing/2014/main" val="3293217936"/>
+                  </a:ext>
+                </a:extLst>
+              </a:tr>
+              <a:tr h="263077">
+                <a:tc>
+                  <a:txBody>
+                    <a:bodyPr/>
+                    <a:lstStyle/>
+                    <a:p>
+                      <a:pPr rtl="0" fontAlgn="t">
+                        <a:spcBef>
+                          <a:spcPts val="0"/>
+                        </a:spcBef>
+                        <a:spcAft>
+                          <a:spcPts val="0"/>
+                        </a:spcAft>
+                      </a:pPr>
+                      <a:r>
+                        <a:rPr lang="de-CH" sz="1200" b="0" i="0" u="none" strike="noStrike">
+                          <a:solidFill>
+                            <a:srgbClr val="000000"/>
+                          </a:solidFill>
+                          <a:effectLst/>
+                          <a:latin typeface="Arial" panose="020B0604020202020204" pitchFamily="34" charset="0"/>
+                          <a:cs typeface="Arial" panose="020B0604020202020204" pitchFamily="34" charset="0"/>
+                        </a:rPr>
+                        <a:t>14:45 - 15:45</a:t>
+                      </a:r>
+                      <a:endParaRPr lang="de-CH" sz="1600">
+                        <a:effectLst/>
+                        <a:latin typeface="Arial" panose="020B0604020202020204" pitchFamily="34" charset="0"/>
+                        <a:cs typeface="Arial" panose="020B0604020202020204" pitchFamily="34" charset="0"/>
+                      </a:endParaRPr>
+                    </a:p>
+                  </a:txBody>
+                  <a:tcPr marL="18338" marR="18338" marT="18338" marB="18338">
+                    <a:lnL>
+                      <a:noFill/>
+                    </a:lnL>
+                    <a:lnR>
+                      <a:noFill/>
+                    </a:lnR>
+                    <a:lnT>
+                      <a:noFill/>
+                    </a:lnT>
+                    <a:lnB>
+                      <a:noFill/>
+                    </a:lnB>
+                  </a:tcPr>
+                </a:tc>
+                <a:tc>
+                  <a:txBody>
+                    <a:bodyPr/>
+                    <a:lstStyle/>
+                    <a:p>
+                      <a:pPr rtl="0" fontAlgn="t">
+                        <a:spcBef>
+                          <a:spcPts val="0"/>
+                        </a:spcBef>
+                        <a:spcAft>
+                          <a:spcPts val="0"/>
+                        </a:spcAft>
+                      </a:pPr>
+                      <a:r>
+                        <a:rPr lang="de-CH" sz="1200" b="0" i="0" u="none" strike="noStrike">
+                          <a:solidFill>
+                            <a:srgbClr val="000000"/>
+                          </a:solidFill>
+                          <a:effectLst/>
+                          <a:latin typeface="Arial" panose="020B0604020202020204" pitchFamily="34" charset="0"/>
+                          <a:cs typeface="Arial" panose="020B0604020202020204" pitchFamily="34" charset="0"/>
+                        </a:rPr>
+                        <a:t>Deep Generative Networks (continued)</a:t>
+                      </a:r>
+                      <a:endParaRPr lang="de-CH" sz="1600">
+                        <a:effectLst/>
+                        <a:latin typeface="Arial" panose="020B0604020202020204" pitchFamily="34" charset="0"/>
+                        <a:cs typeface="Arial" panose="020B0604020202020204" pitchFamily="34" charset="0"/>
+                      </a:endParaRPr>
+                    </a:p>
+                  </a:txBody>
+                  <a:tcPr marL="18338" marR="18338" marT="18338" marB="18338">
+                    <a:lnL>
+                      <a:noFill/>
+                    </a:lnL>
+                    <a:lnR>
+                      <a:noFill/>
+                    </a:lnR>
+                    <a:lnT>
+                      <a:noFill/>
+                    </a:lnT>
+                    <a:lnB>
+                      <a:noFill/>
+                    </a:lnB>
+                  </a:tcPr>
+                </a:tc>
+                <a:extLst>
+                  <a:ext uri="{0D108BD9-81ED-4DB2-BD59-A6C34878D82A}">
+                    <a16:rowId xmlns:a16="http://schemas.microsoft.com/office/drawing/2014/main" val="1825965741"/>
+                  </a:ext>
+                </a:extLst>
+              </a:tr>
+              <a:tr h="263077">
+                <a:tc>
+                  <a:txBody>
+                    <a:bodyPr/>
+                    <a:lstStyle/>
+                    <a:p>
+                      <a:pPr rtl="0" fontAlgn="t">
+                        <a:spcBef>
+                          <a:spcPts val="0"/>
+                        </a:spcBef>
+                        <a:spcAft>
+                          <a:spcPts val="0"/>
+                        </a:spcAft>
+                      </a:pPr>
+                      <a:r>
+                        <a:rPr lang="de-CH" sz="1200" b="0" i="0" u="none" strike="noStrike">
+                          <a:solidFill>
+                            <a:srgbClr val="000000"/>
+                          </a:solidFill>
+                          <a:effectLst/>
+                          <a:latin typeface="Arial" panose="020B0604020202020204" pitchFamily="34" charset="0"/>
+                          <a:cs typeface="Arial" panose="020B0604020202020204" pitchFamily="34" charset="0"/>
+                        </a:rPr>
+                        <a:t>15:45 - 16:00</a:t>
+                      </a:r>
+                      <a:endParaRPr lang="de-CH" sz="1600">
+                        <a:effectLst/>
+                        <a:latin typeface="Arial" panose="020B0604020202020204" pitchFamily="34" charset="0"/>
+                        <a:cs typeface="Arial" panose="020B0604020202020204" pitchFamily="34" charset="0"/>
+                      </a:endParaRPr>
+                    </a:p>
+                  </a:txBody>
+                  <a:tcPr marL="18338" marR="18338" marT="18338" marB="18338">
+                    <a:lnL>
+                      <a:noFill/>
+                    </a:lnL>
+                    <a:lnR>
+                      <a:noFill/>
+                    </a:lnR>
+                    <a:lnT>
+                      <a:noFill/>
+                    </a:lnT>
+                    <a:lnB>
+                      <a:noFill/>
+                    </a:lnB>
+                    <a:solidFill>
+                      <a:schemeClr val="bg1">
+                        <a:lumMod val="95000"/>
+                      </a:schemeClr>
+                    </a:solidFill>
+                  </a:tcPr>
+                </a:tc>
+                <a:tc>
+                  <a:txBody>
+                    <a:bodyPr/>
+                    <a:lstStyle/>
+                    <a:p>
+                      <a:pPr rtl="0" fontAlgn="t">
+                        <a:spcBef>
+                          <a:spcPts val="0"/>
+                        </a:spcBef>
+                        <a:spcAft>
+                          <a:spcPts val="0"/>
+                        </a:spcAft>
+                      </a:pPr>
+                      <a:r>
+                        <a:rPr lang="de-CH" sz="1200" b="0" i="1" u="none" strike="noStrike" dirty="0">
+                          <a:solidFill>
+                            <a:srgbClr val="000000"/>
+                          </a:solidFill>
+                          <a:effectLst/>
+                          <a:latin typeface="Arial" panose="020B0604020202020204" pitchFamily="34" charset="0"/>
+                          <a:cs typeface="Arial" panose="020B0604020202020204" pitchFamily="34" charset="0"/>
+                        </a:rPr>
+                        <a:t>Break</a:t>
+                      </a:r>
+                      <a:endParaRPr lang="de-CH" sz="1600" dirty="0">
+                        <a:effectLst/>
+                        <a:latin typeface="Arial" panose="020B0604020202020204" pitchFamily="34" charset="0"/>
+                        <a:cs typeface="Arial" panose="020B0604020202020204" pitchFamily="34" charset="0"/>
+                      </a:endParaRPr>
+                    </a:p>
+                  </a:txBody>
+                  <a:tcPr marL="18338" marR="18338" marT="18338" marB="18338">
+                    <a:lnL>
+                      <a:noFill/>
+                    </a:lnL>
+                    <a:lnR>
+                      <a:noFill/>
+                    </a:lnR>
+                    <a:lnT>
+                      <a:noFill/>
+                    </a:lnT>
+                    <a:lnB>
+                      <a:noFill/>
+                    </a:lnB>
+                    <a:solidFill>
+                      <a:schemeClr val="bg1">
+                        <a:lumMod val="95000"/>
+                      </a:schemeClr>
+                    </a:solidFill>
+                  </a:tcPr>
+                </a:tc>
+                <a:extLst>
+                  <a:ext uri="{0D108BD9-81ED-4DB2-BD59-A6C34878D82A}">
+                    <a16:rowId xmlns:a16="http://schemas.microsoft.com/office/drawing/2014/main" val="1083864807"/>
+                  </a:ext>
+                </a:extLst>
+              </a:tr>
+              <a:tr h="263077">
+                <a:tc>
+                  <a:txBody>
+                    <a:bodyPr/>
+                    <a:lstStyle/>
+                    <a:p>
+                      <a:pPr rtl="0" fontAlgn="t">
+                        <a:spcBef>
+                          <a:spcPts val="0"/>
+                        </a:spcBef>
+                        <a:spcAft>
+                          <a:spcPts val="0"/>
+                        </a:spcAft>
+                      </a:pPr>
+                      <a:r>
+                        <a:rPr lang="de-CH" sz="1200" b="0" i="0" u="none" strike="noStrike">
+                          <a:solidFill>
+                            <a:srgbClr val="000000"/>
+                          </a:solidFill>
+                          <a:effectLst/>
+                          <a:latin typeface="Arial" panose="020B0604020202020204" pitchFamily="34" charset="0"/>
+                          <a:cs typeface="Arial" panose="020B0604020202020204" pitchFamily="34" charset="0"/>
+                        </a:rPr>
+                        <a:t>16:00 - 17:00</a:t>
+                      </a:r>
+                      <a:endParaRPr lang="de-CH" sz="1600">
+                        <a:effectLst/>
+                        <a:latin typeface="Arial" panose="020B0604020202020204" pitchFamily="34" charset="0"/>
+                        <a:cs typeface="Arial" panose="020B0604020202020204" pitchFamily="34" charset="0"/>
+                      </a:endParaRPr>
+                    </a:p>
+                  </a:txBody>
+                  <a:tcPr marL="18338" marR="18338" marT="18338" marB="18338">
+                    <a:lnL>
+                      <a:noFill/>
+                    </a:lnL>
+                    <a:lnR>
+                      <a:noFill/>
+                    </a:lnR>
+                    <a:lnT>
+                      <a:noFill/>
+                    </a:lnT>
+                    <a:lnB>
+                      <a:noFill/>
+                    </a:lnB>
+                  </a:tcPr>
+                </a:tc>
+                <a:tc>
+                  <a:txBody>
+                    <a:bodyPr/>
+                    <a:lstStyle/>
+                    <a:p>
+                      <a:pPr rtl="0" fontAlgn="t">
+                        <a:spcBef>
+                          <a:spcPts val="0"/>
+                        </a:spcBef>
+                        <a:spcAft>
+                          <a:spcPts val="0"/>
+                        </a:spcAft>
+                      </a:pPr>
+                      <a:r>
+                        <a:rPr lang="de-CH" sz="1200" b="0" i="0" u="none" strike="noStrike">
+                          <a:solidFill>
+                            <a:srgbClr val="000000"/>
+                          </a:solidFill>
+                          <a:effectLst/>
+                          <a:latin typeface="Arial" panose="020B0604020202020204" pitchFamily="34" charset="0"/>
+                          <a:cs typeface="Arial" panose="020B0604020202020204" pitchFamily="34" charset="0"/>
+                        </a:rPr>
+                        <a:t>Deep Generative Networks (continued)</a:t>
+                      </a:r>
+                      <a:endParaRPr lang="de-CH" sz="1600">
+                        <a:effectLst/>
+                        <a:latin typeface="Arial" panose="020B0604020202020204" pitchFamily="34" charset="0"/>
+                        <a:cs typeface="Arial" panose="020B0604020202020204" pitchFamily="34" charset="0"/>
+                      </a:endParaRPr>
+                    </a:p>
+                  </a:txBody>
+                  <a:tcPr marL="18338" marR="18338" marT="18338" marB="18338">
+                    <a:lnL>
+                      <a:noFill/>
+                    </a:lnL>
+                    <a:lnR>
+                      <a:noFill/>
+                    </a:lnR>
+                    <a:lnT>
+                      <a:noFill/>
+                    </a:lnT>
+                    <a:lnB>
+                      <a:noFill/>
+                    </a:lnB>
+                  </a:tcPr>
+                </a:tc>
+                <a:extLst>
+                  <a:ext uri="{0D108BD9-81ED-4DB2-BD59-A6C34878D82A}">
+                    <a16:rowId xmlns:a16="http://schemas.microsoft.com/office/drawing/2014/main" val="2975122728"/>
+                  </a:ext>
+                </a:extLst>
+              </a:tr>
+              <a:tr h="263077">
+                <a:tc>
+                  <a:txBody>
+                    <a:bodyPr/>
+                    <a:lstStyle/>
+                    <a:p>
+                      <a:pPr rtl="0" fontAlgn="t">
+                        <a:spcBef>
+                          <a:spcPts val="0"/>
+                        </a:spcBef>
+                        <a:spcAft>
+                          <a:spcPts val="0"/>
+                        </a:spcAft>
+                      </a:pPr>
+                      <a:r>
+                        <a:rPr lang="de-CH" sz="1200" b="0" i="0" u="none" strike="noStrike">
+                          <a:solidFill>
+                            <a:srgbClr val="000000"/>
+                          </a:solidFill>
+                          <a:effectLst/>
+                          <a:latin typeface="Arial" panose="020B0604020202020204" pitchFamily="34" charset="0"/>
+                          <a:cs typeface="Arial" panose="020B0604020202020204" pitchFamily="34" charset="0"/>
+                        </a:rPr>
+                        <a:t>17:00 - 17:30</a:t>
+                      </a:r>
+                      <a:endParaRPr lang="de-CH" sz="1600">
+                        <a:effectLst/>
+                        <a:latin typeface="Arial" panose="020B0604020202020204" pitchFamily="34" charset="0"/>
+                        <a:cs typeface="Arial" panose="020B0604020202020204" pitchFamily="34" charset="0"/>
+                      </a:endParaRPr>
+                    </a:p>
+                  </a:txBody>
+                  <a:tcPr marL="18338" marR="18338" marT="18338" marB="18338">
+                    <a:lnL>
+                      <a:noFill/>
+                    </a:lnL>
+                    <a:lnR>
+                      <a:noFill/>
+                    </a:lnR>
+                    <a:lnT>
+                      <a:noFill/>
+                    </a:lnT>
+                    <a:lnB>
+                      <a:noFill/>
+                    </a:lnB>
+                  </a:tcPr>
+                </a:tc>
+                <a:tc>
+                  <a:txBody>
+                    <a:bodyPr/>
+                    <a:lstStyle/>
+                    <a:p>
+                      <a:pPr rtl="0" fontAlgn="t">
+                        <a:spcBef>
+                          <a:spcPts val="0"/>
+                        </a:spcBef>
+                        <a:spcAft>
+                          <a:spcPts val="0"/>
+                        </a:spcAft>
+                      </a:pPr>
+                      <a:r>
+                        <a:rPr lang="en-US" sz="1200" b="0" i="0" u="none" strike="noStrike" dirty="0">
+                          <a:solidFill>
+                            <a:srgbClr val="000000"/>
+                          </a:solidFill>
+                          <a:effectLst/>
+                          <a:latin typeface="Arial" panose="020B0604020202020204" pitchFamily="34" charset="0"/>
+                          <a:cs typeface="Arial" panose="020B0604020202020204" pitchFamily="34" charset="0"/>
+                        </a:rPr>
+                        <a:t>Wrap-up (feedback form, slack workspace, </a:t>
+                      </a:r>
+                      <a:r>
+                        <a:rPr lang="en-US" sz="1200" b="0" i="1" u="none" strike="noStrike" dirty="0">
+                          <a:solidFill>
+                            <a:srgbClr val="000000"/>
+                          </a:solidFill>
+                          <a:effectLst/>
+                          <a:latin typeface="Arial" panose="020B0604020202020204" pitchFamily="34" charset="0"/>
+                          <a:cs typeface="Arial" panose="020B0604020202020204" pitchFamily="34" charset="0"/>
+                        </a:rPr>
+                        <a:t>all</a:t>
+                      </a:r>
+                      <a:r>
+                        <a:rPr lang="en-US" sz="1200" b="0" i="0" u="none" strike="noStrike" dirty="0">
+                          <a:solidFill>
+                            <a:srgbClr val="000000"/>
+                          </a:solidFill>
+                          <a:effectLst/>
+                          <a:latin typeface="Arial" panose="020B0604020202020204" pitchFamily="34" charset="0"/>
+                          <a:cs typeface="Arial" panose="020B0604020202020204" pitchFamily="34" charset="0"/>
+                        </a:rPr>
+                        <a:t>)</a:t>
+                      </a:r>
+                      <a:endParaRPr lang="en-US" sz="1600" dirty="0">
+                        <a:effectLst/>
+                        <a:latin typeface="Arial" panose="020B0604020202020204" pitchFamily="34" charset="0"/>
+                        <a:cs typeface="Arial" panose="020B0604020202020204" pitchFamily="34" charset="0"/>
+                      </a:endParaRPr>
+                    </a:p>
+                  </a:txBody>
+                  <a:tcPr marL="18338" marR="18338" marT="18338" marB="18338">
+                    <a:lnL>
+                      <a:noFill/>
+                    </a:lnL>
+                    <a:lnR>
+                      <a:noFill/>
+                    </a:lnR>
+                    <a:lnT>
+                      <a:noFill/>
+                    </a:lnT>
+                    <a:lnB>
+                      <a:noFill/>
+                    </a:lnB>
+                  </a:tcPr>
+                </a:tc>
+                <a:extLst>
+                  <a:ext uri="{0D108BD9-81ED-4DB2-BD59-A6C34878D82A}">
+                    <a16:rowId xmlns:a16="http://schemas.microsoft.com/office/drawing/2014/main" val="2771751503"/>
+                  </a:ext>
+                </a:extLst>
+              </a:tr>
+            </a:tbl>
+          </a:graphicData>
+        </a:graphic>
+      </p:graphicFrame>
+      <p:sp>
+        <p:nvSpPr>
+          <p:cNvPr id="4" name="Rechteck 3">
             <a:extLst>
-              <a:ext uri="{28A0092B-C50C-407E-A947-70E740481C1C}">
-                <a14:useLocalDpi xmlns:a14="http://schemas.microsoft.com/office/drawing/2010/main" val="0"/>
+              <a:ext uri="{FF2B5EF4-FFF2-40B4-BE49-F238E27FC236}">
+                <a16:creationId xmlns:a16="http://schemas.microsoft.com/office/drawing/2014/main" id="{64E2FDA0-08E7-4816-A585-38F57565223A}"/>
               </a:ext>
             </a:extLst>
-          </a:blip>
-          <a:stretch>
-            <a:fillRect/>
-          </a:stretch>
-        </p:blipFill>
+          </p:cNvPr>
+          <p:cNvSpPr/>
+          <p:nvPr/>
+        </p:nvSpPr>
         <p:spPr>
           <a:xfrm>
-            <a:off x="2416373" y="1499394"/>
-            <a:ext cx="7359253" cy="4906169"/>
+            <a:off x="1013498" y="1549189"/>
+            <a:ext cx="6984000" cy="1299809"/>
           </a:xfrm>
+          <a:prstGeom prst="rect">
+            <a:avLst/>
+          </a:prstGeom>
+          <a:solidFill>
+            <a:schemeClr val="accent2">
+              <a:lumMod val="40000"/>
+              <a:lumOff val="60000"/>
+              <a:alpha val="30000"/>
+            </a:schemeClr>
+          </a:solidFill>
+          <a:ln>
+            <a:noFill/>
+          </a:ln>
         </p:spPr>
-      </p:pic>
+        <p:style>
+          <a:lnRef idx="2">
+            <a:schemeClr val="accent1">
+              <a:shade val="50000"/>
+            </a:schemeClr>
+          </a:lnRef>
+          <a:fillRef idx="1">
+            <a:schemeClr val="accent1"/>
+          </a:fillRef>
+          <a:effectRef idx="0">
+            <a:schemeClr val="accent1"/>
+          </a:effectRef>
+          <a:fontRef idx="minor">
+            <a:schemeClr val="lt1"/>
+          </a:fontRef>
+        </p:style>
+        <p:txBody>
+          <a:bodyPr rtlCol="0" anchor="ctr"/>
+          <a:lstStyle/>
+          <a:p>
+            <a:pPr algn="ctr"/>
+            <a:endParaRPr lang="de-CH"/>
+          </a:p>
+        </p:txBody>
+      </p:sp>
+      <p:sp>
+        <p:nvSpPr>
+          <p:cNvPr id="5" name="Textfeld 4">
+            <a:extLst>
+              <a:ext uri="{FF2B5EF4-FFF2-40B4-BE49-F238E27FC236}">
+                <a16:creationId xmlns:a16="http://schemas.microsoft.com/office/drawing/2014/main" id="{1F26F209-8562-4B8C-B117-9D45A157FCFE}"/>
+              </a:ext>
+            </a:extLst>
+          </p:cNvPr>
+          <p:cNvSpPr txBox="1"/>
+          <p:nvPr/>
+        </p:nvSpPr>
+        <p:spPr>
+          <a:xfrm>
+            <a:off x="8894839" y="1968260"/>
+            <a:ext cx="1716880" cy="461665"/>
+          </a:xfrm>
+          <a:prstGeom prst="rect">
+            <a:avLst/>
+          </a:prstGeom>
+          <a:noFill/>
+        </p:spPr>
+        <p:txBody>
+          <a:bodyPr wrap="none" rtlCol="0">
+            <a:spAutoFit/>
+          </a:bodyPr>
+          <a:lstStyle/>
+          <a:p>
+            <a:pPr algn="ctr"/>
+            <a:r>
+              <a:rPr lang="en-US" sz="2400" dirty="0">
+                <a:solidFill>
+                  <a:schemeClr val="accent2">
+                    <a:lumMod val="75000"/>
+                  </a:schemeClr>
+                </a:solidFill>
+              </a:rPr>
+              <a:t>on-disk data</a:t>
+            </a:r>
+            <a:endParaRPr lang="de-CH" sz="2400" dirty="0">
+              <a:solidFill>
+                <a:schemeClr val="accent2">
+                  <a:lumMod val="75000"/>
+                </a:schemeClr>
+              </a:solidFill>
+            </a:endParaRPr>
+          </a:p>
+        </p:txBody>
+      </p:sp>
+      <p:sp>
+        <p:nvSpPr>
+          <p:cNvPr id="7" name="Rechteck 6">
+            <a:extLst>
+              <a:ext uri="{FF2B5EF4-FFF2-40B4-BE49-F238E27FC236}">
+                <a16:creationId xmlns:a16="http://schemas.microsoft.com/office/drawing/2014/main" id="{2E0CAFEC-4F6C-4AE9-8ADD-83CB1D7FA188}"/>
+              </a:ext>
+            </a:extLst>
+          </p:cNvPr>
+          <p:cNvSpPr/>
+          <p:nvPr/>
+        </p:nvSpPr>
+        <p:spPr>
+          <a:xfrm>
+            <a:off x="1013498" y="3113284"/>
+            <a:ext cx="6984000" cy="1299809"/>
+          </a:xfrm>
+          <a:prstGeom prst="rect">
+            <a:avLst/>
+          </a:prstGeom>
+          <a:solidFill>
+            <a:schemeClr val="accent2">
+              <a:lumMod val="40000"/>
+              <a:lumOff val="60000"/>
+              <a:alpha val="30000"/>
+            </a:schemeClr>
+          </a:solidFill>
+          <a:ln>
+            <a:noFill/>
+          </a:ln>
+        </p:spPr>
+        <p:style>
+          <a:lnRef idx="2">
+            <a:schemeClr val="accent1">
+              <a:shade val="50000"/>
+            </a:schemeClr>
+          </a:lnRef>
+          <a:fillRef idx="1">
+            <a:schemeClr val="accent1"/>
+          </a:fillRef>
+          <a:effectRef idx="0">
+            <a:schemeClr val="accent1"/>
+          </a:effectRef>
+          <a:fontRef idx="minor">
+            <a:schemeClr val="lt1"/>
+          </a:fontRef>
+        </p:style>
+        <p:txBody>
+          <a:bodyPr rtlCol="0" anchor="ctr"/>
+          <a:lstStyle/>
+          <a:p>
+            <a:pPr algn="ctr"/>
+            <a:endParaRPr lang="de-CH"/>
+          </a:p>
+        </p:txBody>
+      </p:sp>
+      <p:sp>
+        <p:nvSpPr>
+          <p:cNvPr id="8" name="Textfeld 7">
+            <a:extLst>
+              <a:ext uri="{FF2B5EF4-FFF2-40B4-BE49-F238E27FC236}">
+                <a16:creationId xmlns:a16="http://schemas.microsoft.com/office/drawing/2014/main" id="{56FCC3BD-08E5-46BA-9368-9CDA6E8C6E59}"/>
+              </a:ext>
+            </a:extLst>
+          </p:cNvPr>
+          <p:cNvSpPr txBox="1"/>
+          <p:nvPr/>
+        </p:nvSpPr>
+        <p:spPr>
+          <a:xfrm>
+            <a:off x="8036178" y="3532355"/>
+            <a:ext cx="3434210" cy="461665"/>
+          </a:xfrm>
+          <a:prstGeom prst="rect">
+            <a:avLst/>
+          </a:prstGeom>
+          <a:noFill/>
+        </p:spPr>
+        <p:txBody>
+          <a:bodyPr wrap="none" rtlCol="0">
+            <a:spAutoFit/>
+          </a:bodyPr>
+          <a:lstStyle/>
+          <a:p>
+            <a:pPr algn="ctr"/>
+            <a:r>
+              <a:rPr lang="en-US" sz="2400" dirty="0">
+                <a:solidFill>
+                  <a:schemeClr val="accent2">
+                    <a:lumMod val="75000"/>
+                  </a:schemeClr>
+                </a:solidFill>
+              </a:rPr>
+              <a:t>deep generative networks</a:t>
+            </a:r>
+            <a:endParaRPr lang="de-CH" sz="2400" dirty="0">
+              <a:solidFill>
+                <a:schemeClr val="accent2">
+                  <a:lumMod val="75000"/>
+                </a:schemeClr>
+              </a:solidFill>
+            </a:endParaRPr>
+          </a:p>
+        </p:txBody>
+      </p:sp>
     </p:spTree>
     <p:extLst>
       <p:ext uri="{BB962C8B-B14F-4D97-AF65-F5344CB8AC3E}">
-        <p14:creationId xmlns:p14="http://schemas.microsoft.com/office/powerpoint/2010/main" val="3201577549"/>
+        <p14:creationId xmlns:p14="http://schemas.microsoft.com/office/powerpoint/2010/main" val="3476867089"/>
       </p:ext>
     </p:extLst>
   </p:cSld>
   <p:clrMapOvr>
     <a:masterClrMapping/>
   </p:clrMapOvr>
+  <p:timing>
+    <p:tnLst>
+      <p:par>
+        <p:cTn id="1" dur="indefinite" restart="never" nodeType="tmRoot">
+          <p:childTnLst>
+            <p:seq concurrent="1" nextAc="seek">
+              <p:cTn id="2" dur="indefinite" nodeType="mainSeq">
+                <p:childTnLst>
+                  <p:par>
+                    <p:cTn id="3" fill="hold">
+                      <p:stCondLst>
+                        <p:cond delay="indefinite"/>
+                      </p:stCondLst>
+                      <p:childTnLst>
+                        <p:par>
+                          <p:cTn id="4" fill="hold">
+                            <p:stCondLst>
+                              <p:cond delay="0"/>
+                            </p:stCondLst>
+                            <p:childTnLst>
+                              <p:par>
+                                <p:cTn id="5" presetID="1" presetClass="entr" presetSubtype="0" fill="hold" grpId="0" nodeType="clickEffect">
+                                  <p:stCondLst>
+                                    <p:cond delay="0"/>
+                                  </p:stCondLst>
+                                  <p:childTnLst>
+                                    <p:set>
+                                      <p:cBhvr>
+                                        <p:cTn id="6" dur="1" fill="hold">
+                                          <p:stCondLst>
+                                            <p:cond delay="0"/>
+                                          </p:stCondLst>
+                                        </p:cTn>
+                                        <p:tgtEl>
+                                          <p:spTgt spid="4"/>
+                                        </p:tgtEl>
+                                        <p:attrNameLst>
+                                          <p:attrName>style.visibility</p:attrName>
+                                        </p:attrNameLst>
+                                      </p:cBhvr>
+                                      <p:to>
+                                        <p:strVal val="visible"/>
+                                      </p:to>
+                                    </p:set>
+                                  </p:childTnLst>
+                                </p:cTn>
+                              </p:par>
+                              <p:par>
+                                <p:cTn id="7" presetID="1" presetClass="entr" presetSubtype="0" fill="hold" grpId="0" nodeType="withEffect">
+                                  <p:stCondLst>
+                                    <p:cond delay="0"/>
+                                  </p:stCondLst>
+                                  <p:childTnLst>
+                                    <p:set>
+                                      <p:cBhvr>
+                                        <p:cTn id="8" dur="1" fill="hold">
+                                          <p:stCondLst>
+                                            <p:cond delay="0"/>
+                                          </p:stCondLst>
+                                        </p:cTn>
+                                        <p:tgtEl>
+                                          <p:spTgt spid="5"/>
+                                        </p:tgtEl>
+                                        <p:attrNameLst>
+                                          <p:attrName>style.visibility</p:attrName>
+                                        </p:attrNameLst>
+                                      </p:cBhvr>
+                                      <p:to>
+                                        <p:strVal val="visible"/>
+                                      </p:to>
+                                    </p:set>
+                                  </p:childTnLst>
+                                </p:cTn>
+                              </p:par>
+                            </p:childTnLst>
+                          </p:cTn>
+                        </p:par>
+                      </p:childTnLst>
+                    </p:cTn>
+                  </p:par>
+                  <p:par>
+                    <p:cTn id="9" fill="hold">
+                      <p:stCondLst>
+                        <p:cond delay="indefinite"/>
+                      </p:stCondLst>
+                      <p:childTnLst>
+                        <p:par>
+                          <p:cTn id="10" fill="hold">
+                            <p:stCondLst>
+                              <p:cond delay="0"/>
+                            </p:stCondLst>
+                            <p:childTnLst>
+                              <p:par>
+                                <p:cTn id="11" presetID="1" presetClass="entr" presetSubtype="0" fill="hold" grpId="0" nodeType="clickEffect">
+                                  <p:stCondLst>
+                                    <p:cond delay="0"/>
+                                  </p:stCondLst>
+                                  <p:childTnLst>
+                                    <p:set>
+                                      <p:cBhvr>
+                                        <p:cTn id="12" dur="1" fill="hold">
+                                          <p:stCondLst>
+                                            <p:cond delay="0"/>
+                                          </p:stCondLst>
+                                        </p:cTn>
+                                        <p:tgtEl>
+                                          <p:spTgt spid="7"/>
+                                        </p:tgtEl>
+                                        <p:attrNameLst>
+                                          <p:attrName>style.visibility</p:attrName>
+                                        </p:attrNameLst>
+                                      </p:cBhvr>
+                                      <p:to>
+                                        <p:strVal val="visible"/>
+                                      </p:to>
+                                    </p:set>
+                                  </p:childTnLst>
+                                </p:cTn>
+                              </p:par>
+                              <p:par>
+                                <p:cTn id="13" presetID="1" presetClass="entr" presetSubtype="0" fill="hold" grpId="0" nodeType="withEffect">
+                                  <p:stCondLst>
+                                    <p:cond delay="0"/>
+                                  </p:stCondLst>
+                                  <p:childTnLst>
+                                    <p:set>
+                                      <p:cBhvr>
+                                        <p:cTn id="14" dur="1" fill="hold">
+                                          <p:stCondLst>
+                                            <p:cond delay="0"/>
+                                          </p:stCondLst>
+                                        </p:cTn>
+                                        <p:tgtEl>
+                                          <p:spTgt spid="8"/>
+                                        </p:tgtEl>
+                                        <p:attrNameLst>
+                                          <p:attrName>style.visibility</p:attrName>
+                                        </p:attrNameLst>
+                                      </p:cBhvr>
+                                      <p:to>
+                                        <p:strVal val="visible"/>
+                                      </p:to>
+                                    </p:set>
+                                  </p:childTnLst>
+                                </p:cTn>
+                              </p:par>
+                            </p:childTnLst>
+                          </p:cTn>
+                        </p:par>
+                      </p:childTnLst>
+                    </p:cTn>
+                  </p:par>
+                </p:childTnLst>
+              </p:cTn>
+              <p:prevCondLst>
+                <p:cond evt="onPrev" delay="0">
+                  <p:tgtEl>
+                    <p:sldTgt/>
+                  </p:tgtEl>
+                </p:cond>
+              </p:prevCondLst>
+              <p:nextCondLst>
+                <p:cond evt="onNext" delay="0">
+                  <p:tgtEl>
+                    <p:sldTgt/>
+                  </p:tgtEl>
+                </p:cond>
+              </p:nextCondLst>
+            </p:seq>
+          </p:childTnLst>
+        </p:cTn>
+      </p:par>
+    </p:tnLst>
+    <p:bldLst>
+      <p:bldP spid="4" grpId="0" animBg="1"/>
+      <p:bldP spid="5" grpId="0"/>
+      <p:bldP spid="7" grpId="0" animBg="1"/>
+      <p:bldP spid="8" grpId="0"/>
+    </p:bldLst>
+  </p:timing>
 </p:sld>
 </file>
 
@@ -3901,7 +10347,7 @@
           <a:p>
             <a:r>
               <a:rPr lang="en-US" dirty="0"/>
-              <a:t>Expected Prerequisites</a:t>
+              <a:t>Expected Prerequisites: Single-cell Analysis</a:t>
             </a:r>
             <a:endParaRPr lang="de-CH" dirty="0"/>
           </a:p>
@@ -3930,24 +10376,172 @@
           <a:p>
             <a:r>
               <a:rPr lang="en-US" dirty="0"/>
-              <a:t>R/python scripting (link1, link2)</a:t>
-            </a:r>
-          </a:p>
-          <a:p>
+              <a:t>Typical steps of a single cell RNA-seq experiment and analysis</a:t>
+            </a:r>
+          </a:p>
+          <a:p>
+            <a:pPr lvl="1"/>
             <a:r>
               <a:rPr lang="en-US" dirty="0"/>
-              <a:t>git</a:t>
-            </a:r>
-          </a:p>
-          <a:p>
+              <a:t>Cell/nucleus isolation</a:t>
+            </a:r>
+          </a:p>
+          <a:p>
+            <a:pPr lvl="1"/>
             <a:r>
               <a:rPr lang="en-US" dirty="0"/>
-              <a:t>Single cell analysis workflow (link1, link2)</a:t>
+              <a:t>RNA capture/amplification/sequencing</a:t>
+            </a:r>
+          </a:p>
+          <a:p>
+            <a:pPr lvl="1"/>
+            <a:r>
+              <a:rPr lang="en-US" dirty="0"/>
+              <a:t>Alignment and quantification</a:t>
+            </a:r>
+          </a:p>
+          <a:p>
+            <a:pPr lvl="1"/>
+            <a:r>
+              <a:rPr lang="de-CH" dirty="0" err="1"/>
+              <a:t>Normalization</a:t>
+            </a:r>
+            <a:endParaRPr lang="de-CH" dirty="0"/>
+          </a:p>
+          <a:p>
+            <a:pPr lvl="1"/>
+            <a:r>
+              <a:rPr lang="de-CH" dirty="0" err="1"/>
+              <a:t>Dimensionality</a:t>
+            </a:r>
+            <a:r>
+              <a:rPr lang="de-CH" dirty="0"/>
+              <a:t> </a:t>
+            </a:r>
+            <a:r>
+              <a:rPr lang="de-CH" dirty="0" err="1"/>
+              <a:t>reduction</a:t>
+            </a:r>
+            <a:endParaRPr lang="de-CH" dirty="0"/>
+          </a:p>
+          <a:p>
+            <a:pPr lvl="1"/>
+            <a:r>
+              <a:rPr lang="de-CH" dirty="0"/>
+              <a:t>Batch </a:t>
+            </a:r>
+            <a:r>
+              <a:rPr lang="de-CH" dirty="0" err="1"/>
+              <a:t>correction</a:t>
+            </a:r>
+            <a:endParaRPr lang="de-CH" dirty="0"/>
+          </a:p>
+          <a:p>
+            <a:pPr lvl="1"/>
+            <a:r>
+              <a:rPr lang="de-CH" dirty="0"/>
+              <a:t>Clustering</a:t>
+            </a:r>
+          </a:p>
+          <a:p>
+            <a:pPr lvl="1"/>
+            <a:r>
+              <a:rPr lang="de-CH" dirty="0"/>
+              <a:t>Differential </a:t>
+            </a:r>
+            <a:r>
+              <a:rPr lang="de-CH" dirty="0" err="1"/>
+              <a:t>expression</a:t>
+            </a:r>
+            <a:r>
+              <a:rPr lang="de-CH" dirty="0"/>
+              <a:t> </a:t>
+            </a:r>
+            <a:r>
+              <a:rPr lang="de-CH" dirty="0" err="1"/>
+              <a:t>analysis</a:t>
+            </a:r>
+            <a:endParaRPr lang="de-CH" dirty="0"/>
+          </a:p>
+          <a:p>
+            <a:pPr lvl="1"/>
+            <a:r>
+              <a:rPr lang="de-CH" dirty="0" err="1"/>
+              <a:t>Cell</a:t>
+            </a:r>
+            <a:r>
+              <a:rPr lang="de-CH" dirty="0"/>
+              <a:t> </a:t>
+            </a:r>
+            <a:r>
+              <a:rPr lang="de-CH" dirty="0" err="1"/>
+              <a:t>fate</a:t>
+            </a:r>
+            <a:r>
+              <a:rPr lang="de-CH" dirty="0"/>
+              <a:t> </a:t>
+            </a:r>
+            <a:r>
+              <a:rPr lang="de-CH" dirty="0" err="1"/>
+              <a:t>mapping</a:t>
+            </a:r>
+            <a:r>
+              <a:rPr lang="de-CH" dirty="0"/>
+              <a:t> &amp; </a:t>
+            </a:r>
+            <a:r>
+              <a:rPr lang="de-CH" dirty="0" err="1"/>
+              <a:t>trajectories</a:t>
             </a:r>
             <a:endParaRPr lang="de-CH" dirty="0"/>
           </a:p>
         </p:txBody>
       </p:sp>
+      <p:pic>
+        <p:nvPicPr>
+          <p:cNvPr id="2050" name="Picture 2" descr="Clustering-Seminar">
+            <a:extLst>
+              <a:ext uri="{FF2B5EF4-FFF2-40B4-BE49-F238E27FC236}">
+                <a16:creationId xmlns:a16="http://schemas.microsoft.com/office/drawing/2014/main" id="{14511AB5-A1A0-4AD7-B9A5-9555EE20F675}"/>
+              </a:ext>
+            </a:extLst>
+          </p:cNvPr>
+          <p:cNvPicPr>
+            <a:picLocks noChangeAspect="1" noChangeArrowheads="1"/>
+          </p:cNvPicPr>
+          <p:nvPr/>
+        </p:nvPicPr>
+        <p:blipFill rotWithShape="1">
+          <a:blip r:embed="rId2">
+            <a:extLst>
+              <a:ext uri="{28A0092B-C50C-407E-A947-70E740481C1C}">
+                <a14:useLocalDpi xmlns:a14="http://schemas.microsoft.com/office/drawing/2010/main" val="0"/>
+              </a:ext>
+            </a:extLst>
+          </a:blip>
+          <a:srcRect l="8714" t="3594" r="3062" b="7636"/>
+          <a:stretch/>
+        </p:blipFill>
+        <p:spPr bwMode="auto">
+          <a:xfrm>
+            <a:off x="7216726" y="2532184"/>
+            <a:ext cx="3881862" cy="3905826"/>
+          </a:xfrm>
+          <a:prstGeom prst="rect">
+            <a:avLst/>
+          </a:prstGeom>
+          <a:noFill/>
+          <a:extLst>
+            <a:ext uri="{909E8E84-426E-40DD-AFC4-6F175D3DCCD1}">
+              <a14:hiddenFill xmlns:a14="http://schemas.microsoft.com/office/drawing/2010/main">
+                <a:solidFill>
+                  <a:srgbClr val="FFFFFF"/>
+                </a:solidFill>
+              </a14:hiddenFill>
+            </a:ext>
+          </a:extLst>
+        </p:spPr>
+      </p:pic>
     </p:spTree>
     <p:extLst>
       <p:ext uri="{BB962C8B-B14F-4D97-AF65-F5344CB8AC3E}">
@@ -3962,6 +10556,546 @@
 </file>
 
 <file path=ppt/slides/slide6.xml><?xml version="1.0" encoding="utf-8"?>
+<p:sld xmlns:a="http://schemas.openxmlformats.org/drawingml/2006/main" xmlns:r="http://schemas.openxmlformats.org/officeDocument/2006/relationships" xmlns:p="http://schemas.openxmlformats.org/presentationml/2006/main">
+  <p:cSld>
+    <p:spTree>
+      <p:nvGrpSpPr>
+        <p:cNvPr id="1" name=""/>
+        <p:cNvGrpSpPr/>
+        <p:nvPr/>
+      </p:nvGrpSpPr>
+      <p:grpSpPr>
+        <a:xfrm>
+          <a:off x="0" y="0"/>
+          <a:ext cx="0" cy="0"/>
+          <a:chOff x="0" y="0"/>
+          <a:chExt cx="0" cy="0"/>
+        </a:xfrm>
+      </p:grpSpPr>
+      <p:sp>
+        <p:nvSpPr>
+          <p:cNvPr id="2" name="Titel 1">
+            <a:extLst>
+              <a:ext uri="{FF2B5EF4-FFF2-40B4-BE49-F238E27FC236}">
+                <a16:creationId xmlns:a16="http://schemas.microsoft.com/office/drawing/2014/main" id="{4D042ED6-D651-4B6C-B529-20520C125ECC}"/>
+              </a:ext>
+            </a:extLst>
+          </p:cNvPr>
+          <p:cNvSpPr>
+            <a:spLocks noGrp="1"/>
+          </p:cNvSpPr>
+          <p:nvPr>
+            <p:ph type="title"/>
+          </p:nvPr>
+        </p:nvSpPr>
+        <p:spPr/>
+        <p:txBody>
+          <a:bodyPr/>
+          <a:lstStyle/>
+          <a:p>
+            <a:r>
+              <a:rPr lang="en-US" dirty="0"/>
+              <a:t>Expected Prerequisites: Computational</a:t>
+            </a:r>
+            <a:endParaRPr lang="de-CH" dirty="0"/>
+          </a:p>
+        </p:txBody>
+      </p:sp>
+      <p:sp>
+        <p:nvSpPr>
+          <p:cNvPr id="3" name="Inhaltsplatzhalter 2">
+            <a:extLst>
+              <a:ext uri="{FF2B5EF4-FFF2-40B4-BE49-F238E27FC236}">
+                <a16:creationId xmlns:a16="http://schemas.microsoft.com/office/drawing/2014/main" id="{384EC0E0-1BEE-440A-9926-4D97BECD555F}"/>
+              </a:ext>
+            </a:extLst>
+          </p:cNvPr>
+          <p:cNvSpPr>
+            <a:spLocks noGrp="1"/>
+          </p:cNvSpPr>
+          <p:nvPr>
+            <p:ph idx="1"/>
+          </p:nvPr>
+        </p:nvSpPr>
+        <p:spPr/>
+        <p:txBody>
+          <a:bodyPr>
+            <a:normAutofit lnSpcReduction="10000"/>
+          </a:bodyPr>
+          <a:lstStyle/>
+          <a:p>
+            <a:r>
+              <a:rPr lang="en-US" dirty="0"/>
+              <a:t>R/Python scripting</a:t>
+            </a:r>
+          </a:p>
+          <a:p>
+            <a:pPr lvl="1"/>
+            <a:r>
+              <a:rPr lang="en-US" dirty="0"/>
+              <a:t>Writing your own scripts</a:t>
+            </a:r>
+          </a:p>
+          <a:p>
+            <a:pPr lvl="1"/>
+            <a:r>
+              <a:rPr lang="en-US" dirty="0"/>
+              <a:t>Installing packages (Bioconductor, </a:t>
+            </a:r>
+            <a:r>
+              <a:rPr lang="en-US" dirty="0" err="1"/>
+              <a:t>PyPi</a:t>
+            </a:r>
+            <a:r>
+              <a:rPr lang="en-US" dirty="0"/>
+              <a:t>)</a:t>
+            </a:r>
+          </a:p>
+          <a:p>
+            <a:pPr lvl="1"/>
+            <a:r>
+              <a:rPr lang="en-US" dirty="0" err="1"/>
+              <a:t>Renku</a:t>
+            </a:r>
+            <a:r>
+              <a:rPr lang="en-US" dirty="0"/>
+              <a:t> setup: Docker, </a:t>
+            </a:r>
+            <a:r>
+              <a:rPr lang="en-US" dirty="0" err="1"/>
+              <a:t>conda</a:t>
+            </a:r>
+            <a:r>
+              <a:rPr lang="en-US" dirty="0"/>
+              <a:t> environments</a:t>
+            </a:r>
+          </a:p>
+          <a:p>
+            <a:r>
+              <a:rPr lang="en-US" dirty="0"/>
+              <a:t>Bash shell</a:t>
+            </a:r>
+          </a:p>
+          <a:p>
+            <a:pPr lvl="1"/>
+            <a:r>
+              <a:rPr lang="en-US" dirty="0"/>
+              <a:t>Basic commands to navigate a file system and</a:t>
+            </a:r>
+            <a:br>
+              <a:rPr lang="en-US" dirty="0"/>
+            </a:br>
+            <a:r>
+              <a:rPr lang="en-US" dirty="0"/>
+              <a:t>create/copy/rename/remove files and directories</a:t>
+            </a:r>
+          </a:p>
+          <a:p>
+            <a:r>
+              <a:rPr lang="en-US" dirty="0"/>
+              <a:t>Git</a:t>
+            </a:r>
+          </a:p>
+          <a:p>
+            <a:pPr lvl="1"/>
+            <a:r>
+              <a:rPr lang="en-US" dirty="0"/>
+              <a:t>Version control in general</a:t>
+            </a:r>
+          </a:p>
+          <a:p>
+            <a:pPr lvl="1"/>
+            <a:r>
+              <a:rPr lang="en-US" dirty="0"/>
+              <a:t>Cloning a repository</a:t>
+            </a:r>
+          </a:p>
+          <a:p>
+            <a:pPr lvl="1"/>
+            <a:r>
+              <a:rPr lang="en-US" dirty="0"/>
+              <a:t>Add/commit/pull/push</a:t>
+            </a:r>
+          </a:p>
+        </p:txBody>
+      </p:sp>
+    </p:spTree>
+    <p:extLst>
+      <p:ext uri="{BB962C8B-B14F-4D97-AF65-F5344CB8AC3E}">
+        <p14:creationId xmlns:p14="http://schemas.microsoft.com/office/powerpoint/2010/main" val="2020855550"/>
+      </p:ext>
+    </p:extLst>
+  </p:cSld>
+  <p:clrMapOvr>
+    <a:masterClrMapping/>
+  </p:clrMapOvr>
+</p:sld>
+</file>
+
+<file path=ppt/slides/slide7.xml><?xml version="1.0" encoding="utf-8"?>
+<p:sld xmlns:a="http://schemas.openxmlformats.org/drawingml/2006/main" xmlns:r="http://schemas.openxmlformats.org/officeDocument/2006/relationships" xmlns:p="http://schemas.openxmlformats.org/presentationml/2006/main">
+  <p:cSld>
+    <p:spTree>
+      <p:nvGrpSpPr>
+        <p:cNvPr id="1" name=""/>
+        <p:cNvGrpSpPr/>
+        <p:nvPr/>
+      </p:nvGrpSpPr>
+      <p:grpSpPr>
+        <a:xfrm>
+          <a:off x="0" y="0"/>
+          <a:ext cx="0" cy="0"/>
+          <a:chOff x="0" y="0"/>
+          <a:chExt cx="0" cy="0"/>
+        </a:xfrm>
+      </p:grpSpPr>
+      <p:sp>
+        <p:nvSpPr>
+          <p:cNvPr id="2" name="Titel 1">
+            <a:extLst>
+              <a:ext uri="{FF2B5EF4-FFF2-40B4-BE49-F238E27FC236}">
+                <a16:creationId xmlns:a16="http://schemas.microsoft.com/office/drawing/2014/main" id="{4D042ED6-D651-4B6C-B529-20520C125ECC}"/>
+              </a:ext>
+            </a:extLst>
+          </p:cNvPr>
+          <p:cNvSpPr>
+            <a:spLocks noGrp="1"/>
+          </p:cNvSpPr>
+          <p:nvPr>
+            <p:ph type="title"/>
+          </p:nvPr>
+        </p:nvSpPr>
+        <p:spPr/>
+        <p:txBody>
+          <a:bodyPr/>
+          <a:lstStyle/>
+          <a:p>
+            <a:r>
+              <a:rPr lang="en-US" dirty="0"/>
+              <a:t>Expected Prerequisites: Course-specific</a:t>
+            </a:r>
+            <a:endParaRPr lang="de-CH" dirty="0"/>
+          </a:p>
+        </p:txBody>
+      </p:sp>
+      <p:sp>
+        <p:nvSpPr>
+          <p:cNvPr id="3" name="Inhaltsplatzhalter 2">
+            <a:extLst>
+              <a:ext uri="{FF2B5EF4-FFF2-40B4-BE49-F238E27FC236}">
+                <a16:creationId xmlns:a16="http://schemas.microsoft.com/office/drawing/2014/main" id="{384EC0E0-1BEE-440A-9926-4D97BECD555F}"/>
+              </a:ext>
+            </a:extLst>
+          </p:cNvPr>
+          <p:cNvSpPr>
+            <a:spLocks noGrp="1"/>
+          </p:cNvSpPr>
+          <p:nvPr>
+            <p:ph idx="1"/>
+          </p:nvPr>
+        </p:nvSpPr>
+        <p:spPr/>
+        <p:txBody>
+          <a:bodyPr/>
+          <a:lstStyle/>
+          <a:p>
+            <a:r>
+              <a:rPr lang="en-US" dirty="0"/>
+              <a:t>Zoom client: </a:t>
+            </a:r>
+            <a:r>
+              <a:rPr lang="de-CH" dirty="0">
+                <a:hlinkClick r:id="rId2"/>
+              </a:rPr>
+              <a:t>https://zoom.us/</a:t>
+            </a:r>
+            <a:endParaRPr lang="en-US" dirty="0"/>
+          </a:p>
+          <a:p>
+            <a:r>
+              <a:rPr lang="en-US" dirty="0" err="1"/>
+              <a:t>Renku</a:t>
+            </a:r>
+            <a:r>
+              <a:rPr lang="en-US" dirty="0"/>
+              <a:t> account</a:t>
+            </a:r>
+          </a:p>
+          <a:p>
+            <a:r>
+              <a:rPr lang="en-US" dirty="0"/>
+              <a:t>Course repo on GitHub: </a:t>
+            </a:r>
+            <a:r>
+              <a:rPr lang="en-US" dirty="0">
+                <a:hlinkClick r:id="rId3"/>
+              </a:rPr>
+              <a:t>https://github.com/fmicompbio/adv_scrnaseq_2020</a:t>
+            </a:r>
+            <a:r>
+              <a:rPr lang="en-US" dirty="0"/>
+              <a:t> </a:t>
+            </a:r>
+          </a:p>
+          <a:p>
+            <a:r>
+              <a:rPr lang="en-US" dirty="0"/>
+              <a:t>Slack workspace (invite link in the email)</a:t>
+            </a:r>
+          </a:p>
+          <a:p>
+            <a:r>
+              <a:rPr lang="en-US" dirty="0" err="1"/>
+              <a:t>HackMD</a:t>
+            </a:r>
+            <a:r>
+              <a:rPr lang="en-US" dirty="0"/>
+              <a:t> document link (link in the email)</a:t>
+            </a:r>
+          </a:p>
+          <a:p>
+            <a:endParaRPr lang="de-CH" dirty="0"/>
+          </a:p>
+        </p:txBody>
+      </p:sp>
+    </p:spTree>
+    <p:extLst>
+      <p:ext uri="{BB962C8B-B14F-4D97-AF65-F5344CB8AC3E}">
+        <p14:creationId xmlns:p14="http://schemas.microsoft.com/office/powerpoint/2010/main" val="494136986"/>
+      </p:ext>
+    </p:extLst>
+  </p:cSld>
+  <p:clrMapOvr>
+    <a:masterClrMapping/>
+  </p:clrMapOvr>
+</p:sld>
+</file>
+
+<file path=ppt/slides/slide8.xml><?xml version="1.0" encoding="utf-8"?>
+<p:sld xmlns:a="http://schemas.openxmlformats.org/drawingml/2006/main" xmlns:r="http://schemas.openxmlformats.org/officeDocument/2006/relationships" xmlns:p="http://schemas.openxmlformats.org/presentationml/2006/main">
+  <p:cSld>
+    <p:spTree>
+      <p:nvGrpSpPr>
+        <p:cNvPr id="1" name=""/>
+        <p:cNvGrpSpPr/>
+        <p:nvPr/>
+      </p:nvGrpSpPr>
+      <p:grpSpPr>
+        <a:xfrm>
+          <a:off x="0" y="0"/>
+          <a:ext cx="0" cy="0"/>
+          <a:chOff x="0" y="0"/>
+          <a:chExt cx="0" cy="0"/>
+        </a:xfrm>
+      </p:grpSpPr>
+      <p:sp>
+        <p:nvSpPr>
+          <p:cNvPr id="2" name="Titel 1">
+            <a:extLst>
+              <a:ext uri="{FF2B5EF4-FFF2-40B4-BE49-F238E27FC236}">
+                <a16:creationId xmlns:a16="http://schemas.microsoft.com/office/drawing/2014/main" id="{E2EDF641-47F7-4A63-8DE4-60295E8A3BF8}"/>
+              </a:ext>
+            </a:extLst>
+          </p:cNvPr>
+          <p:cNvSpPr>
+            <a:spLocks noGrp="1"/>
+          </p:cNvSpPr>
+          <p:nvPr>
+            <p:ph type="title"/>
+          </p:nvPr>
+        </p:nvSpPr>
+        <p:spPr/>
+        <p:txBody>
+          <a:bodyPr/>
+          <a:lstStyle/>
+          <a:p>
+            <a:r>
+              <a:rPr lang="en-US" dirty="0"/>
+              <a:t>Prepare </a:t>
+            </a:r>
+            <a:r>
+              <a:rPr lang="en-US" dirty="0" err="1"/>
+              <a:t>Renku</a:t>
+            </a:r>
+            <a:r>
+              <a:rPr lang="en-US" dirty="0"/>
+              <a:t> workspace</a:t>
+            </a:r>
+            <a:endParaRPr lang="de-CH" dirty="0"/>
+          </a:p>
+        </p:txBody>
+      </p:sp>
+      <p:sp>
+        <p:nvSpPr>
+          <p:cNvPr id="3" name="Inhaltsplatzhalter 2">
+            <a:extLst>
+              <a:ext uri="{FF2B5EF4-FFF2-40B4-BE49-F238E27FC236}">
+                <a16:creationId xmlns:a16="http://schemas.microsoft.com/office/drawing/2014/main" id="{76E6D0E1-C740-469B-B9BF-6980C111CFD0}"/>
+              </a:ext>
+            </a:extLst>
+          </p:cNvPr>
+          <p:cNvSpPr>
+            <a:spLocks noGrp="1"/>
+          </p:cNvSpPr>
+          <p:nvPr>
+            <p:ph idx="1"/>
+          </p:nvPr>
+        </p:nvSpPr>
+        <p:spPr/>
+        <p:txBody>
+          <a:bodyPr>
+            <a:normAutofit lnSpcReduction="10000"/>
+          </a:bodyPr>
+          <a:lstStyle/>
+          <a:p>
+            <a:pPr marL="514350" indent="-514350">
+              <a:buFont typeface="+mj-lt"/>
+              <a:buAutoNum type="arabicPeriod"/>
+            </a:pPr>
+            <a:r>
+              <a:rPr lang="en-US" dirty="0"/>
+              <a:t>Login to </a:t>
+            </a:r>
+            <a:r>
+              <a:rPr lang="en-US" dirty="0" err="1"/>
+              <a:t>renku</a:t>
+            </a:r>
+            <a:r>
+              <a:rPr lang="en-US" dirty="0"/>
+              <a:t> at: </a:t>
+            </a:r>
+            <a:r>
+              <a:rPr lang="de-CH" dirty="0">
+                <a:hlinkClick r:id="rId2"/>
+              </a:rPr>
+              <a:t>https://renkulab.io/</a:t>
+            </a:r>
+            <a:endParaRPr lang="en-US" dirty="0"/>
+          </a:p>
+          <a:p>
+            <a:pPr marL="514350" indent="-514350">
+              <a:buFont typeface="+mj-lt"/>
+              <a:buAutoNum type="arabicPeriod"/>
+            </a:pPr>
+            <a:r>
+              <a:rPr lang="en-US" dirty="0"/>
+              <a:t>Navigate to </a:t>
+            </a:r>
+            <a:r>
+              <a:rPr lang="en-US" dirty="0" err="1"/>
+              <a:t>Renku</a:t>
+            </a:r>
+            <a:r>
+              <a:rPr lang="en-US" dirty="0"/>
+              <a:t> project (public, but read-only): </a:t>
+            </a:r>
+            <a:r>
+              <a:rPr lang="en-US" dirty="0">
+                <a:hlinkClick r:id="rId3"/>
+              </a:rPr>
+              <a:t>https://renkulab.io/projects/stadler.michael/adv_scrnaseq_2020/</a:t>
+            </a:r>
+            <a:r>
+              <a:rPr lang="en-US" dirty="0"/>
+              <a:t> </a:t>
+            </a:r>
+          </a:p>
+          <a:p>
+            <a:pPr marL="514350" indent="-514350">
+              <a:buFont typeface="+mj-lt"/>
+              <a:buAutoNum type="arabicPeriod"/>
+            </a:pPr>
+            <a:r>
+              <a:rPr lang="en-US" dirty="0"/>
+              <a:t>Fork project for yourself (writable)</a:t>
+            </a:r>
+          </a:p>
+          <a:p>
+            <a:pPr marL="514350" indent="-514350">
+              <a:buFont typeface="+mj-lt"/>
+              <a:buAutoNum type="arabicPeriod"/>
+            </a:pPr>
+            <a:r>
+              <a:rPr lang="en-US" dirty="0"/>
+              <a:t>Start an environment (/lab or /</a:t>
+            </a:r>
+            <a:r>
+              <a:rPr lang="en-US" dirty="0" err="1"/>
+              <a:t>rstudio</a:t>
+            </a:r>
+            <a:r>
+              <a:rPr lang="en-US" dirty="0"/>
+              <a:t>)</a:t>
+            </a:r>
+          </a:p>
+          <a:p>
+            <a:pPr marL="514350" indent="-514350">
+              <a:buFont typeface="+mj-lt"/>
+              <a:buAutoNum type="arabicPeriod"/>
+            </a:pPr>
+            <a:r>
+              <a:rPr lang="en-US" dirty="0"/>
+              <a:t>Open a terminal</a:t>
+            </a:r>
+          </a:p>
+          <a:p>
+            <a:pPr marL="514350" indent="-514350">
+              <a:buFont typeface="+mj-lt"/>
+              <a:buAutoNum type="arabicPeriod"/>
+            </a:pPr>
+            <a:r>
+              <a:rPr lang="en-US" dirty="0"/>
+              <a:t>Clone the course GitHub repo (slides handouts, exercises)</a:t>
+            </a:r>
+          </a:p>
+          <a:p>
+            <a:pPr marL="514350" indent="-514350">
+              <a:buFont typeface="+mj-lt"/>
+              <a:buAutoNum type="arabicPeriod"/>
+            </a:pPr>
+            <a:r>
+              <a:rPr lang="en-US" dirty="0"/>
+              <a:t>Push the changes to the master branch</a:t>
+            </a:r>
+          </a:p>
+          <a:p>
+            <a:pPr marL="514350" indent="-514350">
+              <a:buFont typeface="+mj-lt"/>
+              <a:buAutoNum type="arabicPeriod"/>
+            </a:pPr>
+            <a:r>
+              <a:rPr lang="en-US" dirty="0"/>
+              <a:t>Update slides </a:t>
+            </a:r>
+            <a:r>
+              <a:rPr lang="en-US"/>
+              <a:t>from GitHub</a:t>
+            </a:r>
+            <a:endParaRPr lang="en-US" dirty="0"/>
+          </a:p>
+          <a:p>
+            <a:pPr marL="514350" indent="-514350">
+              <a:buFont typeface="+mj-lt"/>
+              <a:buAutoNum type="arabicPeriod"/>
+            </a:pPr>
+            <a:endParaRPr lang="de-CH" dirty="0"/>
+          </a:p>
+        </p:txBody>
+      </p:sp>
+    </p:spTree>
+    <p:extLst>
+      <p:ext uri="{BB962C8B-B14F-4D97-AF65-F5344CB8AC3E}">
+        <p14:creationId xmlns:p14="http://schemas.microsoft.com/office/powerpoint/2010/main" val="568621246"/>
+      </p:ext>
+    </p:extLst>
+  </p:cSld>
+  <p:clrMapOvr>
+    <a:masterClrMapping/>
+  </p:clrMapOvr>
+</p:sld>
+</file>
+
+<file path=ppt/slides/slide9.xml><?xml version="1.0" encoding="utf-8"?>
 <p:sld xmlns:a="http://schemas.openxmlformats.org/drawingml/2006/main" xmlns:r="http://schemas.openxmlformats.org/officeDocument/2006/relationships" xmlns:p="http://schemas.openxmlformats.org/presentationml/2006/main">
   <p:cSld>
     <p:spTree>
@@ -4026,7 +11160,7 @@
         <p:spPr/>
         <p:txBody>
           <a:bodyPr>
-            <a:normAutofit fontScale="92500" lnSpcReduction="20000"/>
+            <a:normAutofit fontScale="85000" lnSpcReduction="20000"/>
           </a:bodyPr>
           <a:lstStyle/>
           <a:p>
@@ -4097,7 +11231,7 @@
           <a:p>
             <a:r>
               <a:rPr lang="en-US" dirty="0"/>
-              <a:t>Course GitHub repository (slides, handouts):</a:t>
+              <a:t>Course GitHub repository (slides, handouts, exercises):</a:t>
             </a:r>
           </a:p>
           <a:p>
@@ -4133,7 +11267,7 @@
           <a:p>
             <a:r>
               <a:rPr lang="en-US" dirty="0"/>
-              <a:t>R/Python:</a:t>
+              <a:t>R/Python/git:</a:t>
             </a:r>
           </a:p>
           <a:p>
@@ -4154,6 +11288,34 @@
               </a:rPr>
               <a:t>https://rpy2.github.io/</a:t>
             </a:r>
+            <a:endParaRPr lang="de-CH" dirty="0"/>
+          </a:p>
+          <a:p>
+            <a:pPr lvl="1"/>
+            <a:r>
+              <a:rPr lang="de-CH" dirty="0">
+                <a:hlinkClick r:id="rId8"/>
+              </a:rPr>
+              <a:t>https://rogerdudler.github.io/git-guide/</a:t>
+            </a:r>
+            <a:r>
+              <a:rPr lang="de-CH" dirty="0"/>
+              <a:t> </a:t>
+            </a:r>
+            <a:r>
+              <a:rPr lang="de-CH" dirty="0" err="1"/>
+              <a:t>or</a:t>
+            </a:r>
+            <a:r>
+              <a:rPr lang="de-CH" dirty="0"/>
+              <a:t> </a:t>
+            </a:r>
+            <a:r>
+              <a:rPr lang="de-CH" dirty="0">
+                <a:hlinkClick r:id="rId9"/>
+              </a:rPr>
+              <a:t>https://git-scm.com/doc</a:t>
+            </a:r>
             <a:endParaRPr lang="en-US" dirty="0"/>
           </a:p>
           <a:p>
@@ -4166,7 +11328,7 @@
             <a:pPr lvl="1"/>
             <a:r>
               <a:rPr lang="de-CH" dirty="0">
-                <a:hlinkClick r:id="rId8"/>
+                <a:hlinkClick r:id="rId10"/>
               </a:rPr>
               <a:t>https://osca.bioconductor.org/</a:t>
             </a:r>
